--- a/Notes and Slides/CIS399wk1Day4-Code.pptx
+++ b/Notes and Slides/CIS399wk1Day4-Code.pptx
@@ -5,10 +5,10 @@
     <p:sldMasterId id="2147483669" r:id="rId1"/>
   </p:sldMasterIdLst>
   <p:notesMasterIdLst>
-    <p:notesMasterId r:id="rId26"/>
+    <p:notesMasterId r:id="rId28"/>
   </p:notesMasterIdLst>
   <p:handoutMasterIdLst>
-    <p:handoutMasterId r:id="rId27"/>
+    <p:handoutMasterId r:id="rId29"/>
   </p:handoutMasterIdLst>
   <p:sldIdLst>
     <p:sldId id="362" r:id="rId2"/>
@@ -23,18 +23,20 @@
     <p:sldId id="373" r:id="rId11"/>
     <p:sldId id="371" r:id="rId12"/>
     <p:sldId id="353" r:id="rId13"/>
-    <p:sldId id="354" r:id="rId14"/>
-    <p:sldId id="355" r:id="rId15"/>
-    <p:sldId id="367" r:id="rId16"/>
-    <p:sldId id="356" r:id="rId17"/>
-    <p:sldId id="357" r:id="rId18"/>
-    <p:sldId id="368" r:id="rId19"/>
-    <p:sldId id="360" r:id="rId20"/>
-    <p:sldId id="358" r:id="rId21"/>
-    <p:sldId id="359" r:id="rId22"/>
-    <p:sldId id="369" r:id="rId23"/>
-    <p:sldId id="361" r:id="rId24"/>
-    <p:sldId id="372" r:id="rId25"/>
+    <p:sldId id="375" r:id="rId14"/>
+    <p:sldId id="374" r:id="rId15"/>
+    <p:sldId id="354" r:id="rId16"/>
+    <p:sldId id="355" r:id="rId17"/>
+    <p:sldId id="367" r:id="rId18"/>
+    <p:sldId id="356" r:id="rId19"/>
+    <p:sldId id="357" r:id="rId20"/>
+    <p:sldId id="368" r:id="rId21"/>
+    <p:sldId id="360" r:id="rId22"/>
+    <p:sldId id="358" r:id="rId23"/>
+    <p:sldId id="359" r:id="rId24"/>
+    <p:sldId id="369" r:id="rId25"/>
+    <p:sldId id="361" r:id="rId26"/>
+    <p:sldId id="372" r:id="rId27"/>
   </p:sldIdLst>
   <p:sldSz cx="9144000" cy="6858000" type="screen4x3"/>
   <p:notesSz cx="6858000" cy="9144000"/>
@@ -353,7 +355,7 @@
               <a:pPr>
                 <a:defRPr/>
               </a:pPr>
-              <a:t>6/29/17</a:t>
+              <a:t>6/28/18</a:t>
             </a:fld>
             <a:endParaRPr lang="en-US"/>
           </a:p>
@@ -715,35 +717,35 @@
           <a:p>
             <a:pPr lvl="0"/>
             <a:r>
-              <a:rPr lang="en-US" noProof="0" smtClean="0"/>
+              <a:rPr lang="en-US" noProof="0"/>
               <a:t>Click to edit Master text styles</a:t>
             </a:r>
           </a:p>
           <a:p>
             <a:pPr lvl="1"/>
             <a:r>
-              <a:rPr lang="en-US" noProof="0" smtClean="0"/>
+              <a:rPr lang="en-US" noProof="0"/>
               <a:t>Second level</a:t>
             </a:r>
           </a:p>
           <a:p>
             <a:pPr lvl="2"/>
             <a:r>
-              <a:rPr lang="en-US" noProof="0" smtClean="0"/>
+              <a:rPr lang="en-US" noProof="0"/>
               <a:t>Third level</a:t>
             </a:r>
           </a:p>
           <a:p>
             <a:pPr lvl="3"/>
             <a:r>
-              <a:rPr lang="en-US" noProof="0" smtClean="0"/>
+              <a:rPr lang="en-US" noProof="0"/>
               <a:t>Fourth level</a:t>
             </a:r>
           </a:p>
           <a:p>
             <a:pPr lvl="4"/>
             <a:r>
-              <a:rPr lang="en-US" noProof="0" smtClean="0"/>
+              <a:rPr lang="en-US" noProof="0"/>
               <a:t>Fifth level</a:t>
             </a:r>
           </a:p>
@@ -1030,19 +1032,19 @@
           <a:lstStyle/>
           <a:p>
             <a:r>
-              <a:rPr lang="en-US" dirty="0" smtClean="0"/>
+              <a:rPr lang="en-US" dirty="0"/>
               <a:t>https://</a:t>
             </a:r>
             <a:r>
-              <a:rPr lang="en-US" dirty="0" err="1" smtClean="0"/>
+              <a:rPr lang="en-US" dirty="0" err="1"/>
               <a:t>developer.android.com</a:t>
             </a:r>
             <a:r>
-              <a:rPr lang="en-US" dirty="0" smtClean="0"/>
+              <a:rPr lang="en-US" dirty="0"/>
               <a:t>/guide/topics/data/</a:t>
             </a:r>
             <a:r>
-              <a:rPr lang="en-US" dirty="0" err="1" smtClean="0"/>
+              <a:rPr lang="en-US" dirty="0" err="1"/>
               <a:t>data-storage.html#pref</a:t>
             </a:r>
             <a:endParaRPr lang="en-US" dirty="0"/>
@@ -1136,20 +1138,20 @@
           <a:lstStyle/>
           <a:p>
             <a:r>
-              <a:rPr lang="en-US" dirty="0" smtClean="0"/>
+              <a:rPr lang="en-US" dirty="0"/>
               <a:t>https://</a:t>
             </a:r>
             <a:r>
-              <a:rPr lang="en-US" dirty="0" err="1" smtClean="0"/>
+              <a:rPr lang="en-US" dirty="0" err="1"/>
               <a:t>developer.android.com</a:t>
             </a:r>
             <a:r>
-              <a:rPr lang="en-US" dirty="0" smtClean="0"/>
-              <a:t>/reference/</a:t>
-            </a:r>
-            <a:r>
-              <a:rPr lang="en-US" dirty="0" err="1" smtClean="0"/>
-              <a:t>classes.html</a:t>
+              <a:rPr lang="en-US" dirty="0"/>
+              <a:t>/guide/topics/manifest/manifest-</a:t>
+            </a:r>
+            <a:r>
+              <a:rPr lang="en-US" dirty="0" err="1"/>
+              <a:t>intro.html</a:t>
             </a:r>
             <a:endParaRPr lang="en-US" dirty="0"/>
           </a:p>
@@ -1178,7 +1180,7 @@
               <a:pPr>
                 <a:defRPr/>
               </a:pPr>
-              <a:t>22</a:t>
+              <a:t>20</a:t>
             </a:fld>
             <a:endParaRPr lang="en-US"/>
           </a:p>
@@ -1242,13 +1244,27 @@
           <a:lstStyle/>
           <a:p>
             <a:r>
-              <a:rPr lang="en-US" dirty="0" smtClean="0"/>
-              <a:t>https://developer.android.com/reference/android/app/</a:t>
-            </a:r>
-            <a:r>
-              <a:rPr lang="en-US" dirty="0" err="1" smtClean="0"/>
-              <a:t>Activity.html</a:t>
-            </a:r>
+              <a:rPr lang="en-US" dirty="0"/>
+              <a:t>http://</a:t>
+            </a:r>
+            <a:r>
+              <a:rPr lang="en-US" dirty="0" err="1"/>
+              <a:t>romannurik.github.io</a:t>
+            </a:r>
+            <a:r>
+              <a:rPr lang="en-US" dirty="0"/>
+              <a:t>/</a:t>
+            </a:r>
+            <a:r>
+              <a:rPr lang="en-US" dirty="0" err="1"/>
+              <a:t>AndroidAssetStudio</a:t>
+            </a:r>
+            <a:r>
+              <a:rPr lang="en-US" dirty="0"/>
+              <a:t>/</a:t>
+            </a:r>
+          </a:p>
+          <a:p>
             <a:endParaRPr lang="en-US" dirty="0"/>
           </a:p>
         </p:txBody>
@@ -1276,7 +1292,211 @@
               <a:pPr>
                 <a:defRPr/>
               </a:pPr>
-              <a:t>23</a:t>
+              <a:t>22</a:t>
+            </a:fld>
+            <a:endParaRPr lang="en-US"/>
+          </a:p>
+        </p:txBody>
+      </p:sp>
+    </p:spTree>
+    <p:extLst>
+      <p:ext uri="{BB962C8B-B14F-4D97-AF65-F5344CB8AC3E}">
+        <p14:creationId xmlns:p14="http://schemas.microsoft.com/office/powerpoint/2010/main" val="1685530198"/>
+      </p:ext>
+    </p:extLst>
+  </p:cSld>
+  <p:clrMapOvr>
+    <a:masterClrMapping/>
+  </p:clrMapOvr>
+</p:notes>
+</file>
+
+<file path=ppt/notesSlides/notesSlide12.xml><?xml version="1.0" encoding="utf-8"?>
+<p:notes xmlns:a="http://schemas.openxmlformats.org/drawingml/2006/main" xmlns:r="http://schemas.openxmlformats.org/officeDocument/2006/relationships" xmlns:p="http://schemas.openxmlformats.org/presentationml/2006/main">
+  <p:cSld>
+    <p:spTree>
+      <p:nvGrpSpPr>
+        <p:cNvPr id="1" name=""/>
+        <p:cNvGrpSpPr/>
+        <p:nvPr/>
+      </p:nvGrpSpPr>
+      <p:grpSpPr>
+        <a:xfrm>
+          <a:off x="0" y="0"/>
+          <a:ext cx="0" cy="0"/>
+          <a:chOff x="0" y="0"/>
+          <a:chExt cx="0" cy="0"/>
+        </a:xfrm>
+      </p:grpSpPr>
+      <p:sp>
+        <p:nvSpPr>
+          <p:cNvPr id="2" name="Slide Image Placeholder 1"/>
+          <p:cNvSpPr>
+            <a:spLocks noGrp="1" noRot="1" noChangeAspect="1"/>
+          </p:cNvSpPr>
+          <p:nvPr>
+            <p:ph type="sldImg"/>
+          </p:nvPr>
+        </p:nvSpPr>
+        <p:spPr/>
+      </p:sp>
+      <p:sp>
+        <p:nvSpPr>
+          <p:cNvPr id="3" name="Notes Placeholder 2"/>
+          <p:cNvSpPr>
+            <a:spLocks noGrp="1"/>
+          </p:cNvSpPr>
+          <p:nvPr>
+            <p:ph type="body" idx="1"/>
+          </p:nvPr>
+        </p:nvSpPr>
+        <p:spPr/>
+        <p:txBody>
+          <a:bodyPr/>
+          <a:lstStyle/>
+          <a:p>
+            <a:r>
+              <a:rPr lang="en-US" dirty="0"/>
+              <a:t>https://</a:t>
+            </a:r>
+            <a:r>
+              <a:rPr lang="en-US" dirty="0" err="1"/>
+              <a:t>developer.android.com</a:t>
+            </a:r>
+            <a:r>
+              <a:rPr lang="en-US" dirty="0"/>
+              <a:t>/reference/</a:t>
+            </a:r>
+            <a:r>
+              <a:rPr lang="en-US" dirty="0" err="1"/>
+              <a:t>classes.html</a:t>
+            </a:r>
+            <a:endParaRPr lang="en-US" dirty="0"/>
+          </a:p>
+        </p:txBody>
+      </p:sp>
+      <p:sp>
+        <p:nvSpPr>
+          <p:cNvPr id="4" name="Slide Number Placeholder 3"/>
+          <p:cNvSpPr>
+            <a:spLocks noGrp="1"/>
+          </p:cNvSpPr>
+          <p:nvPr>
+            <p:ph type="sldNum" sz="quarter" idx="10"/>
+          </p:nvPr>
+        </p:nvSpPr>
+        <p:spPr/>
+        <p:txBody>
+          <a:bodyPr/>
+          <a:lstStyle/>
+          <a:p>
+            <a:pPr>
+              <a:defRPr/>
+            </a:pPr>
+            <a:fld id="{82C5A2EE-74B4-4329-B2EC-6DFE0575EDC9}" type="slidenum">
+              <a:rPr lang="en-US" smtClean="0"/>
+              <a:pPr>
+                <a:defRPr/>
+              </a:pPr>
+              <a:t>24</a:t>
+            </a:fld>
+            <a:endParaRPr lang="en-US"/>
+          </a:p>
+        </p:txBody>
+      </p:sp>
+    </p:spTree>
+    <p:extLst>
+      <p:ext uri="{BB962C8B-B14F-4D97-AF65-F5344CB8AC3E}">
+        <p14:creationId xmlns:p14="http://schemas.microsoft.com/office/powerpoint/2010/main" val="3269991422"/>
+      </p:ext>
+    </p:extLst>
+  </p:cSld>
+  <p:clrMapOvr>
+    <a:masterClrMapping/>
+  </p:clrMapOvr>
+</p:notes>
+</file>
+
+<file path=ppt/notesSlides/notesSlide13.xml><?xml version="1.0" encoding="utf-8"?>
+<p:notes xmlns:a="http://schemas.openxmlformats.org/drawingml/2006/main" xmlns:r="http://schemas.openxmlformats.org/officeDocument/2006/relationships" xmlns:p="http://schemas.openxmlformats.org/presentationml/2006/main">
+  <p:cSld>
+    <p:spTree>
+      <p:nvGrpSpPr>
+        <p:cNvPr id="1" name=""/>
+        <p:cNvGrpSpPr/>
+        <p:nvPr/>
+      </p:nvGrpSpPr>
+      <p:grpSpPr>
+        <a:xfrm>
+          <a:off x="0" y="0"/>
+          <a:ext cx="0" cy="0"/>
+          <a:chOff x="0" y="0"/>
+          <a:chExt cx="0" cy="0"/>
+        </a:xfrm>
+      </p:grpSpPr>
+      <p:sp>
+        <p:nvSpPr>
+          <p:cNvPr id="2" name="Slide Image Placeholder 1"/>
+          <p:cNvSpPr>
+            <a:spLocks noGrp="1" noRot="1" noChangeAspect="1"/>
+          </p:cNvSpPr>
+          <p:nvPr>
+            <p:ph type="sldImg"/>
+          </p:nvPr>
+        </p:nvSpPr>
+        <p:spPr/>
+      </p:sp>
+      <p:sp>
+        <p:nvSpPr>
+          <p:cNvPr id="3" name="Notes Placeholder 2"/>
+          <p:cNvSpPr>
+            <a:spLocks noGrp="1"/>
+          </p:cNvSpPr>
+          <p:nvPr>
+            <p:ph type="body" idx="1"/>
+          </p:nvPr>
+        </p:nvSpPr>
+        <p:spPr/>
+        <p:txBody>
+          <a:bodyPr/>
+          <a:lstStyle/>
+          <a:p>
+            <a:r>
+              <a:rPr lang="en-US" dirty="0"/>
+              <a:t>https://developer.android.com/reference/android/app/</a:t>
+            </a:r>
+            <a:r>
+              <a:rPr lang="en-US" dirty="0" err="1"/>
+              <a:t>Activity.html</a:t>
+            </a:r>
+            <a:endParaRPr lang="en-US" dirty="0"/>
+          </a:p>
+        </p:txBody>
+      </p:sp>
+      <p:sp>
+        <p:nvSpPr>
+          <p:cNvPr id="4" name="Slide Number Placeholder 3"/>
+          <p:cNvSpPr>
+            <a:spLocks noGrp="1"/>
+          </p:cNvSpPr>
+          <p:nvPr>
+            <p:ph type="sldNum" sz="quarter" idx="10"/>
+          </p:nvPr>
+        </p:nvSpPr>
+        <p:spPr/>
+        <p:txBody>
+          <a:bodyPr/>
+          <a:lstStyle/>
+          <a:p>
+            <a:pPr>
+              <a:defRPr/>
+            </a:pPr>
+            <a:fld id="{82C5A2EE-74B4-4329-B2EC-6DFE0575EDC9}" type="slidenum">
+              <a:rPr lang="en-US" smtClean="0"/>
+              <a:pPr>
+                <a:defRPr/>
+              </a:pPr>
+              <a:t>25</a:t>
             </a:fld>
             <a:endParaRPr lang="en-US"/>
           </a:p>
@@ -1340,31 +1560,31 @@
           <a:lstStyle/>
           <a:p>
             <a:r>
-              <a:rPr lang="en-US" dirty="0" smtClean="0"/>
+              <a:rPr lang="en-US" dirty="0"/>
               <a:t>https://</a:t>
             </a:r>
             <a:r>
-              <a:rPr lang="en-US" dirty="0" err="1" smtClean="0"/>
+              <a:rPr lang="en-US" dirty="0" err="1"/>
               <a:t>developer.android.com</a:t>
             </a:r>
             <a:r>
-              <a:rPr lang="en-US" dirty="0" smtClean="0"/>
+              <a:rPr lang="en-US" dirty="0"/>
               <a:t>/reference/android/app/</a:t>
             </a:r>
             <a:r>
-              <a:rPr lang="en-US" dirty="0" err="1" smtClean="0"/>
+              <a:rPr lang="en-US" dirty="0" err="1"/>
               <a:t>Activity.html#onSaveInstanceState</a:t>
             </a:r>
             <a:r>
-              <a:rPr lang="en-US" dirty="0" smtClean="0"/>
+              <a:rPr lang="en-US" dirty="0"/>
               <a:t>(</a:t>
             </a:r>
             <a:r>
-              <a:rPr lang="en-US" dirty="0" err="1" smtClean="0"/>
+              <a:rPr lang="en-US" dirty="0" err="1"/>
               <a:t>android.os.Bundle</a:t>
             </a:r>
             <a:r>
-              <a:rPr lang="en-US" smtClean="0"/>
+              <a:rPr lang="en-US"/>
               <a:t>)</a:t>
             </a:r>
           </a:p>
@@ -1460,22 +1680,22 @@
           <a:lstStyle/>
           <a:p>
             <a:r>
-              <a:rPr lang="en-US" dirty="0" smtClean="0"/>
+              <a:rPr lang="en-US" dirty="0"/>
               <a:t>https://</a:t>
             </a:r>
             <a:r>
-              <a:rPr lang="en-US" dirty="0" err="1" smtClean="0"/>
+              <a:rPr lang="en-US" dirty="0" err="1"/>
               <a:t>developer.android.com</a:t>
             </a:r>
             <a:r>
-              <a:rPr lang="en-US" dirty="0" smtClean="0"/>
+              <a:rPr lang="en-US" dirty="0"/>
               <a:t>/guide/components/activities/</a:t>
             </a:r>
             <a:r>
-              <a:rPr lang="en-US" dirty="0" err="1" smtClean="0"/>
+              <a:rPr lang="en-US" dirty="0" err="1"/>
               <a:t>activity-lifecycle.html#saras</a:t>
             </a:r>
-            <a:endParaRPr lang="en-US" dirty="0" smtClean="0"/>
+            <a:endParaRPr lang="en-US" dirty="0"/>
           </a:p>
           <a:p>
             <a:endParaRPr lang="en-US" dirty="0"/>
@@ -1569,22 +1789,22 @@
           <a:lstStyle/>
           <a:p>
             <a:r>
-              <a:rPr lang="en-US" dirty="0" smtClean="0"/>
+              <a:rPr lang="en-US" dirty="0"/>
               <a:t>https://</a:t>
             </a:r>
             <a:r>
-              <a:rPr lang="en-US" dirty="0" err="1" smtClean="0"/>
+              <a:rPr lang="en-US" dirty="0" err="1"/>
               <a:t>developer.android.com</a:t>
             </a:r>
             <a:r>
-              <a:rPr lang="en-US" dirty="0" smtClean="0"/>
+              <a:rPr lang="en-US" dirty="0"/>
               <a:t>/guide/components/activities/</a:t>
             </a:r>
             <a:r>
-              <a:rPr lang="en-US" dirty="0" err="1" smtClean="0"/>
+              <a:rPr lang="en-US" dirty="0" err="1"/>
               <a:t>activity-lifecycle.html#saras</a:t>
             </a:r>
-            <a:endParaRPr lang="en-US" dirty="0" smtClean="0"/>
+            <a:endParaRPr lang="en-US" dirty="0"/>
           </a:p>
           <a:p>
             <a:endParaRPr lang="en-US" dirty="0"/>
@@ -1678,29 +1898,29 @@
           <a:lstStyle/>
           <a:p>
             <a:r>
-              <a:rPr lang="en-US" dirty="0" smtClean="0"/>
+              <a:rPr lang="en-US" dirty="0"/>
               <a:t>https://</a:t>
             </a:r>
             <a:r>
-              <a:rPr lang="en-US" dirty="0" err="1" smtClean="0"/>
+              <a:rPr lang="en-US" dirty="0" err="1"/>
               <a:t>en.wikipedia.org</a:t>
             </a:r>
             <a:r>
-              <a:rPr lang="en-US" dirty="0" smtClean="0"/>
+              <a:rPr lang="en-US" dirty="0"/>
               <a:t>/wiki/Gradle</a:t>
             </a:r>
           </a:p>
           <a:p>
             <a:r>
-              <a:rPr lang="en-US" dirty="0" smtClean="0"/>
+              <a:rPr lang="en-US" dirty="0"/>
               <a:t>http://</a:t>
             </a:r>
             <a:r>
-              <a:rPr lang="en-US" dirty="0" err="1" smtClean="0"/>
+              <a:rPr lang="en-US" dirty="0" err="1"/>
               <a:t>gradle.org</a:t>
             </a:r>
             <a:r>
-              <a:rPr lang="en-US" dirty="0" smtClean="0"/>
+              <a:rPr lang="en-US" dirty="0"/>
               <a:t>/</a:t>
             </a:r>
           </a:p>
@@ -1796,25 +2016,17 @@
           <a:lstStyle/>
           <a:p>
             <a:r>
-              <a:rPr lang="en-US" dirty="0" smtClean="0"/>
-              <a:t>Project view: app, </a:t>
-            </a:r>
-            <a:r>
-              <a:rPr lang="en-US" dirty="0" err="1" smtClean="0"/>
-              <a:t>build.gradle</a:t>
-            </a:r>
-            <a:endParaRPr lang="en-US" dirty="0" smtClean="0"/>
-          </a:p>
-          <a:p>
-            <a:r>
-              <a:rPr lang="en-US" dirty="0" smtClean="0"/>
-              <a:t>Project Files view: app, app, </a:t>
-            </a:r>
-            <a:r>
-              <a:rPr lang="en-US" dirty="0" err="1" smtClean="0"/>
-              <a:t>build.gradle</a:t>
-            </a:r>
-            <a:endParaRPr lang="en-US" dirty="0"/>
+              <a:rPr lang="en-US" dirty="0"/>
+              <a:t>https://</a:t>
+            </a:r>
+            <a:r>
+              <a:rPr lang="en-US" dirty="0" err="1"/>
+              <a:t>www.sitepoint.com</a:t>
+            </a:r>
+            <a:r>
+              <a:rPr lang="en-US" dirty="0"/>
+              <a:t>/quick-tip-what-is-gradle-and-how-does-it-work-with-android-studio/</a:t>
+            </a:r>
           </a:p>
         </p:txBody>
       </p:sp>
@@ -1905,21 +2117,24 @@
           <a:lstStyle/>
           <a:p>
             <a:r>
-              <a:rPr lang="en-US" dirty="0" smtClean="0"/>
-              <a:t>https://</a:t>
-            </a:r>
-            <a:r>
-              <a:rPr lang="en-US" dirty="0" err="1" smtClean="0"/>
-              <a:t>developer.android.com</a:t>
-            </a:r>
-            <a:r>
-              <a:rPr lang="en-US" dirty="0" smtClean="0"/>
-              <a:t>/guide/topics/manifest/manifest-</a:t>
-            </a:r>
-            <a:r>
-              <a:rPr lang="en-US" dirty="0" err="1" smtClean="0"/>
-              <a:t>intro.html</a:t>
-            </a:r>
+              <a:rPr lang="en-US" dirty="0"/>
+              <a:t>http://</a:t>
+            </a:r>
+            <a:r>
+              <a:rPr lang="en-US" dirty="0" err="1"/>
+              <a:t>www.vogella.com</a:t>
+            </a:r>
+            <a:r>
+              <a:rPr lang="en-US" dirty="0"/>
+              <a:t>/tutorials/Gradle/</a:t>
+            </a:r>
+            <a:r>
+              <a:rPr lang="en-US" dirty="0" err="1"/>
+              <a:t>article.html</a:t>
+            </a:r>
+            <a:endParaRPr lang="en-US" dirty="0"/>
+          </a:p>
+          <a:p>
             <a:endParaRPr lang="en-US" dirty="0"/>
           </a:p>
         </p:txBody>
@@ -1947,7 +2162,7 @@
               <a:pPr>
                 <a:defRPr/>
               </a:pPr>
-              <a:t>15</a:t>
+              <a:t>13</a:t>
             </a:fld>
             <a:endParaRPr lang="en-US"/>
           </a:p>
@@ -1956,7 +2171,7 @@
     </p:spTree>
     <p:extLst>
       <p:ext uri="{BB962C8B-B14F-4D97-AF65-F5344CB8AC3E}">
-        <p14:creationId xmlns:p14="http://schemas.microsoft.com/office/powerpoint/2010/main" val="3269991422"/>
+        <p14:creationId xmlns:p14="http://schemas.microsoft.com/office/powerpoint/2010/main" val="3900693491"/>
       </p:ext>
     </p:extLst>
   </p:cSld>
@@ -2011,20 +2226,23 @@
           <a:lstStyle/>
           <a:p>
             <a:r>
-              <a:rPr lang="en-US" dirty="0" smtClean="0"/>
-              <a:t>https://</a:t>
-            </a:r>
-            <a:r>
-              <a:rPr lang="en-US" dirty="0" err="1" smtClean="0"/>
-              <a:t>developer.android.com</a:t>
-            </a:r>
-            <a:r>
-              <a:rPr lang="en-US" dirty="0" smtClean="0"/>
-              <a:t>/guide/topics/manifest/manifest-</a:t>
-            </a:r>
-            <a:r>
-              <a:rPr lang="en-US" dirty="0" err="1" smtClean="0"/>
-              <a:t>intro.html</a:t>
+              <a:rPr lang="en-US" dirty="0"/>
+              <a:t>Project view: app, </a:t>
+            </a:r>
+            <a:r>
+              <a:rPr lang="en-US" dirty="0" err="1"/>
+              <a:t>build.gradle</a:t>
+            </a:r>
+            <a:endParaRPr lang="en-US" dirty="0"/>
+          </a:p>
+          <a:p>
+            <a:r>
+              <a:rPr lang="en-US" dirty="0"/>
+              <a:t>Project Files view: app, app, </a:t>
+            </a:r>
+            <a:r>
+              <a:rPr lang="en-US" dirty="0" err="1"/>
+              <a:t>build.gradle</a:t>
             </a:r>
             <a:endParaRPr lang="en-US" dirty="0"/>
           </a:p>
@@ -2053,7 +2271,7 @@
               <a:pPr>
                 <a:defRPr/>
               </a:pPr>
-              <a:t>18</a:t>
+              <a:t>14</a:t>
             </a:fld>
             <a:endParaRPr lang="en-US"/>
           </a:p>
@@ -2062,7 +2280,7 @@
     </p:spTree>
     <p:extLst>
       <p:ext uri="{BB962C8B-B14F-4D97-AF65-F5344CB8AC3E}">
-        <p14:creationId xmlns:p14="http://schemas.microsoft.com/office/powerpoint/2010/main" val="3269991422"/>
+        <p14:creationId xmlns:p14="http://schemas.microsoft.com/office/powerpoint/2010/main" val="2219711556"/>
       </p:ext>
     </p:extLst>
   </p:cSld>
@@ -2117,27 +2335,21 @@
           <a:lstStyle/>
           <a:p>
             <a:r>
-              <a:rPr lang="en-US" dirty="0" smtClean="0"/>
-              <a:t>http://</a:t>
-            </a:r>
-            <a:r>
-              <a:rPr lang="en-US" dirty="0" err="1" smtClean="0"/>
-              <a:t>romannurik.github.io</a:t>
-            </a:r>
-            <a:r>
-              <a:rPr lang="en-US" dirty="0" smtClean="0"/>
-              <a:t>/</a:t>
-            </a:r>
-            <a:r>
-              <a:rPr lang="en-US" dirty="0" err="1" smtClean="0"/>
-              <a:t>AndroidAssetStudio</a:t>
-            </a:r>
-            <a:r>
-              <a:rPr lang="en-US" dirty="0" smtClean="0"/>
-              <a:t>/</a:t>
-            </a:r>
-          </a:p>
-          <a:p>
+              <a:rPr lang="en-US" dirty="0"/>
+              <a:t>https://</a:t>
+            </a:r>
+            <a:r>
+              <a:rPr lang="en-US" dirty="0" err="1"/>
+              <a:t>developer.android.com</a:t>
+            </a:r>
+            <a:r>
+              <a:rPr lang="en-US" dirty="0"/>
+              <a:t>/guide/topics/manifest/manifest-</a:t>
+            </a:r>
+            <a:r>
+              <a:rPr lang="en-US" dirty="0" err="1"/>
+              <a:t>intro.html</a:t>
+            </a:r>
             <a:endParaRPr lang="en-US" dirty="0"/>
           </a:p>
         </p:txBody>
@@ -2165,7 +2377,7 @@
               <a:pPr>
                 <a:defRPr/>
               </a:pPr>
-              <a:t>20</a:t>
+              <a:t>17</a:t>
             </a:fld>
             <a:endParaRPr lang="en-US"/>
           </a:p>
@@ -2174,7 +2386,7 @@
     </p:spTree>
     <p:extLst>
       <p:ext uri="{BB962C8B-B14F-4D97-AF65-F5344CB8AC3E}">
-        <p14:creationId xmlns:p14="http://schemas.microsoft.com/office/powerpoint/2010/main" val="1685530198"/>
+        <p14:creationId xmlns:p14="http://schemas.microsoft.com/office/powerpoint/2010/main" val="3269991422"/>
       </p:ext>
     </p:extLst>
   </p:cSld>
@@ -2232,10 +2444,9 @@
           </a:lstStyle>
           <a:p>
             <a:r>
-              <a:rPr lang="en-US" dirty="0" smtClean="0"/>
+              <a:rPr lang="en-US" dirty="0"/>
               <a:t>Chapter number</a:t>
             </a:r>
-            <a:endParaRPr lang="en-US" dirty="0"/>
           </a:p>
         </p:txBody>
       </p:sp>
@@ -2258,10 +2469,9 @@
               <a:defRPr/>
             </a:pPr>
             <a:r>
-              <a:rPr lang="en-US" smtClean="0"/>
+              <a:rPr lang="en-US"/>
               <a:t>Murach's Android Programming (2nd Ed.), C3</a:t>
             </a:r>
-            <a:endParaRPr lang="en-US"/>
           </a:p>
         </p:txBody>
       </p:sp>
@@ -2284,7 +2494,7 @@
               <a:defRPr/>
             </a:pPr>
             <a:r>
-              <a:rPr lang="en-US" smtClean="0"/>
+              <a:rPr lang="en-US"/>
               <a:t>© 2015, Mike Murach &amp; Associates, Inc.</a:t>
             </a:r>
             <a:endParaRPr lang="en-US" dirty="0"/>
@@ -2309,7 +2519,7 @@
             <a:pPr algn="l">
               <a:defRPr/>
             </a:pPr>
-            <a:endParaRPr lang="en-US" sz="1400" smtClean="0">
+            <a:endParaRPr lang="en-US" sz="1400">
               <a:latin typeface="Times New Roman"/>
             </a:endParaRPr>
           </a:p>
@@ -2318,7 +2528,7 @@
               <a:defRPr/>
             </a:pPr>
             <a:r>
-              <a:rPr lang="en-US" smtClean="0"/>
+              <a:rPr lang="en-US"/>
               <a:t>Slide </a:t>
             </a:r>
             <a:fld id="{BF5C1183-B085-4070-A402-C03A3F977D3D}" type="slidenum">
@@ -2420,7 +2630,7 @@
           <a:p>
             <a:pPr lvl="0"/>
             <a:r>
-              <a:rPr lang="en-US" dirty="0" smtClean="0"/>
+              <a:rPr lang="en-US" dirty="0"/>
               <a:t>Click to edit Master title style</a:t>
             </a:r>
           </a:p>
@@ -2451,10 +2661,9 @@
               <a:defRPr/>
             </a:pPr>
             <a:r>
-              <a:rPr lang="en-US" smtClean="0"/>
+              <a:rPr lang="en-US"/>
               <a:t>Murach's Android Programming (2nd Ed.), C3</a:t>
             </a:r>
-            <a:endParaRPr lang="en-US"/>
           </a:p>
         </p:txBody>
       </p:sp>
@@ -2483,10 +2692,9 @@
               <a:defRPr/>
             </a:pPr>
             <a:r>
-              <a:rPr lang="en-US" smtClean="0"/>
+              <a:rPr lang="en-US"/>
               <a:t>© 2015, Mike Murach &amp; Associates, Inc.</a:t>
             </a:r>
-            <a:endParaRPr lang="en-US"/>
           </a:p>
         </p:txBody>
       </p:sp>
@@ -2594,10 +2802,9 @@
           <a:lstStyle/>
           <a:p>
             <a:r>
-              <a:rPr lang="en-US" smtClean="0"/>
+              <a:rPr lang="en-US"/>
               <a:t>Click to edit Master title style</a:t>
             </a:r>
-            <a:endParaRPr lang="en-US"/>
           </a:p>
         </p:txBody>
       </p:sp>
@@ -2713,10 +2920,9 @@
           </a:lstStyle>
           <a:p>
             <a:r>
-              <a:rPr lang="en-US" smtClean="0"/>
+              <a:rPr lang="en-US"/>
               <a:t>Click to edit Master subtitle style</a:t>
             </a:r>
-            <a:endParaRPr lang="en-US"/>
           </a:p>
         </p:txBody>
       </p:sp>
@@ -2737,7 +2943,7 @@
           <a:p>
             <a:fld id="{12110144-19AD-4D4E-902D-E18AF93089D3}" type="datetimeFigureOut">
               <a:rPr lang="en-US" smtClean="0"/>
-              <a:t>6/29/17</a:t>
+              <a:t>6/28/18</a:t>
             </a:fld>
             <a:endParaRPr lang="en-US"/>
           </a:p>
@@ -2831,10 +3037,9 @@
           <a:lstStyle/>
           <a:p>
             <a:r>
-              <a:rPr lang="en-US" smtClean="0"/>
+              <a:rPr lang="en-US"/>
               <a:t>Click to edit Master title style</a:t>
             </a:r>
-            <a:endParaRPr lang="en-US"/>
           </a:p>
         </p:txBody>
       </p:sp>
@@ -2888,38 +3093,37 @@
           <a:p>
             <a:pPr lvl="0"/>
             <a:r>
-              <a:rPr lang="en-US" smtClean="0"/>
+              <a:rPr lang="en-US"/>
               <a:t>Click to edit Master text styles</a:t>
             </a:r>
           </a:p>
           <a:p>
             <a:pPr lvl="1"/>
             <a:r>
-              <a:rPr lang="en-US" smtClean="0"/>
+              <a:rPr lang="en-US"/>
               <a:t>Second level</a:t>
             </a:r>
           </a:p>
           <a:p>
             <a:pPr lvl="2"/>
             <a:r>
-              <a:rPr lang="en-US" smtClean="0"/>
+              <a:rPr lang="en-US"/>
               <a:t>Third level</a:t>
             </a:r>
           </a:p>
           <a:p>
             <a:pPr lvl="3"/>
             <a:r>
-              <a:rPr lang="en-US" smtClean="0"/>
+              <a:rPr lang="en-US"/>
               <a:t>Fourth level</a:t>
             </a:r>
           </a:p>
           <a:p>
             <a:pPr lvl="4"/>
             <a:r>
-              <a:rPr lang="en-US" smtClean="0"/>
+              <a:rPr lang="en-US"/>
               <a:t>Fifth level</a:t>
             </a:r>
-            <a:endParaRPr lang="en-US"/>
           </a:p>
         </p:txBody>
       </p:sp>
@@ -2973,38 +3177,37 @@
           <a:p>
             <a:pPr lvl="0"/>
             <a:r>
-              <a:rPr lang="en-US" smtClean="0"/>
+              <a:rPr lang="en-US"/>
               <a:t>Click to edit Master text styles</a:t>
             </a:r>
           </a:p>
           <a:p>
             <a:pPr lvl="1"/>
             <a:r>
-              <a:rPr lang="en-US" smtClean="0"/>
+              <a:rPr lang="en-US"/>
               <a:t>Second level</a:t>
             </a:r>
           </a:p>
           <a:p>
             <a:pPr lvl="2"/>
             <a:r>
-              <a:rPr lang="en-US" smtClean="0"/>
+              <a:rPr lang="en-US"/>
               <a:t>Third level</a:t>
             </a:r>
           </a:p>
           <a:p>
             <a:pPr lvl="3"/>
             <a:r>
-              <a:rPr lang="en-US" smtClean="0"/>
+              <a:rPr lang="en-US"/>
               <a:t>Fourth level</a:t>
             </a:r>
           </a:p>
           <a:p>
             <a:pPr lvl="4"/>
             <a:r>
-              <a:rPr lang="en-US" smtClean="0"/>
+              <a:rPr lang="en-US"/>
               <a:t>Fifth level</a:t>
             </a:r>
-            <a:endParaRPr lang="en-US"/>
           </a:p>
         </p:txBody>
       </p:sp>
@@ -3025,7 +3228,7 @@
           <a:p>
             <a:fld id="{12110144-19AD-4D4E-902D-E18AF93089D3}" type="datetimeFigureOut">
               <a:rPr lang="en-US" smtClean="0"/>
-              <a:t>6/29/17</a:t>
+              <a:t>6/28/18</a:t>
             </a:fld>
             <a:endParaRPr lang="en-US"/>
           </a:p>
@@ -3163,7 +3366,7 @@
           <a:p>
             <a:pPr lvl="0"/>
             <a:r>
-              <a:rPr lang="en-US" smtClean="0"/>
+              <a:rPr lang="en-US"/>
               <a:t>Click to edit Master title style</a:t>
             </a:r>
           </a:p>
@@ -3221,35 +3424,35 @@
           <a:p>
             <a:pPr lvl="0"/>
             <a:r>
-              <a:rPr lang="en-US" smtClean="0"/>
+              <a:rPr lang="en-US"/>
               <a:t>Click to edit Master text styles</a:t>
             </a:r>
           </a:p>
           <a:p>
             <a:pPr lvl="1"/>
             <a:r>
-              <a:rPr lang="en-US" smtClean="0"/>
+              <a:rPr lang="en-US"/>
               <a:t>Second level</a:t>
             </a:r>
           </a:p>
           <a:p>
             <a:pPr lvl="2"/>
             <a:r>
-              <a:rPr lang="en-US" smtClean="0"/>
+              <a:rPr lang="en-US"/>
               <a:t>Third level</a:t>
             </a:r>
           </a:p>
           <a:p>
             <a:pPr lvl="3"/>
             <a:r>
-              <a:rPr lang="en-US" smtClean="0"/>
+              <a:rPr lang="en-US"/>
               <a:t>Fourth level</a:t>
             </a:r>
           </a:p>
           <a:p>
             <a:pPr lvl="4"/>
             <a:r>
-              <a:rPr lang="en-US" smtClean="0"/>
+              <a:rPr lang="en-US"/>
               <a:t>Fifth level</a:t>
             </a:r>
           </a:p>
@@ -3298,10 +3501,9 @@
               <a:defRPr/>
             </a:pPr>
             <a:r>
-              <a:rPr lang="en-US" smtClean="0"/>
+              <a:rPr lang="en-US"/>
               <a:t>Murach's Android Programming (2nd Ed.), C3</a:t>
             </a:r>
-            <a:endParaRPr lang="en-US"/>
           </a:p>
         </p:txBody>
       </p:sp>
@@ -3348,10 +3550,9 @@
               <a:defRPr/>
             </a:pPr>
             <a:r>
-              <a:rPr lang="en-US" smtClean="0"/>
+              <a:rPr lang="en-US"/>
               <a:t>© 2015, Mike Murach &amp; Associates, Inc.</a:t>
             </a:r>
-            <a:endParaRPr lang="en-US"/>
           </a:p>
         </p:txBody>
       </p:sp>
@@ -3865,7 +4066,7 @@
               </a:spcAft>
             </a:pPr>
             <a:r>
-              <a:rPr lang="en-US" sz="8000" b="1" dirty="0" smtClean="0">
+              <a:rPr lang="en-US" sz="8000" b="1" dirty="0">
                 <a:solidFill>
                   <a:schemeClr val="accent6"/>
                 </a:solidFill>
@@ -3873,7 +4074,7 @@
               <a:t>Your First App </a:t>
             </a:r>
             <a:r>
-              <a:rPr lang="en-US" sz="6600" b="1" dirty="0" smtClean="0">
+              <a:rPr lang="en-US" sz="6600" b="1" dirty="0">
                 <a:solidFill>
                   <a:schemeClr val="accent6"/>
                 </a:solidFill>
@@ -3881,31 +4082,26 @@
               <a:t>(continued)</a:t>
             </a:r>
             <a:br>
-              <a:rPr lang="en-US" sz="6600" b="1" dirty="0" smtClean="0">
+              <a:rPr lang="en-US" sz="6600" b="1" dirty="0">
                 <a:solidFill>
                   <a:schemeClr val="accent6"/>
                 </a:solidFill>
               </a:rPr>
             </a:br>
-            <a:r>
-              <a:rPr lang="en-US" sz="6600" b="1" dirty="0" smtClean="0"/>
-              <a:t/>
-            </a:r>
             <a:br>
-              <a:rPr lang="en-US" sz="6600" b="1" dirty="0" smtClean="0"/>
+              <a:rPr lang="en-US" sz="6600" b="1" dirty="0"/>
             </a:br>
             <a:r>
-              <a:rPr lang="en-US" sz="6000" b="1" dirty="0" smtClean="0"/>
+              <a:rPr lang="en-US" sz="6000" b="1" dirty="0"/>
               <a:t>Writing the Code</a:t>
             </a:r>
             <a:br>
-              <a:rPr lang="en-US" sz="6000" b="1" dirty="0" smtClean="0"/>
+              <a:rPr lang="en-US" sz="6000" b="1" dirty="0"/>
             </a:br>
             <a:r>
-              <a:rPr lang="en-US" sz="4800" b="1" dirty="0" smtClean="0"/>
+              <a:rPr lang="en-US" sz="4800" b="1" dirty="0"/>
               <a:t>and more</a:t>
             </a:r>
-            <a:endParaRPr lang="en-US" sz="4800" b="1" dirty="0"/>
           </a:p>
         </p:txBody>
       </p:sp>
@@ -3932,18 +4128,13 @@
           <a:lstStyle/>
           <a:p>
             <a:r>
-              <a:rPr lang="en-US" sz="4400" b="1" dirty="0" smtClean="0">
+              <a:rPr lang="en-US" sz="4400" b="1" dirty="0">
                 <a:solidFill>
                   <a:schemeClr val="tx1"/>
                 </a:solidFill>
               </a:rPr>
               <a:t>CIS 399</a:t>
             </a:r>
-            <a:endParaRPr lang="en-US" sz="4400" b="1" dirty="0">
-              <a:solidFill>
-                <a:schemeClr val="tx1"/>
-              </a:solidFill>
-            </a:endParaRPr>
           </a:p>
         </p:txBody>
       </p:sp>
@@ -3957,13 +4148,6 @@
   <p:clrMapOvr>
     <a:masterClrMapping/>
   </p:clrMapOvr>
-  <p:timing>
-    <p:tnLst>
-      <p:par>
-        <p:cTn id="1" dur="indefinite" restart="never" nodeType="tmRoot"/>
-      </p:par>
-    </p:tnLst>
-  </p:timing>
 </p:sld>
 </file>
 
@@ -4005,11 +4189,11 @@
           <a:lstStyle/>
           <a:p>
             <a:r>
-              <a:rPr lang="en-US" dirty="0" smtClean="0"/>
+              <a:rPr lang="en-US" dirty="0"/>
               <a:t>Example of Retrieving Activity State in </a:t>
             </a:r>
             <a:r>
-              <a:rPr lang="en-US" i="1" dirty="0" err="1" smtClean="0"/>
+              <a:rPr lang="en-US" i="1" dirty="0" err="1"/>
               <a:t>onCreate</a:t>
             </a:r>
             <a:endParaRPr lang="en-US" i="1" dirty="0"/>
@@ -4044,15 +4228,7 @@
                   <a:srgbClr val="000080"/>
                 </a:solidFill>
               </a:rPr>
-              <a:t> </a:t>
-            </a:r>
-            <a:r>
-              <a:rPr lang="en-US" sz="2000" b="1" dirty="0" smtClean="0">
-                <a:solidFill>
-                  <a:srgbClr val="000080"/>
-                </a:solidFill>
-              </a:rPr>
-              <a:t>   </a:t>
+              <a:t>    </a:t>
             </a:r>
             <a:r>
               <a:rPr lang="en-US" sz="2000" dirty="0">
@@ -4070,7 +4246,7 @@
               </a:rPr>
             </a:br>
             <a:r>
-              <a:rPr lang="en-US" sz="2000" dirty="0" smtClean="0">
+              <a:rPr lang="en-US" sz="2000" dirty="0">
                 <a:solidFill>
                   <a:srgbClr val="808000"/>
                 </a:solidFill>
@@ -4078,20 +4254,12 @@
               <a:t>    </a:t>
             </a:r>
             <a:r>
-              <a:rPr lang="en-US" sz="2000" b="1" dirty="0" smtClean="0">
-                <a:solidFill>
-                  <a:srgbClr val="000080"/>
-                </a:solidFill>
-              </a:rPr>
-              <a:t>protected </a:t>
-            </a:r>
-            <a:r>
               <a:rPr lang="en-US" sz="2000" b="1" dirty="0">
                 <a:solidFill>
                   <a:srgbClr val="000080"/>
                 </a:solidFill>
               </a:rPr>
-              <a:t>void </a:t>
+              <a:t>protected void </a:t>
             </a:r>
             <a:r>
               <a:rPr lang="en-US" sz="2000" dirty="0" err="1"/>
@@ -4155,14 +4323,6 @@
                 </a:solidFill>
               </a:rPr>
             </a:br>
-            <a:r>
-              <a:rPr lang="en-US" sz="2000" i="1" dirty="0">
-                <a:solidFill>
-                  <a:srgbClr val="808080"/>
-                </a:solidFill>
-              </a:rPr>
-              <a:t/>
-            </a:r>
             <a:br>
               <a:rPr lang="en-US" sz="2000" i="1" dirty="0">
                 <a:solidFill>
@@ -4170,14 +4330,6 @@
                 </a:solidFill>
               </a:rPr>
             </a:br>
-            <a:r>
-              <a:rPr lang="en-US" sz="2000" i="1" dirty="0">
-                <a:solidFill>
-                  <a:srgbClr val="808080"/>
-                </a:solidFill>
-              </a:rPr>
-              <a:t/>
-            </a:r>
             <a:br>
               <a:rPr lang="en-US" sz="2000" i="1" dirty="0">
                 <a:solidFill>
@@ -4341,7 +4493,7 @@
                   <a:srgbClr val="808080"/>
                 </a:solidFill>
               </a:rPr>
-              <a:t>// Probably initialize members with default values for a new instance</a:t>
+              <a:t>// initialize members with default values for a new instance</a:t>
             </a:r>
             <a:br>
               <a:rPr lang="en-US" sz="2000" i="1" dirty="0">
@@ -4362,7 +4514,7 @@
               <a:rPr lang="en-US" sz="2000" dirty="0"/>
               <a:t>}</a:t>
             </a:r>
-            <a:endParaRPr lang="en-US" sz="2000" dirty="0" smtClean="0">
+            <a:endParaRPr lang="en-US" sz="2000" dirty="0">
               <a:latin typeface="Courier" charset="0"/>
               <a:ea typeface="Courier" charset="0"/>
               <a:cs typeface="Courier" charset="0"/>
@@ -4370,6 +4522,36 @@
           </a:p>
         </p:txBody>
       </p:sp>
+      <p:pic>
+        <p:nvPicPr>
+          <p:cNvPr id="4" name="Picture 3">
+            <a:extLst>
+              <a:ext uri="{FF2B5EF4-FFF2-40B4-BE49-F238E27FC236}">
+                <a16:creationId xmlns:a16="http://schemas.microsoft.com/office/drawing/2014/main" id="{944CA240-7414-AE40-81C0-7005080C93F1}"/>
+              </a:ext>
+            </a:extLst>
+          </p:cNvPr>
+          <p:cNvPicPr>
+            <a:picLocks noChangeAspect="1"/>
+          </p:cNvPicPr>
+          <p:nvPr/>
+        </p:nvPicPr>
+        <p:blipFill>
+          <a:blip r:embed="rId3"/>
+          <a:stretch>
+            <a:fillRect/>
+          </a:stretch>
+        </p:blipFill>
+        <p:spPr>
+          <a:xfrm>
+            <a:off x="2286000" y="5391913"/>
+            <a:ext cx="3299475" cy="1231900"/>
+          </a:xfrm>
+          <a:prstGeom prst="rect">
+            <a:avLst/>
+          </a:prstGeom>
+        </p:spPr>
+      </p:pic>
     </p:spTree>
     <p:extLst>
       <p:ext uri="{BB962C8B-B14F-4D97-AF65-F5344CB8AC3E}">
@@ -4384,7 +4566,7 @@
 </file>
 
 <file path=ppt/slides/slide11.xml><?xml version="1.0" encoding="utf-8"?>
-<p:sld xmlns:a="http://schemas.openxmlformats.org/drawingml/2006/main" xmlns:r="http://schemas.openxmlformats.org/officeDocument/2006/relationships" xmlns:p="http://schemas.openxmlformats.org/presentationml/2006/main">
+<p:sld xmlns:a="http://schemas.openxmlformats.org/drawingml/2006/main" xmlns:r="http://schemas.openxmlformats.org/officeDocument/2006/relationships" xmlns:p="http://schemas.openxmlformats.org/presentationml/2006/main" show="0">
   <p:cSld>
     <p:bg>
       <p:bgPr>
@@ -4442,10 +4624,9 @@
           <a:lstStyle/>
           <a:p>
             <a:r>
-              <a:rPr lang="en-US" dirty="0" smtClean="0"/>
+              <a:rPr lang="en-US" dirty="0"/>
               <a:t>Gradle Build System</a:t>
             </a:r>
-            <a:endParaRPr lang="en-US" dirty="0"/>
           </a:p>
         </p:txBody>
       </p:sp>
@@ -4473,30 +4654,17 @@
           <a:p>
             <a:r>
               <a:rPr lang="en-US" dirty="0"/>
-              <a:t>Gradle is an open source build automation system that builds upon the concepts of Apache Ant and Apache Maven and introduces a Groovy-based domain-specific language (DSL) instead of the XML form used by Apache Maven of declaring the project configuration</a:t>
-            </a:r>
-            <a:r>
-              <a:rPr lang="en-US" dirty="0" smtClean="0"/>
-              <a:t>.  Gradle </a:t>
-            </a:r>
+              <a:t>Gradle is an open source build automation system that builds upon the concepts of Apache Ant and Apache Maven and introduces a Groovy-based domain-specific language (DSL) instead of the XML form used by Apache Maven of declaring the project configuration.  Gradle uses a directed acyclic graph ("DAG") to determine the order in which tasks can be run.</a:t>
+            </a:r>
+          </a:p>
+          <a:p>
+            <a:endParaRPr lang="en-US" dirty="0"/>
+          </a:p>
+          <a:p>
             <a:r>
               <a:rPr lang="en-US" dirty="0"/>
-              <a:t>uses a directed acyclic graph ("DAG") to determine the order in which tasks can be run.</a:t>
-            </a:r>
-          </a:p>
-          <a:p>
-            <a:endParaRPr lang="en-US" dirty="0"/>
-          </a:p>
-          <a:p>
-            <a:r>
-              <a:rPr lang="en-US" dirty="0"/>
-              <a:t>Gradle was designed for multi-project builds which can grow to be quite large, and supports incremental builds by intelligently determining which parts of the build tree are up-to-date, so that any task dependent upon those parts will not need to be re-</a:t>
-            </a:r>
-            <a:r>
-              <a:rPr lang="en-US" dirty="0" smtClean="0"/>
-              <a:t>executed. - Wikipedia</a:t>
-            </a:r>
-            <a:endParaRPr lang="en-US" dirty="0"/>
+              <a:t>Gradle was designed for multi-project builds which can grow to be quite large, and supports incremental builds by intelligently determining which parts of the build tree are up-to-date, so that any task dependent upon those parts will not need to be re-executed. - Wikipedia</a:t>
+            </a:r>
           </a:p>
         </p:txBody>
       </p:sp>
@@ -4534,17 +4702,511 @@
   <p:clrMapOvr>
     <a:masterClrMapping/>
   </p:clrMapOvr>
-  <p:timing>
-    <p:tnLst>
-      <p:par>
-        <p:cTn id="1" dur="indefinite" restart="never" nodeType="tmRoot"/>
-      </p:par>
-    </p:tnLst>
-  </p:timing>
 </p:sld>
 </file>
 
 <file path=ppt/slides/slide12.xml><?xml version="1.0" encoding="utf-8"?>
+<p:sld xmlns:a="http://schemas.openxmlformats.org/drawingml/2006/main" xmlns:r="http://schemas.openxmlformats.org/officeDocument/2006/relationships" xmlns:p="http://schemas.openxmlformats.org/presentationml/2006/main" show="0">
+  <p:cSld>
+    <p:spTree>
+      <p:nvGrpSpPr>
+        <p:cNvPr id="1" name=""/>
+        <p:cNvGrpSpPr/>
+        <p:nvPr/>
+      </p:nvGrpSpPr>
+      <p:grpSpPr>
+        <a:xfrm>
+          <a:off x="0" y="0"/>
+          <a:ext cx="0" cy="0"/>
+          <a:chOff x="0" y="0"/>
+          <a:chExt cx="0" cy="0"/>
+        </a:xfrm>
+      </p:grpSpPr>
+      <p:sp>
+        <p:nvSpPr>
+          <p:cNvPr id="2" name="Title 1"/>
+          <p:cNvSpPr>
+            <a:spLocks noGrp="1"/>
+          </p:cNvSpPr>
+          <p:nvPr>
+            <p:ph type="title"/>
+          </p:nvPr>
+        </p:nvSpPr>
+        <p:spPr>
+          <a:xfrm>
+            <a:off x="914400" y="685800"/>
+            <a:ext cx="7315200" cy="400110"/>
+          </a:xfrm>
+        </p:spPr>
+        <p:txBody>
+          <a:bodyPr/>
+          <a:lstStyle/>
+          <a:p>
+            <a:r>
+              <a:rPr lang="en-US" dirty="0"/>
+              <a:t>Gradle files</a:t>
+            </a:r>
+          </a:p>
+        </p:txBody>
+      </p:sp>
+      <p:sp>
+        <p:nvSpPr>
+          <p:cNvPr id="3" name="Date Placeholder 2"/>
+          <p:cNvSpPr>
+            <a:spLocks noGrp="1"/>
+          </p:cNvSpPr>
+          <p:nvPr>
+            <p:ph type="dt" sz="half" idx="10"/>
+          </p:nvPr>
+        </p:nvSpPr>
+        <p:spPr>
+          <a:xfrm>
+            <a:off x="762000" y="6248400"/>
+            <a:ext cx="2362200" cy="457200"/>
+          </a:xfrm>
+        </p:spPr>
+        <p:txBody>
+          <a:bodyPr/>
+          <a:lstStyle/>
+          <a:p>
+            <a:pPr>
+              <a:defRPr/>
+            </a:pPr>
+            <a:r>
+              <a:rPr lang="en-US"/>
+              <a:t>Murach's Android Programming (2nd Ed.), C3</a:t>
+            </a:r>
+          </a:p>
+        </p:txBody>
+      </p:sp>
+      <p:sp>
+        <p:nvSpPr>
+          <p:cNvPr id="4" name="Footer Placeholder 3"/>
+          <p:cNvSpPr>
+            <a:spLocks noGrp="1"/>
+          </p:cNvSpPr>
+          <p:nvPr>
+            <p:ph type="ftr" sz="quarter" idx="11"/>
+          </p:nvPr>
+        </p:nvSpPr>
+        <p:spPr/>
+        <p:txBody>
+          <a:bodyPr/>
+          <a:lstStyle/>
+          <a:p>
+            <a:pPr>
+              <a:defRPr/>
+            </a:pPr>
+            <a:r>
+              <a:rPr lang="en-US"/>
+              <a:t>© 2015, Mike Murach &amp; Associates, Inc.</a:t>
+            </a:r>
+          </a:p>
+        </p:txBody>
+      </p:sp>
+      <p:sp>
+        <p:nvSpPr>
+          <p:cNvPr id="5" name="Slide Number Placeholder 4"/>
+          <p:cNvSpPr>
+            <a:spLocks noGrp="1"/>
+          </p:cNvSpPr>
+          <p:nvPr>
+            <p:ph type="sldNum" sz="quarter" idx="12"/>
+          </p:nvPr>
+        </p:nvSpPr>
+        <p:spPr/>
+        <p:txBody>
+          <a:bodyPr/>
+          <a:lstStyle/>
+          <a:p>
+            <a:pPr>
+              <a:defRPr/>
+            </a:pPr>
+            <a:endParaRPr lang="en-US"/>
+          </a:p>
+          <a:p>
+            <a:pPr algn="r">
+              <a:defRPr/>
+            </a:pPr>
+            <a:r>
+              <a:rPr lang="en-US" sz="900">
+                <a:latin typeface="Arial Narrow" pitchFamily="34" charset="0"/>
+              </a:rPr>
+              <a:t>Slide </a:t>
+            </a:r>
+            <a:fld id="{5ECE9829-65B2-40C6-AEFF-7C648FF56A9C}" type="slidenum">
+              <a:rPr lang="en-US" sz="900" smtClean="0">
+                <a:latin typeface="Arial Narrow" pitchFamily="34" charset="0"/>
+              </a:rPr>
+              <a:pPr algn="r">
+                <a:defRPr/>
+              </a:pPr>
+              <a:t>12</a:t>
+            </a:fld>
+            <a:endParaRPr lang="en-US" sz="900">
+              <a:latin typeface="Arial Narrow" pitchFamily="34" charset="0"/>
+            </a:endParaRPr>
+          </a:p>
+        </p:txBody>
+      </p:sp>
+      <p:sp>
+        <p:nvSpPr>
+          <p:cNvPr id="7" name="Rectangle 6">
+            <a:extLst>
+              <a:ext uri="{FF2B5EF4-FFF2-40B4-BE49-F238E27FC236}">
+                <a16:creationId xmlns:a16="http://schemas.microsoft.com/office/drawing/2014/main" id="{183AEA6F-0C2D-634F-9A56-0E8B59BD3BE8}"/>
+              </a:ext>
+            </a:extLst>
+          </p:cNvPr>
+          <p:cNvSpPr/>
+          <p:nvPr/>
+        </p:nvSpPr>
+        <p:spPr>
+          <a:xfrm>
+            <a:off x="838200" y="1219200"/>
+            <a:ext cx="7620000" cy="1938992"/>
+          </a:xfrm>
+          <a:prstGeom prst="rect">
+            <a:avLst/>
+          </a:prstGeom>
+        </p:spPr>
+        <p:txBody>
+          <a:bodyPr wrap="square">
+            <a:spAutoFit/>
+          </a:bodyPr>
+          <a:lstStyle/>
+          <a:p>
+            <a:pPr marL="342900" indent="-342900">
+              <a:buFont typeface="Arial" panose="020B0604020202020204" pitchFamily="34" charset="0"/>
+              <a:buChar char="•"/>
+            </a:pPr>
+            <a:r>
+              <a:rPr lang="en-US" b="1" dirty="0" err="1">
+                <a:latin typeface="Times New Roman" panose="02020603050405020304" pitchFamily="18" charset="0"/>
+                <a:cs typeface="Times New Roman" panose="02020603050405020304" pitchFamily="18" charset="0"/>
+              </a:rPr>
+              <a:t>build.gradle</a:t>
+            </a:r>
+            <a:r>
+              <a:rPr lang="en-US" b="1" dirty="0">
+                <a:latin typeface="Times New Roman" panose="02020603050405020304" pitchFamily="18" charset="0"/>
+                <a:cs typeface="Times New Roman" panose="02020603050405020304" pitchFamily="18" charset="0"/>
+              </a:rPr>
+              <a:t>(Project: </a:t>
+            </a:r>
+            <a:r>
+              <a:rPr lang="en-US" b="1" dirty="0" err="1">
+                <a:latin typeface="Times New Roman" panose="02020603050405020304" pitchFamily="18" charset="0"/>
+                <a:cs typeface="Times New Roman" panose="02020603050405020304" pitchFamily="18" charset="0"/>
+              </a:rPr>
+              <a:t>your_app_name</a:t>
+            </a:r>
+            <a:r>
+              <a:rPr lang="en-US" b="1" dirty="0">
+                <a:latin typeface="Times New Roman" panose="02020603050405020304" pitchFamily="18" charset="0"/>
+                <a:cs typeface="Times New Roman" panose="02020603050405020304" pitchFamily="18" charset="0"/>
+              </a:rPr>
+              <a:t>) </a:t>
+            </a:r>
+            <a:r>
+              <a:rPr lang="en-US" dirty="0">
+                <a:latin typeface="Times New Roman" panose="02020603050405020304" pitchFamily="18" charset="0"/>
+                <a:cs typeface="Times New Roman" panose="02020603050405020304" pitchFamily="18" charset="0"/>
+              </a:rPr>
+              <a:t>- Contains configuration for all projects and modules in the application. </a:t>
+            </a:r>
+          </a:p>
+          <a:p>
+            <a:pPr marL="342900" indent="-342900">
+              <a:buFont typeface="Arial" panose="020B0604020202020204" pitchFamily="34" charset="0"/>
+              <a:buChar char="•"/>
+            </a:pPr>
+            <a:r>
+              <a:rPr lang="en-US" b="1" dirty="0" err="1">
+                <a:latin typeface="Times New Roman" panose="02020603050405020304" pitchFamily="18" charset="0"/>
+                <a:cs typeface="Times New Roman" panose="02020603050405020304" pitchFamily="18" charset="0"/>
+              </a:rPr>
+              <a:t>build.gradle</a:t>
+            </a:r>
+            <a:r>
+              <a:rPr lang="en-US" b="1" dirty="0">
+                <a:latin typeface="Times New Roman" panose="02020603050405020304" pitchFamily="18" charset="0"/>
+                <a:cs typeface="Times New Roman" panose="02020603050405020304" pitchFamily="18" charset="0"/>
+              </a:rPr>
+              <a:t>(</a:t>
+            </a:r>
+            <a:r>
+              <a:rPr lang="en-US" b="1" dirty="0" err="1">
+                <a:latin typeface="Times New Roman" panose="02020603050405020304" pitchFamily="18" charset="0"/>
+                <a:cs typeface="Times New Roman" panose="02020603050405020304" pitchFamily="18" charset="0"/>
+              </a:rPr>
+              <a:t>Module:app</a:t>
+            </a:r>
+            <a:r>
+              <a:rPr lang="en-US" b="1" dirty="0">
+                <a:latin typeface="Times New Roman" panose="02020603050405020304" pitchFamily="18" charset="0"/>
+                <a:cs typeface="Times New Roman" panose="02020603050405020304" pitchFamily="18" charset="0"/>
+              </a:rPr>
+              <a:t>) </a:t>
+            </a:r>
+            <a:r>
+              <a:rPr lang="en-US" dirty="0">
+                <a:latin typeface="Times New Roman" panose="02020603050405020304" pitchFamily="18" charset="0"/>
+                <a:cs typeface="Times New Roman" panose="02020603050405020304" pitchFamily="18" charset="0"/>
+              </a:rPr>
+              <a:t>- Contains specific configuration for the module it’s in.</a:t>
+            </a:r>
+          </a:p>
+        </p:txBody>
+      </p:sp>
+    </p:spTree>
+    <p:extLst>
+      <p:ext uri="{BB962C8B-B14F-4D97-AF65-F5344CB8AC3E}">
+        <p14:creationId xmlns:p14="http://schemas.microsoft.com/office/powerpoint/2010/main" val="3584228297"/>
+      </p:ext>
+    </p:extLst>
+  </p:cSld>
+  <p:clrMapOvr>
+    <a:masterClrMapping/>
+  </p:clrMapOvr>
+</p:sld>
+</file>
+
+<file path=ppt/slides/slide13.xml><?xml version="1.0" encoding="utf-8"?>
+<p:sld xmlns:a="http://schemas.openxmlformats.org/drawingml/2006/main" xmlns:r="http://schemas.openxmlformats.org/officeDocument/2006/relationships" xmlns:p="http://schemas.openxmlformats.org/presentationml/2006/main" show="0">
+  <p:cSld>
+    <p:spTree>
+      <p:nvGrpSpPr>
+        <p:cNvPr id="1" name=""/>
+        <p:cNvGrpSpPr/>
+        <p:nvPr/>
+      </p:nvGrpSpPr>
+      <p:grpSpPr>
+        <a:xfrm>
+          <a:off x="0" y="0"/>
+          <a:ext cx="0" cy="0"/>
+          <a:chOff x="0" y="0"/>
+          <a:chExt cx="0" cy="0"/>
+        </a:xfrm>
+      </p:grpSpPr>
+      <p:sp>
+        <p:nvSpPr>
+          <p:cNvPr id="2" name="Title 1"/>
+          <p:cNvSpPr>
+            <a:spLocks noGrp="1"/>
+          </p:cNvSpPr>
+          <p:nvPr>
+            <p:ph type="title"/>
+          </p:nvPr>
+        </p:nvSpPr>
+        <p:spPr>
+          <a:xfrm>
+            <a:off x="914400" y="685800"/>
+            <a:ext cx="7315200" cy="400110"/>
+          </a:xfrm>
+        </p:spPr>
+        <p:txBody>
+          <a:bodyPr/>
+          <a:lstStyle/>
+          <a:p>
+            <a:r>
+              <a:rPr lang="en-US" dirty="0"/>
+              <a:t>Gradle Projects and Tasks</a:t>
+            </a:r>
+          </a:p>
+        </p:txBody>
+      </p:sp>
+      <p:sp>
+        <p:nvSpPr>
+          <p:cNvPr id="3" name="Date Placeholder 2"/>
+          <p:cNvSpPr>
+            <a:spLocks noGrp="1"/>
+          </p:cNvSpPr>
+          <p:nvPr>
+            <p:ph type="dt" sz="half" idx="10"/>
+          </p:nvPr>
+        </p:nvSpPr>
+        <p:spPr>
+          <a:xfrm>
+            <a:off x="762000" y="6248400"/>
+            <a:ext cx="2362200" cy="457200"/>
+          </a:xfrm>
+        </p:spPr>
+        <p:txBody>
+          <a:bodyPr/>
+          <a:lstStyle/>
+          <a:p>
+            <a:pPr>
+              <a:defRPr/>
+            </a:pPr>
+            <a:r>
+              <a:rPr lang="en-US"/>
+              <a:t>Murach's Android Programming (2nd Ed.), C3</a:t>
+            </a:r>
+          </a:p>
+        </p:txBody>
+      </p:sp>
+      <p:sp>
+        <p:nvSpPr>
+          <p:cNvPr id="4" name="Footer Placeholder 3"/>
+          <p:cNvSpPr>
+            <a:spLocks noGrp="1"/>
+          </p:cNvSpPr>
+          <p:nvPr>
+            <p:ph type="ftr" sz="quarter" idx="11"/>
+          </p:nvPr>
+        </p:nvSpPr>
+        <p:spPr/>
+        <p:txBody>
+          <a:bodyPr/>
+          <a:lstStyle/>
+          <a:p>
+            <a:pPr>
+              <a:defRPr/>
+            </a:pPr>
+            <a:r>
+              <a:rPr lang="en-US"/>
+              <a:t>© 2015, Mike Murach &amp; Associates, Inc.</a:t>
+            </a:r>
+          </a:p>
+        </p:txBody>
+      </p:sp>
+      <p:sp>
+        <p:nvSpPr>
+          <p:cNvPr id="5" name="Slide Number Placeholder 4"/>
+          <p:cNvSpPr>
+            <a:spLocks noGrp="1"/>
+          </p:cNvSpPr>
+          <p:nvPr>
+            <p:ph type="sldNum" sz="quarter" idx="12"/>
+          </p:nvPr>
+        </p:nvSpPr>
+        <p:spPr/>
+        <p:txBody>
+          <a:bodyPr/>
+          <a:lstStyle/>
+          <a:p>
+            <a:pPr>
+              <a:defRPr/>
+            </a:pPr>
+            <a:endParaRPr lang="en-US"/>
+          </a:p>
+          <a:p>
+            <a:pPr algn="r">
+              <a:defRPr/>
+            </a:pPr>
+            <a:r>
+              <a:rPr lang="en-US" sz="900">
+                <a:latin typeface="Arial Narrow" pitchFamily="34" charset="0"/>
+              </a:rPr>
+              <a:t>Slide </a:t>
+            </a:r>
+            <a:fld id="{5ECE9829-65B2-40C6-AEFF-7C648FF56A9C}" type="slidenum">
+              <a:rPr lang="en-US" sz="900" smtClean="0">
+                <a:latin typeface="Arial Narrow" pitchFamily="34" charset="0"/>
+              </a:rPr>
+              <a:pPr algn="r">
+                <a:defRPr/>
+              </a:pPr>
+              <a:t>13</a:t>
+            </a:fld>
+            <a:endParaRPr lang="en-US" sz="900">
+              <a:latin typeface="Arial Narrow" pitchFamily="34" charset="0"/>
+            </a:endParaRPr>
+          </a:p>
+        </p:txBody>
+      </p:sp>
+      <p:sp>
+        <p:nvSpPr>
+          <p:cNvPr id="7" name="Rectangle 6">
+            <a:extLst>
+              <a:ext uri="{FF2B5EF4-FFF2-40B4-BE49-F238E27FC236}">
+                <a16:creationId xmlns:a16="http://schemas.microsoft.com/office/drawing/2014/main" id="{183AEA6F-0C2D-634F-9A56-0E8B59BD3BE8}"/>
+              </a:ext>
+            </a:extLst>
+          </p:cNvPr>
+          <p:cNvSpPr/>
+          <p:nvPr/>
+        </p:nvSpPr>
+        <p:spPr>
+          <a:xfrm>
+            <a:off x="838200" y="1219200"/>
+            <a:ext cx="7620000" cy="1938992"/>
+          </a:xfrm>
+          <a:prstGeom prst="rect">
+            <a:avLst/>
+          </a:prstGeom>
+        </p:spPr>
+        <p:txBody>
+          <a:bodyPr wrap="square">
+            <a:spAutoFit/>
+          </a:bodyPr>
+          <a:lstStyle/>
+          <a:p>
+            <a:pPr marL="342900" indent="-342900">
+              <a:buFont typeface="Arial" panose="020B0604020202020204" pitchFamily="34" charset="0"/>
+              <a:buChar char="•"/>
+            </a:pPr>
+            <a:r>
+              <a:rPr lang="en-US" dirty="0">
+                <a:latin typeface="Noto Serif" panose="02020600060500020200" pitchFamily="18" charset="0"/>
+              </a:rPr>
+              <a:t>Projects - A Gradle build consists of one or more </a:t>
+            </a:r>
+            <a:r>
+              <a:rPr lang="en-US" i="1" dirty="0">
+                <a:latin typeface="Noto Serif" panose="02020600060500020200" pitchFamily="18" charset="0"/>
+              </a:rPr>
+              <a:t>projects</a:t>
+            </a:r>
+            <a:r>
+              <a:rPr lang="en-US" dirty="0">
+                <a:latin typeface="Noto Serif" panose="02020600060500020200" pitchFamily="18" charset="0"/>
+              </a:rPr>
+              <a:t> which build or do something. </a:t>
+            </a:r>
+          </a:p>
+          <a:p>
+            <a:pPr marL="342900" indent="-342900">
+              <a:buFont typeface="Arial" panose="020B0604020202020204" pitchFamily="34" charset="0"/>
+              <a:buChar char="•"/>
+            </a:pPr>
+            <a:r>
+              <a:rPr lang="en-US" dirty="0">
+                <a:latin typeface="Noto Serif" panose="02020600060500020200" pitchFamily="18" charset="0"/>
+              </a:rPr>
+              <a:t>Tasks - Each project consists of </a:t>
+            </a:r>
+            <a:r>
+              <a:rPr lang="en-US" i="1" dirty="0">
+                <a:latin typeface="Noto Serif" panose="02020600060500020200" pitchFamily="18" charset="0"/>
+              </a:rPr>
+              <a:t>tasks</a:t>
+            </a:r>
+            <a:r>
+              <a:rPr lang="en-US" dirty="0">
+                <a:latin typeface="Noto Serif" panose="02020600060500020200" pitchFamily="18" charset="0"/>
+              </a:rPr>
+              <a:t>. A task represents a piece of work which a build performs </a:t>
+            </a:r>
+            <a:endParaRPr lang="en-US" dirty="0"/>
+          </a:p>
+        </p:txBody>
+      </p:sp>
+    </p:spTree>
+    <p:extLst>
+      <p:ext uri="{BB962C8B-B14F-4D97-AF65-F5344CB8AC3E}">
+        <p14:creationId xmlns:p14="http://schemas.microsoft.com/office/powerpoint/2010/main" val="2004331265"/>
+      </p:ext>
+    </p:extLst>
+  </p:cSld>
+  <p:clrMapOvr>
+    <a:masterClrMapping/>
+  </p:clrMapOvr>
+</p:sld>
+</file>
+
+<file path=ppt/slides/slide14.xml><?xml version="1.0" encoding="utf-8"?>
 <p:sld xmlns:a="http://schemas.openxmlformats.org/drawingml/2006/main" xmlns:r="http://schemas.openxmlformats.org/officeDocument/2006/relationships" xmlns:p="http://schemas.openxmlformats.org/presentationml/2006/main">
   <p:cSld>
     <p:spTree>
@@ -4612,10 +5274,9 @@
               <a:defRPr/>
             </a:pPr>
             <a:r>
-              <a:rPr lang="en-US" smtClean="0"/>
+              <a:rPr lang="en-US"/>
               <a:t>Murach's Android Programming (2nd Ed.), C3</a:t>
             </a:r>
-            <a:endParaRPr lang="en-US"/>
           </a:p>
         </p:txBody>
       </p:sp>
@@ -4638,10 +5299,9 @@
               <a:defRPr/>
             </a:pPr>
             <a:r>
-              <a:rPr lang="en-US" smtClean="0"/>
+              <a:rPr lang="en-US"/>
               <a:t>© 2015, Mike Murach &amp; Associates, Inc.</a:t>
             </a:r>
-            <a:endParaRPr lang="en-US"/>
           </a:p>
         </p:txBody>
       </p:sp>
@@ -4663,14 +5323,14 @@
             <a:pPr>
               <a:defRPr/>
             </a:pPr>
-            <a:endParaRPr lang="en-US" smtClean="0"/>
+            <a:endParaRPr lang="en-US"/>
           </a:p>
           <a:p>
             <a:pPr algn="r">
               <a:defRPr/>
             </a:pPr>
             <a:r>
-              <a:rPr lang="en-US" sz="900" smtClean="0">
+              <a:rPr lang="en-US" sz="900">
                 <a:latin typeface="Arial Narrow" pitchFamily="34" charset="0"/>
               </a:rPr>
               <a:t>Slide </a:t>
@@ -4682,7 +5342,7 @@
               <a:pPr algn="r">
                 <a:defRPr/>
               </a:pPr>
-              <a:t>12</a:t>
+              <a:t>14</a:t>
             </a:fld>
             <a:endParaRPr lang="en-US" sz="900">
               <a:latin typeface="Arial Narrow" pitchFamily="34" charset="0"/>
@@ -4697,11 +5357,7 @@
             <a:graphicFrameLocks noChangeAspect="1"/>
           </p:cNvGraphicFramePr>
           <p:nvPr>
-            <p:extLst>
-              <p:ext uri="{D42A27DB-BD31-4B8C-83A1-F6EECF244321}">
-                <p14:modId xmlns:p14="http://schemas.microsoft.com/office/powerpoint/2010/main" val="1828770979"/>
-              </p:ext>
-            </p:extLst>
+            <p:extLst/>
           </p:nvPr>
         </p:nvGraphicFramePr>
         <p:xfrm>
@@ -4712,21 +5368,21 @@
           <a:graphicData uri="http://schemas.openxmlformats.org/presentationml/2006/ole">
             <mc:AlternateContent xmlns:mc="http://schemas.openxmlformats.org/markup-compatibility/2006">
               <mc:Choice xmlns:v="urn:schemas-microsoft-com:vml" Requires="v">
-                <p:oleObj spid="_x0000_s30742" name="Document" r:id="rId5" imgW="7301323" imgH="4576078" progId="Word.Document.12">
+                <p:oleObj spid="_x0000_s37893" name="Document" r:id="rId4" imgW="7301323" imgH="4576078" progId="Word.Document.12">
                   <p:embed/>
                 </p:oleObj>
               </mc:Choice>
               <mc:Fallback>
-                <p:oleObj name="Document" r:id="rId5" imgW="7301323" imgH="4576078" progId="Word.Document.12">
+                <p:oleObj name="Document" r:id="rId4" imgW="7301323" imgH="4576078" progId="Word.Document.12">
                   <p:embed/>
                   <p:pic>
                     <p:nvPicPr>
-                      <p:cNvPr id="0" name=""/>
+                      <p:cNvPr id="6" name="Object 5"/>
                       <p:cNvPicPr/>
                       <p:nvPr/>
                     </p:nvPicPr>
                     <p:blipFill>
-                      <a:blip r:embed="rId6"/>
+                      <a:blip r:embed="rId5"/>
                       <a:stretch>
                         <a:fillRect/>
                       </a:stretch>
@@ -4750,24 +5406,17 @@
     </p:spTree>
     <p:extLst>
       <p:ext uri="{BB962C8B-B14F-4D97-AF65-F5344CB8AC3E}">
-        <p14:creationId xmlns:p14="http://schemas.microsoft.com/office/powerpoint/2010/main" val="3584228297"/>
+        <p14:creationId xmlns:p14="http://schemas.microsoft.com/office/powerpoint/2010/main" val="235310356"/>
       </p:ext>
     </p:extLst>
   </p:cSld>
   <p:clrMapOvr>
     <a:masterClrMapping/>
   </p:clrMapOvr>
-  <p:timing>
-    <p:tnLst>
-      <p:par>
-        <p:cTn id="1" dur="indefinite" restart="never" nodeType="tmRoot"/>
-      </p:par>
-    </p:tnLst>
-  </p:timing>
 </p:sld>
 </file>
 
-<file path=ppt/slides/slide13.xml><?xml version="1.0" encoding="utf-8"?>
+<file path=ppt/slides/slide15.xml><?xml version="1.0" encoding="utf-8"?>
 <p:sld xmlns:a="http://schemas.openxmlformats.org/drawingml/2006/main" xmlns:r="http://schemas.openxmlformats.org/officeDocument/2006/relationships" xmlns:p="http://schemas.openxmlformats.org/presentationml/2006/main">
   <p:cSld>
     <p:spTree>
@@ -4835,10 +5484,9 @@
               <a:defRPr/>
             </a:pPr>
             <a:r>
-              <a:rPr lang="en-US" smtClean="0"/>
+              <a:rPr lang="en-US"/>
               <a:t>Murach's Android Programming (2nd Ed.), C3</a:t>
             </a:r>
-            <a:endParaRPr lang="en-US"/>
           </a:p>
         </p:txBody>
       </p:sp>
@@ -4861,10 +5509,9 @@
               <a:defRPr/>
             </a:pPr>
             <a:r>
-              <a:rPr lang="en-US" smtClean="0"/>
+              <a:rPr lang="en-US"/>
               <a:t>© 2015, Mike Murach &amp; Associates, Inc.</a:t>
             </a:r>
-            <a:endParaRPr lang="en-US"/>
           </a:p>
         </p:txBody>
       </p:sp>
@@ -4886,14 +5533,14 @@
             <a:pPr>
               <a:defRPr/>
             </a:pPr>
-            <a:endParaRPr lang="en-US" smtClean="0"/>
+            <a:endParaRPr lang="en-US"/>
           </a:p>
           <a:p>
             <a:pPr algn="r">
               <a:defRPr/>
             </a:pPr>
             <a:r>
-              <a:rPr lang="en-US" sz="900" smtClean="0">
+              <a:rPr lang="en-US" sz="900">
                 <a:latin typeface="Arial Narrow" pitchFamily="34" charset="0"/>
               </a:rPr>
               <a:t>Slide </a:t>
@@ -4905,7 +5552,7 @@
               <a:pPr algn="r">
                 <a:defRPr/>
               </a:pPr>
-              <a:t>13</a:t>
+              <a:t>15</a:t>
             </a:fld>
             <a:endParaRPr lang="en-US" sz="900">
               <a:latin typeface="Arial Narrow" pitchFamily="34" charset="0"/>
@@ -4958,17 +5605,10 @@
   <p:clrMapOvr>
     <a:masterClrMapping/>
   </p:clrMapOvr>
-  <p:timing>
-    <p:tnLst>
-      <p:par>
-        <p:cTn id="1" dur="indefinite" restart="never" nodeType="tmRoot"/>
-      </p:par>
-    </p:tnLst>
-  </p:timing>
 </p:sld>
 </file>
 
-<file path=ppt/slides/slide14.xml><?xml version="1.0" encoding="utf-8"?>
+<file path=ppt/slides/slide16.xml><?xml version="1.0" encoding="utf-8"?>
 <p:sld xmlns:a="http://schemas.openxmlformats.org/drawingml/2006/main" xmlns:r="http://schemas.openxmlformats.org/officeDocument/2006/relationships" xmlns:p="http://schemas.openxmlformats.org/presentationml/2006/main">
   <p:cSld>
     <p:spTree>
@@ -5036,14 +5676,13 @@
               <a:defRPr/>
             </a:pPr>
             <a:r>
-              <a:rPr lang="en-US" dirty="0" err="1" smtClean="0"/>
+              <a:rPr lang="en-US" dirty="0" err="1"/>
               <a:t>Murach's</a:t>
             </a:r>
             <a:r>
-              <a:rPr lang="en-US" dirty="0" smtClean="0"/>
+              <a:rPr lang="en-US" dirty="0"/>
               <a:t> Android Programming (2nd Ed.), C3</a:t>
             </a:r>
-            <a:endParaRPr lang="en-US" dirty="0"/>
           </a:p>
         </p:txBody>
       </p:sp>
@@ -5066,10 +5705,9 @@
               <a:defRPr/>
             </a:pPr>
             <a:r>
-              <a:rPr lang="en-US" smtClean="0"/>
+              <a:rPr lang="en-US"/>
               <a:t>© 2015, Mike Murach &amp; Associates, Inc.</a:t>
             </a:r>
-            <a:endParaRPr lang="en-US"/>
           </a:p>
         </p:txBody>
       </p:sp>
@@ -5091,14 +5729,14 @@
             <a:pPr>
               <a:defRPr/>
             </a:pPr>
-            <a:endParaRPr lang="en-US" smtClean="0"/>
+            <a:endParaRPr lang="en-US"/>
           </a:p>
           <a:p>
             <a:pPr algn="r">
               <a:defRPr/>
             </a:pPr>
             <a:r>
-              <a:rPr lang="en-US" sz="900" smtClean="0">
+              <a:rPr lang="en-US" sz="900">
                 <a:latin typeface="Arial Narrow" pitchFamily="34" charset="0"/>
               </a:rPr>
               <a:t>Slide </a:t>
@@ -5110,7 +5748,7 @@
               <a:pPr algn="r">
                 <a:defRPr/>
               </a:pPr>
-              <a:t>14</a:t>
+              <a:t>16</a:t>
             </a:fld>
             <a:endParaRPr lang="en-US" sz="900">
               <a:latin typeface="Arial Narrow" pitchFamily="34" charset="0"/>
@@ -5140,12 +5778,12 @@
           <a:graphicData uri="http://schemas.openxmlformats.org/presentationml/2006/ole">
             <mc:AlternateContent xmlns:mc="http://schemas.openxmlformats.org/markup-compatibility/2006">
               <mc:Choice xmlns:v="urn:schemas-microsoft-com:vml" Requires="v">
-                <p:oleObj spid="_x0000_s31765" name="Document" r:id="rId4" imgW="7301323" imgH="867039" progId="Word.Document.12">
+                <p:oleObj spid="_x0000_s31770" name="Document" r:id="rId3" imgW="7301323" imgH="867039" progId="Word.Document.12">
                   <p:embed/>
                 </p:oleObj>
               </mc:Choice>
               <mc:Fallback>
-                <p:oleObj name="Document" r:id="rId4" imgW="7301323" imgH="867039" progId="Word.Document.12">
+                <p:oleObj name="Document" r:id="rId3" imgW="7301323" imgH="867039" progId="Word.Document.12">
                   <p:embed/>
                   <p:pic>
                     <p:nvPicPr>
@@ -5154,7 +5792,7 @@
                       <p:nvPr/>
                     </p:nvPicPr>
                     <p:blipFill>
-                      <a:blip r:embed="rId5"/>
+                      <a:blip r:embed="rId4"/>
                       <a:stretch>
                         <a:fillRect/>
                       </a:stretch>
@@ -5185,17 +5823,10 @@
   <p:clrMapOvr>
     <a:masterClrMapping/>
   </p:clrMapOvr>
-  <p:timing>
-    <p:tnLst>
-      <p:par>
-        <p:cTn id="1" dur="indefinite" restart="never" nodeType="tmRoot"/>
-      </p:par>
-    </p:tnLst>
-  </p:timing>
 </p:sld>
 </file>
 
-<file path=ppt/slides/slide15.xml><?xml version="1.0" encoding="utf-8"?>
+<file path=ppt/slides/slide17.xml><?xml version="1.0" encoding="utf-8"?>
 <p:sld xmlns:a="http://schemas.openxmlformats.org/drawingml/2006/main" xmlns:r="http://schemas.openxmlformats.org/officeDocument/2006/relationships" xmlns:p="http://schemas.openxmlformats.org/presentationml/2006/main">
   <p:cSld>
     <p:bg>
@@ -5254,10 +5885,9 @@
           <a:lstStyle/>
           <a:p>
             <a:r>
-              <a:rPr lang="en-US" dirty="0" smtClean="0"/>
+              <a:rPr lang="en-US" dirty="0"/>
               <a:t>Android Manifest</a:t>
             </a:r>
-            <a:endParaRPr lang="en-US" dirty="0"/>
           </a:p>
         </p:txBody>
       </p:sp>
@@ -5285,11 +5915,7 @@
           <a:p>
             <a:r>
               <a:rPr lang="en-US" sz="2800" dirty="0"/>
-              <a:t>Every application must have an AndroidManifest.xml file (with precisely that name) in its root directory. The manifest file presents essential information about your app to the Android system, information the system must have before it can run any of the app's code. </a:t>
-            </a:r>
-            <a:r>
-              <a:rPr lang="en-US" sz="2800" dirty="0" smtClean="0"/>
-              <a:t>– Android Developer’s API Guide</a:t>
+              <a:t>Every application must have an AndroidManifest.xml file (with precisely that name) in its root directory. The manifest file presents essential information about your app to the Android system, information the system must have before it can run any of the app's code. – Android Developer’s API Guide</a:t>
             </a:r>
             <a:endParaRPr lang="en-US" dirty="0"/>
           </a:p>
@@ -5329,17 +5955,10 @@
   <p:clrMapOvr>
     <a:masterClrMapping/>
   </p:clrMapOvr>
-  <p:timing>
-    <p:tnLst>
-      <p:par>
-        <p:cTn id="1" dur="indefinite" restart="never" nodeType="tmRoot"/>
-      </p:par>
-    </p:tnLst>
-  </p:timing>
 </p:sld>
 </file>
 
-<file path=ppt/slides/slide16.xml><?xml version="1.0" encoding="utf-8"?>
+<file path=ppt/slides/slide18.xml><?xml version="1.0" encoding="utf-8"?>
 <p:sld xmlns:a="http://schemas.openxmlformats.org/drawingml/2006/main" xmlns:r="http://schemas.openxmlformats.org/officeDocument/2006/relationships" xmlns:p="http://schemas.openxmlformats.org/presentationml/2006/main">
   <p:cSld>
     <p:spTree>
@@ -5407,14 +6026,13 @@
               <a:defRPr/>
             </a:pPr>
             <a:r>
-              <a:rPr lang="en-US" dirty="0" err="1" smtClean="0"/>
+              <a:rPr lang="en-US" dirty="0" err="1"/>
               <a:t>Murach's</a:t>
             </a:r>
             <a:r>
-              <a:rPr lang="en-US" dirty="0" smtClean="0"/>
+              <a:rPr lang="en-US" dirty="0"/>
               <a:t> Android Programming (2nd Ed.), C3</a:t>
             </a:r>
-            <a:endParaRPr lang="en-US" dirty="0"/>
           </a:p>
         </p:txBody>
       </p:sp>
@@ -5437,10 +6055,9 @@
               <a:defRPr/>
             </a:pPr>
             <a:r>
-              <a:rPr lang="en-US" smtClean="0"/>
+              <a:rPr lang="en-US"/>
               <a:t>© 2015, Mike Murach &amp; Associates, Inc.</a:t>
             </a:r>
-            <a:endParaRPr lang="en-US"/>
           </a:p>
         </p:txBody>
       </p:sp>
@@ -5462,14 +6079,14 @@
             <a:pPr>
               <a:defRPr/>
             </a:pPr>
-            <a:endParaRPr lang="en-US" smtClean="0"/>
+            <a:endParaRPr lang="en-US"/>
           </a:p>
           <a:p>
             <a:pPr algn="r">
               <a:defRPr/>
             </a:pPr>
             <a:r>
-              <a:rPr lang="en-US" sz="900" smtClean="0">
+              <a:rPr lang="en-US" sz="900">
                 <a:latin typeface="Arial Narrow" pitchFamily="34" charset="0"/>
               </a:rPr>
               <a:t>Slide </a:t>
@@ -5481,7 +6098,7 @@
               <a:pPr algn="r">
                 <a:defRPr/>
               </a:pPr>
-              <a:t>16</a:t>
+              <a:t>18</a:t>
             </a:fld>
             <a:endParaRPr lang="en-US" sz="900">
               <a:latin typeface="Arial Narrow" pitchFamily="34" charset="0"/>
@@ -5511,12 +6128,12 @@
           <a:graphicData uri="http://schemas.openxmlformats.org/presentationml/2006/ole">
             <mc:AlternateContent xmlns:mc="http://schemas.openxmlformats.org/markup-compatibility/2006">
               <mc:Choice xmlns:v="urn:schemas-microsoft-com:vml" Requires="v">
-                <p:oleObj spid="_x0000_s32789" name="Document" r:id="rId4" imgW="7301323" imgH="4979352" progId="Word.Document.12">
+                <p:oleObj spid="_x0000_s32794" name="Document" r:id="rId3" imgW="7301323" imgH="4979352" progId="Word.Document.12">
                   <p:embed/>
                 </p:oleObj>
               </mc:Choice>
               <mc:Fallback>
-                <p:oleObj name="Document" r:id="rId4" imgW="7301323" imgH="4979352" progId="Word.Document.12">
+                <p:oleObj name="Document" r:id="rId3" imgW="7301323" imgH="4979352" progId="Word.Document.12">
                   <p:embed/>
                   <p:pic>
                     <p:nvPicPr>
@@ -5525,7 +6142,7 @@
                       <p:nvPr/>
                     </p:nvPicPr>
                     <p:blipFill>
-                      <a:blip r:embed="rId5"/>
+                      <a:blip r:embed="rId4"/>
                       <a:stretch>
                         <a:fillRect/>
                       </a:stretch>
@@ -5556,17 +6173,10 @@
   <p:clrMapOvr>
     <a:masterClrMapping/>
   </p:clrMapOvr>
-  <p:timing>
-    <p:tnLst>
-      <p:par>
-        <p:cTn id="1" dur="indefinite" restart="never" nodeType="tmRoot"/>
-      </p:par>
-    </p:tnLst>
-  </p:timing>
 </p:sld>
 </file>
 
-<file path=ppt/slides/slide17.xml><?xml version="1.0" encoding="utf-8"?>
+<file path=ppt/slides/slide19.xml><?xml version="1.0" encoding="utf-8"?>
 <p:sld xmlns:a="http://schemas.openxmlformats.org/drawingml/2006/main" xmlns:r="http://schemas.openxmlformats.org/officeDocument/2006/relationships" xmlns:p="http://schemas.openxmlformats.org/presentationml/2006/main">
   <p:cSld>
     <p:spTree>
@@ -5641,10 +6251,9 @@
               <a:defRPr/>
             </a:pPr>
             <a:r>
-              <a:rPr lang="en-US" smtClean="0"/>
+              <a:rPr lang="en-US"/>
               <a:t>Murach's Android Programming (2nd Ed.), C3</a:t>
             </a:r>
-            <a:endParaRPr lang="en-US"/>
           </a:p>
         </p:txBody>
       </p:sp>
@@ -5667,10 +6276,9 @@
               <a:defRPr/>
             </a:pPr>
             <a:r>
-              <a:rPr lang="en-US" smtClean="0"/>
+              <a:rPr lang="en-US"/>
               <a:t>© 2015, Mike Murach &amp; Associates, Inc.</a:t>
             </a:r>
-            <a:endParaRPr lang="en-US"/>
           </a:p>
         </p:txBody>
       </p:sp>
@@ -5692,14 +6300,14 @@
             <a:pPr>
               <a:defRPr/>
             </a:pPr>
-            <a:endParaRPr lang="en-US" smtClean="0"/>
+            <a:endParaRPr lang="en-US"/>
           </a:p>
           <a:p>
             <a:pPr algn="r">
               <a:defRPr/>
             </a:pPr>
             <a:r>
-              <a:rPr lang="en-US" sz="900" smtClean="0">
+              <a:rPr lang="en-US" sz="900">
                 <a:latin typeface="Arial Narrow" pitchFamily="34" charset="0"/>
               </a:rPr>
               <a:t>Slide </a:t>
@@ -5711,7 +6319,7 @@
               <a:pPr algn="r">
                 <a:defRPr/>
               </a:pPr>
-              <a:t>17</a:t>
+              <a:t>19</a:t>
             </a:fld>
             <a:endParaRPr lang="en-US" sz="900">
               <a:latin typeface="Arial Narrow" pitchFamily="34" charset="0"/>
@@ -5741,12 +6349,12 @@
           <a:graphicData uri="http://schemas.openxmlformats.org/presentationml/2006/ole">
             <mc:AlternateContent xmlns:mc="http://schemas.openxmlformats.org/markup-compatibility/2006">
               <mc:Choice xmlns:v="urn:schemas-microsoft-com:vml" Requires="v">
-                <p:oleObj spid="_x0000_s33813" name="Document" r:id="rId4" imgW="7313400" imgH="2726440" progId="Word.Document.12">
+                <p:oleObj spid="_x0000_s33818" name="Document" r:id="rId3" imgW="7313400" imgH="2726440" progId="Word.Document.12">
                   <p:embed/>
                 </p:oleObj>
               </mc:Choice>
               <mc:Fallback>
-                <p:oleObj name="Document" r:id="rId4" imgW="7313400" imgH="2726440" progId="Word.Document.12">
+                <p:oleObj name="Document" r:id="rId3" imgW="7313400" imgH="2726440" progId="Word.Document.12">
                   <p:embed/>
                   <p:pic>
                     <p:nvPicPr>
@@ -5755,7 +6363,7 @@
                       <p:nvPr/>
                     </p:nvPicPr>
                     <p:blipFill>
-                      <a:blip r:embed="rId5"/>
+                      <a:blip r:embed="rId4"/>
                       <a:stretch>
                         <a:fillRect/>
                       </a:stretch>
@@ -5786,475 +6394,6 @@
   <p:clrMapOvr>
     <a:masterClrMapping/>
   </p:clrMapOvr>
-  <p:timing>
-    <p:tnLst>
-      <p:par>
-        <p:cTn id="1" dur="indefinite" restart="never" nodeType="tmRoot"/>
-      </p:par>
-    </p:tnLst>
-  </p:timing>
-</p:sld>
-</file>
-
-<file path=ppt/slides/slide18.xml><?xml version="1.0" encoding="utf-8"?>
-<p:sld xmlns:a="http://schemas.openxmlformats.org/drawingml/2006/main" xmlns:r="http://schemas.openxmlformats.org/officeDocument/2006/relationships" xmlns:p="http://schemas.openxmlformats.org/presentationml/2006/main">
-  <p:cSld>
-    <p:bg>
-      <p:bgPr>
-        <a:gradFill flip="none" rotWithShape="1">
-          <a:gsLst>
-            <a:gs pos="78000">
-              <a:schemeClr val="accent2">
-                <a:alpha val="15000"/>
-              </a:schemeClr>
-            </a:gs>
-            <a:gs pos="100000">
-              <a:schemeClr val="accent6">
-                <a:alpha val="63000"/>
-              </a:schemeClr>
-            </a:gs>
-          </a:gsLst>
-          <a:lin ang="5400000" scaled="0"/>
-          <a:tileRect/>
-        </a:gradFill>
-        <a:effectLst/>
-      </p:bgPr>
-    </p:bg>
-    <p:spTree>
-      <p:nvGrpSpPr>
-        <p:cNvPr id="1" name=""/>
-        <p:cNvGrpSpPr/>
-        <p:nvPr/>
-      </p:nvGrpSpPr>
-      <p:grpSpPr>
-        <a:xfrm>
-          <a:off x="0" y="0"/>
-          <a:ext cx="0" cy="0"/>
-          <a:chOff x="0" y="0"/>
-          <a:chExt cx="0" cy="0"/>
-        </a:xfrm>
-      </p:grpSpPr>
-      <p:sp>
-        <p:nvSpPr>
-          <p:cNvPr id="2" name="Title 1"/>
-          <p:cNvSpPr>
-            <a:spLocks noGrp="1"/>
-          </p:cNvSpPr>
-          <p:nvPr>
-            <p:ph type="title"/>
-          </p:nvPr>
-        </p:nvSpPr>
-        <p:spPr>
-          <a:xfrm>
-            <a:off x="914400" y="685800"/>
-            <a:ext cx="3962400" cy="400110"/>
-          </a:xfrm>
-        </p:spPr>
-        <p:txBody>
-          <a:bodyPr/>
-          <a:lstStyle/>
-          <a:p>
-            <a:r>
-              <a:rPr lang="en-US" dirty="0" smtClean="0"/>
-              <a:t>Android Launcher Icons</a:t>
-            </a:r>
-            <a:endParaRPr lang="en-US" dirty="0"/>
-          </a:p>
-        </p:txBody>
-      </p:sp>
-      <p:pic>
-        <p:nvPicPr>
-          <p:cNvPr id="4" name="Picture 3"/>
-          <p:cNvPicPr>
-            <a:picLocks noChangeAspect="1"/>
-          </p:cNvPicPr>
-          <p:nvPr/>
-        </p:nvPicPr>
-        <p:blipFill>
-          <a:blip r:embed="rId3"/>
-          <a:stretch>
-            <a:fillRect/>
-          </a:stretch>
-        </p:blipFill>
-        <p:spPr>
-          <a:xfrm>
-            <a:off x="6629400" y="1371600"/>
-            <a:ext cx="1916683" cy="2133599"/>
-          </a:xfrm>
-          <a:prstGeom prst="rect">
-            <a:avLst/>
-          </a:prstGeom>
-        </p:spPr>
-      </p:pic>
-      <p:sp>
-        <p:nvSpPr>
-          <p:cNvPr id="5" name="TextBox 4"/>
-          <p:cNvSpPr txBox="1"/>
-          <p:nvPr/>
-        </p:nvSpPr>
-        <p:spPr>
-          <a:xfrm>
-            <a:off x="990600" y="1371600"/>
-            <a:ext cx="5562600" cy="2308324"/>
-          </a:xfrm>
-          <a:prstGeom prst="rect">
-            <a:avLst/>
-          </a:prstGeom>
-          <a:noFill/>
-        </p:spPr>
-        <p:txBody>
-          <a:bodyPr wrap="square" rtlCol="0">
-            <a:spAutoFit/>
-          </a:bodyPr>
-          <a:lstStyle/>
-          <a:p>
-            <a:r>
-              <a:rPr lang="en-US" dirty="0"/>
-              <a:t>A launcher icon is a graphic that represents your application. Launcher icons are used by Launcher applications and appear on the user’s Home screen. Launcher icons can also be used to represent shortcuts into your </a:t>
-            </a:r>
-            <a:r>
-              <a:rPr lang="en-US" dirty="0" smtClean="0"/>
-              <a:t>application</a:t>
-            </a:r>
-            <a:endParaRPr lang="en-US" dirty="0"/>
-          </a:p>
-        </p:txBody>
-      </p:sp>
-      <p:sp>
-        <p:nvSpPr>
-          <p:cNvPr id="7" name="TextBox 6"/>
-          <p:cNvSpPr txBox="1"/>
-          <p:nvPr/>
-        </p:nvSpPr>
-        <p:spPr>
-          <a:xfrm>
-            <a:off x="990600" y="3733800"/>
-            <a:ext cx="7772400" cy="1938992"/>
-          </a:xfrm>
-          <a:prstGeom prst="rect">
-            <a:avLst/>
-          </a:prstGeom>
-          <a:noFill/>
-        </p:spPr>
-        <p:txBody>
-          <a:bodyPr wrap="square" rtlCol="0">
-            <a:spAutoFit/>
-          </a:bodyPr>
-          <a:lstStyle/>
-          <a:p>
-            <a:r>
-              <a:rPr lang="en-US" dirty="0" smtClean="0"/>
-              <a:t>Separate </a:t>
-            </a:r>
-            <a:r>
-              <a:rPr lang="en-US" dirty="0"/>
-              <a:t>icons </a:t>
-            </a:r>
-            <a:r>
-              <a:rPr lang="en-US" dirty="0" smtClean="0"/>
-              <a:t>should be created for </a:t>
-            </a:r>
-            <a:r>
-              <a:rPr lang="en-US" dirty="0"/>
-              <a:t>all generalized screen densities, including low-, medium-, high-, and extra-high-density screens. </a:t>
-            </a:r>
-            <a:r>
-              <a:rPr lang="en-US" dirty="0" smtClean="0"/>
-              <a:t>A </a:t>
-            </a:r>
-            <a:r>
-              <a:rPr lang="en-US" dirty="0"/>
-              <a:t>high-resolution version of your application launcher icon is also required by Google Play for use in application listings. </a:t>
-            </a:r>
-          </a:p>
-        </p:txBody>
-      </p:sp>
-    </p:spTree>
-    <p:extLst>
-      <p:ext uri="{BB962C8B-B14F-4D97-AF65-F5344CB8AC3E}">
-        <p14:creationId xmlns:p14="http://schemas.microsoft.com/office/powerpoint/2010/main" val="1587235806"/>
-      </p:ext>
-    </p:extLst>
-  </p:cSld>
-  <p:clrMapOvr>
-    <a:masterClrMapping/>
-  </p:clrMapOvr>
-  <p:timing>
-    <p:tnLst>
-      <p:par>
-        <p:cTn id="1" dur="indefinite" restart="never" nodeType="tmRoot"/>
-      </p:par>
-    </p:tnLst>
-  </p:timing>
-</p:sld>
-</file>
-
-<file path=ppt/slides/slide19.xml><?xml version="1.0" encoding="utf-8"?>
-<p:sld xmlns:a="http://schemas.openxmlformats.org/drawingml/2006/main" xmlns:r="http://schemas.openxmlformats.org/officeDocument/2006/relationships" xmlns:p="http://schemas.openxmlformats.org/presentationml/2006/main">
-  <p:cSld>
-    <p:spTree>
-      <p:nvGrpSpPr>
-        <p:cNvPr id="1" name=""/>
-        <p:cNvGrpSpPr/>
-        <p:nvPr/>
-      </p:nvGrpSpPr>
-      <p:grpSpPr>
-        <a:xfrm>
-          <a:off x="0" y="0"/>
-          <a:ext cx="0" cy="0"/>
-          <a:chOff x="0" y="0"/>
-          <a:chExt cx="0" cy="0"/>
-        </a:xfrm>
-      </p:grpSpPr>
-      <p:sp>
-        <p:nvSpPr>
-          <p:cNvPr id="2" name="Title 1"/>
-          <p:cNvSpPr>
-            <a:spLocks noGrp="1"/>
-          </p:cNvSpPr>
-          <p:nvPr>
-            <p:ph type="title"/>
-          </p:nvPr>
-        </p:nvSpPr>
-        <p:spPr>
-          <a:xfrm>
-            <a:off x="914400" y="685800"/>
-            <a:ext cx="7315200" cy="400110"/>
-          </a:xfrm>
-        </p:spPr>
-        <p:txBody>
-          <a:bodyPr/>
-          <a:lstStyle/>
-          <a:p>
-            <a:r>
-              <a:rPr lang="en-US" dirty="0" smtClean="0"/>
-              <a:t>How to set the launcher icon for an app</a:t>
-            </a:r>
-            <a:endParaRPr lang="en-US" dirty="0"/>
-          </a:p>
-        </p:txBody>
-      </p:sp>
-      <p:sp>
-        <p:nvSpPr>
-          <p:cNvPr id="3" name="Date Placeholder 2"/>
-          <p:cNvSpPr>
-            <a:spLocks noGrp="1"/>
-          </p:cNvSpPr>
-          <p:nvPr>
-            <p:ph type="dt" sz="half" idx="10"/>
-          </p:nvPr>
-        </p:nvSpPr>
-        <p:spPr>
-          <a:xfrm>
-            <a:off x="762000" y="6248400"/>
-            <a:ext cx="2438400" cy="457200"/>
-          </a:xfrm>
-        </p:spPr>
-        <p:txBody>
-          <a:bodyPr/>
-          <a:lstStyle/>
-          <a:p>
-            <a:pPr>
-              <a:defRPr/>
-            </a:pPr>
-            <a:r>
-              <a:rPr lang="en-US" dirty="0" err="1" smtClean="0"/>
-              <a:t>Murach's</a:t>
-            </a:r>
-            <a:r>
-              <a:rPr lang="en-US" dirty="0" smtClean="0"/>
-              <a:t> Android Programming (2nd Ed.), C3</a:t>
-            </a:r>
-            <a:endParaRPr lang="en-US" dirty="0"/>
-          </a:p>
-        </p:txBody>
-      </p:sp>
-      <p:sp>
-        <p:nvSpPr>
-          <p:cNvPr id="4" name="Footer Placeholder 3"/>
-          <p:cNvSpPr>
-            <a:spLocks noGrp="1"/>
-          </p:cNvSpPr>
-          <p:nvPr>
-            <p:ph type="ftr" sz="quarter" idx="11"/>
-          </p:nvPr>
-        </p:nvSpPr>
-        <p:spPr/>
-        <p:txBody>
-          <a:bodyPr/>
-          <a:lstStyle/>
-          <a:p>
-            <a:pPr>
-              <a:defRPr/>
-            </a:pPr>
-            <a:r>
-              <a:rPr lang="en-US" dirty="0" smtClean="0"/>
-              <a:t>© 2015, Mike Murach &amp; Associates, Inc. – Revised by Brian Bird 2016</a:t>
-            </a:r>
-            <a:endParaRPr lang="en-US" dirty="0"/>
-          </a:p>
-        </p:txBody>
-      </p:sp>
-      <p:sp>
-        <p:nvSpPr>
-          <p:cNvPr id="5" name="Slide Number Placeholder 4"/>
-          <p:cNvSpPr>
-            <a:spLocks noGrp="1"/>
-          </p:cNvSpPr>
-          <p:nvPr>
-            <p:ph type="sldNum" sz="quarter" idx="12"/>
-          </p:nvPr>
-        </p:nvSpPr>
-        <p:spPr/>
-        <p:txBody>
-          <a:bodyPr/>
-          <a:lstStyle/>
-          <a:p>
-            <a:pPr>
-              <a:defRPr/>
-            </a:pPr>
-            <a:endParaRPr lang="en-US" smtClean="0"/>
-          </a:p>
-          <a:p>
-            <a:pPr algn="r">
-              <a:defRPr/>
-            </a:pPr>
-            <a:r>
-              <a:rPr lang="en-US" sz="900" smtClean="0">
-                <a:latin typeface="Arial Narrow" pitchFamily="34" charset="0"/>
-              </a:rPr>
-              <a:t>Slide </a:t>
-            </a:r>
-            <a:fld id="{5ECE9829-65B2-40C6-AEFF-7C648FF56A9C}" type="slidenum">
-              <a:rPr lang="en-US" sz="900" smtClean="0">
-                <a:latin typeface="Arial Narrow" pitchFamily="34" charset="0"/>
-              </a:rPr>
-              <a:pPr algn="r">
-                <a:defRPr/>
-              </a:pPr>
-              <a:t>19</a:t>
-            </a:fld>
-            <a:endParaRPr lang="en-US" sz="900">
-              <a:latin typeface="Arial Narrow" pitchFamily="34" charset="0"/>
-            </a:endParaRPr>
-          </a:p>
-        </p:txBody>
-      </p:sp>
-      <p:graphicFrame>
-        <p:nvGraphicFramePr>
-          <p:cNvPr id="6" name="Object 5"/>
-          <p:cNvGraphicFramePr>
-            <a:graphicFrameLocks noChangeAspect="1"/>
-          </p:cNvGraphicFramePr>
-          <p:nvPr>
-            <p:extLst>
-              <p:ext uri="{D42A27DB-BD31-4B8C-83A1-F6EECF244321}">
-                <p14:modId xmlns:p14="http://schemas.microsoft.com/office/powerpoint/2010/main" val="2245284489"/>
-              </p:ext>
-            </p:extLst>
-          </p:nvPr>
-        </p:nvGraphicFramePr>
-        <p:xfrm>
-          <a:off x="1004477" y="1219200"/>
-          <a:ext cx="7301323" cy="2819676"/>
-        </p:xfrm>
-        <a:graphic>
-          <a:graphicData uri="http://schemas.openxmlformats.org/presentationml/2006/ole">
-            <mc:AlternateContent xmlns:mc="http://schemas.openxmlformats.org/markup-compatibility/2006">
-              <mc:Choice xmlns:v="urn:schemas-microsoft-com:vml" Requires="v">
-                <p:oleObj spid="_x0000_s35861" name="Document" r:id="rId4" imgW="7301323" imgH="2819676" progId="Word.Document.12">
-                  <p:embed/>
-                </p:oleObj>
-              </mc:Choice>
-              <mc:Fallback>
-                <p:oleObj name="Document" r:id="rId4" imgW="7301323" imgH="2819676" progId="Word.Document.12">
-                  <p:embed/>
-                  <p:pic>
-                    <p:nvPicPr>
-                      <p:cNvPr id="0" name=""/>
-                      <p:cNvPicPr/>
-                      <p:nvPr/>
-                    </p:nvPicPr>
-                    <p:blipFill>
-                      <a:blip r:embed="rId5"/>
-                      <a:stretch>
-                        <a:fillRect/>
-                      </a:stretch>
-                    </p:blipFill>
-                    <p:spPr>
-                      <a:xfrm>
-                        <a:off x="1004477" y="1219200"/>
-                        <a:ext cx="7301323" cy="2819676"/>
-                      </a:xfrm>
-                      <a:prstGeom prst="rect">
-                        <a:avLst/>
-                      </a:prstGeom>
-                    </p:spPr>
-                  </p:pic>
-                </p:oleObj>
-              </mc:Fallback>
-            </mc:AlternateContent>
-          </a:graphicData>
-        </a:graphic>
-      </p:graphicFrame>
-      <p:sp>
-        <p:nvSpPr>
-          <p:cNvPr id="7" name="Rectangle 6"/>
-          <p:cNvSpPr/>
-          <p:nvPr/>
-        </p:nvSpPr>
-        <p:spPr>
-          <a:xfrm>
-            <a:off x="990600" y="4495800"/>
-            <a:ext cx="6858000" cy="461665"/>
-          </a:xfrm>
-          <a:prstGeom prst="rect">
-            <a:avLst/>
-          </a:prstGeom>
-        </p:spPr>
-        <p:txBody>
-          <a:bodyPr wrap="square">
-            <a:spAutoFit/>
-          </a:bodyPr>
-          <a:lstStyle/>
-          <a:p>
-            <a:r>
-              <a:rPr lang="en-US" dirty="0">
-                <a:hlinkClick r:id="rId6"/>
-              </a:rPr>
-              <a:t>http://romannurik.github.io/AndroidAssetStudio</a:t>
-            </a:r>
-            <a:r>
-              <a:rPr lang="en-US" dirty="0" smtClean="0">
-                <a:hlinkClick r:id="rId6"/>
-              </a:rPr>
-              <a:t>/</a:t>
-            </a:r>
-            <a:r>
-              <a:rPr lang="en-US" dirty="0" smtClean="0"/>
-              <a:t> </a:t>
-            </a:r>
-            <a:endParaRPr lang="en-US" dirty="0"/>
-          </a:p>
-        </p:txBody>
-      </p:sp>
-    </p:spTree>
-    <p:extLst>
-      <p:ext uri="{BB962C8B-B14F-4D97-AF65-F5344CB8AC3E}">
-        <p14:creationId xmlns:p14="http://schemas.microsoft.com/office/powerpoint/2010/main" val="1869031880"/>
-      </p:ext>
-    </p:extLst>
-  </p:cSld>
-  <p:clrMapOvr>
-    <a:masterClrMapping/>
-  </p:clrMapOvr>
-  <p:timing>
-    <p:tnLst>
-      <p:par>
-        <p:cTn id="1" dur="indefinite" restart="never" nodeType="tmRoot"/>
-      </p:par>
-    </p:tnLst>
-  </p:timing>
 </p:sld>
 </file>
 
@@ -6319,18 +6458,13 @@
           <a:p>
             <a:pPr algn="l"/>
             <a:r>
-              <a:rPr lang="en-US" sz="2800" b="1" dirty="0" smtClean="0">
+              <a:rPr lang="en-US" sz="2800" b="1" dirty="0">
                 <a:solidFill>
                   <a:schemeClr val="accent6"/>
                 </a:solidFill>
               </a:rPr>
               <a:t>Course Overview</a:t>
             </a:r>
-            <a:endParaRPr lang="en-US" sz="2800" b="1" dirty="0">
-              <a:solidFill>
-                <a:schemeClr val="accent6"/>
-              </a:solidFill>
-            </a:endParaRPr>
           </a:p>
         </p:txBody>
       </p:sp>
@@ -6351,7 +6485,7 @@
         </p:nvGraphicFramePr>
         <p:xfrm>
           <a:off x="457200" y="1447800"/>
-          <a:ext cx="4038600" cy="4299243"/>
+          <a:ext cx="4038600" cy="4299244"/>
         </p:xfrm>
         <a:graphic>
           <a:graphicData uri="http://schemas.openxmlformats.org/drawingml/2006/table">
@@ -6360,8 +6494,20 @@
                 <a:tableStyleId>{5C22544A-7EE6-4342-B048-85BDC9FD1C3A}</a:tableStyleId>
               </a:tblPr>
               <a:tblGrid>
-                <a:gridCol w="587433"/>
-                <a:gridCol w="3451167"/>
+                <a:gridCol w="587433">
+                  <a:extLst>
+                    <a:ext uri="{9D8B030D-6E8A-4147-A177-3AD203B41FA5}">
+                      <a16:colId xmlns:a16="http://schemas.microsoft.com/office/drawing/2014/main" val="20000"/>
+                    </a:ext>
+                  </a:extLst>
+                </a:gridCol>
+                <a:gridCol w="3451167">
+                  <a:extLst>
+                    <a:ext uri="{9D8B030D-6E8A-4147-A177-3AD203B41FA5}">
+                      <a16:colId xmlns:a16="http://schemas.microsoft.com/office/drawing/2014/main" val="20001"/>
+                    </a:ext>
+                  </a:extLst>
+                </a:gridCol>
               </a:tblGrid>
               <a:tr h="428284">
                 <a:tc>
@@ -6370,10 +6516,9 @@
                     <a:lstStyle/>
                     <a:p>
                       <a:r>
-                        <a:rPr lang="en-US" dirty="0" smtClean="0"/>
+                        <a:rPr lang="en-US" dirty="0"/>
                         <a:t>Wk</a:t>
                       </a:r>
-                      <a:endParaRPr lang="en-US" dirty="0"/>
                     </a:p>
                   </a:txBody>
                   <a:tcPr/>
@@ -6384,14 +6529,18 @@
                     <a:lstStyle/>
                     <a:p>
                       <a:r>
-                        <a:rPr lang="en-US" dirty="0" smtClean="0"/>
+                        <a:rPr lang="en-US" dirty="0"/>
                         <a:t>Topic</a:t>
                       </a:r>
-                      <a:endParaRPr lang="en-US" dirty="0"/>
                     </a:p>
                   </a:txBody>
                   <a:tcPr/>
                 </a:tc>
+                <a:extLst>
+                  <a:ext uri="{0D108BD9-81ED-4DB2-BD59-A6C34878D82A}">
+                    <a16:rowId xmlns:a16="http://schemas.microsoft.com/office/drawing/2014/main" val="10000"/>
+                  </a:ext>
+                </a:extLst>
               </a:tr>
               <a:tr h="428284">
                 <a:tc>
@@ -6400,10 +6549,9 @@
                     <a:lstStyle/>
                     <a:p>
                       <a:r>
-                        <a:rPr lang="en-US" sz="2800" dirty="0" smtClean="0"/>
+                        <a:rPr lang="en-US" sz="2800" dirty="0"/>
                         <a:t>1</a:t>
                       </a:r>
-                      <a:endParaRPr lang="en-US" sz="2800" dirty="0"/>
                     </a:p>
                   </a:txBody>
                   <a:tcPr>
@@ -6435,7 +6583,7 @@
                         <a:defRPr/>
                       </a:pPr>
                       <a:r>
-                        <a:rPr lang="en-US" sz="2800" dirty="0" smtClean="0"/>
+                        <a:rPr lang="en-US" sz="2800" dirty="0"/>
                         <a:t>Intro + </a:t>
                       </a:r>
                     </a:p>
@@ -6458,7 +6606,7 @@
                         <a:defRPr/>
                       </a:pPr>
                       <a:r>
-                        <a:rPr lang="en-US" sz="2800" u="sng" dirty="0" smtClean="0"/>
+                        <a:rPr lang="en-US" sz="2800" u="sng" dirty="0"/>
                         <a:t>single-screen apps</a:t>
                       </a:r>
                     </a:p>
@@ -6469,6 +6617,11 @@
                     </a:solidFill>
                   </a:tcPr>
                 </a:tc>
+                <a:extLst>
+                  <a:ext uri="{0D108BD9-81ED-4DB2-BD59-A6C34878D82A}">
+                    <a16:rowId xmlns:a16="http://schemas.microsoft.com/office/drawing/2014/main" val="10001"/>
+                  </a:ext>
+                </a:extLst>
               </a:tr>
               <a:tr h="472440">
                 <a:tc>
@@ -6477,10 +6630,9 @@
                     <a:lstStyle/>
                     <a:p>
                       <a:r>
-                        <a:rPr lang="en-US" sz="2800" dirty="0" smtClean="0"/>
+                        <a:rPr lang="en-US" sz="2800" dirty="0"/>
                         <a:t>1</a:t>
                       </a:r>
-                      <a:endParaRPr lang="en-US" sz="2800" dirty="0"/>
                     </a:p>
                   </a:txBody>
                   <a:tcPr>
@@ -6515,7 +6667,7 @@
                         <a:defRPr/>
                       </a:pPr>
                       <a:r>
-                        <a:rPr lang="en-US" sz="2800" dirty="0" smtClean="0"/>
+                        <a:rPr lang="en-US" sz="2800" dirty="0"/>
                         <a:t>Activity Lifecycle +</a:t>
                       </a:r>
                     </a:p>
@@ -6529,6 +6681,11 @@
                     </a:solidFill>
                   </a:tcPr>
                 </a:tc>
+                <a:extLst>
+                  <a:ext uri="{0D108BD9-81ED-4DB2-BD59-A6C34878D82A}">
+                    <a16:rowId xmlns:a16="http://schemas.microsoft.com/office/drawing/2014/main" val="10002"/>
+                  </a:ext>
+                </a:extLst>
               </a:tr>
               <a:tr h="472440">
                 <a:tc>
@@ -6537,10 +6694,9 @@
                     <a:lstStyle/>
                     <a:p>
                       <a:r>
-                        <a:rPr lang="en-US" sz="2800" dirty="0" smtClean="0"/>
+                        <a:rPr lang="en-US" sz="2800" dirty="0"/>
                         <a:t>1</a:t>
                       </a:r>
-                      <a:endParaRPr lang="en-US" sz="2800" dirty="0"/>
                     </a:p>
                   </a:txBody>
                   <a:tcPr>
@@ -6572,14 +6728,14 @@
                         <a:defRPr/>
                       </a:pPr>
                       <a:r>
-                        <a:rPr lang="en-US" sz="2800" dirty="0" smtClean="0"/>
+                        <a:rPr lang="en-US" sz="2800" dirty="0"/>
                         <a:t>Saving</a:t>
                       </a:r>
                       <a:r>
-                        <a:rPr lang="en-US" sz="2800" baseline="0" dirty="0" smtClean="0"/>
+                        <a:rPr lang="en-US" sz="2800" baseline="0" dirty="0"/>
                         <a:t> activity state and more</a:t>
                       </a:r>
-                      <a:endParaRPr lang="en-US" sz="2800" dirty="0" smtClean="0"/>
+                      <a:endParaRPr lang="en-US" sz="2800" dirty="0"/>
                     </a:p>
                   </a:txBody>
                   <a:tcPr>
@@ -6588,6 +6744,11 @@
                     </a:solidFill>
                   </a:tcPr>
                 </a:tc>
+                <a:extLst>
+                  <a:ext uri="{0D108BD9-81ED-4DB2-BD59-A6C34878D82A}">
+                    <a16:rowId xmlns:a16="http://schemas.microsoft.com/office/drawing/2014/main" val="10003"/>
+                  </a:ext>
+                </a:extLst>
               </a:tr>
               <a:tr h="428284">
                 <a:tc>
@@ -6596,10 +6757,9 @@
                     <a:lstStyle/>
                     <a:p>
                       <a:r>
-                        <a:rPr lang="en-US" sz="2800" dirty="0" smtClean="0"/>
+                        <a:rPr lang="en-US" sz="2800" dirty="0"/>
                         <a:t>2</a:t>
                       </a:r>
-                      <a:endParaRPr lang="en-US" sz="2800" dirty="0"/>
                     </a:p>
                   </a:txBody>
                   <a:tcPr/>
@@ -6627,14 +6787,19 @@
                         <a:defRPr/>
                       </a:pPr>
                       <a:r>
-                        <a:rPr lang="en-US" sz="2800" baseline="0" dirty="0" smtClean="0"/>
+                        <a:rPr lang="en-US" sz="2800" baseline="0" dirty="0"/>
                         <a:t>Menus + Themes</a:t>
                       </a:r>
-                      <a:endParaRPr lang="en-US" sz="2800" dirty="0" smtClean="0"/>
+                      <a:endParaRPr lang="en-US" sz="2800" dirty="0"/>
                     </a:p>
                   </a:txBody>
                   <a:tcPr/>
                 </a:tc>
+                <a:extLst>
+                  <a:ext uri="{0D108BD9-81ED-4DB2-BD59-A6C34878D82A}">
+                    <a16:rowId xmlns:a16="http://schemas.microsoft.com/office/drawing/2014/main" val="10004"/>
+                  </a:ext>
+                </a:extLst>
               </a:tr>
               <a:tr h="856568">
                 <a:tc>
@@ -6643,10 +6808,9 @@
                     <a:lstStyle/>
                     <a:p>
                       <a:r>
-                        <a:rPr lang="en-US" sz="2800" dirty="0" smtClean="0"/>
+                        <a:rPr lang="en-US" sz="2800" dirty="0"/>
                         <a:t>2</a:t>
                       </a:r>
-                      <a:endParaRPr lang="en-US" sz="2800" dirty="0"/>
                     </a:p>
                   </a:txBody>
                   <a:tcPr/>
@@ -6674,14 +6838,14 @@
                         <a:defRPr/>
                       </a:pPr>
                       <a:r>
-                        <a:rPr lang="en-US" sz="2800" dirty="0" smtClean="0"/>
+                        <a:rPr lang="en-US" sz="2800" dirty="0"/>
                         <a:t>Multi-screen</a:t>
                       </a:r>
                       <a:r>
-                        <a:rPr lang="en-US" sz="2800" baseline="0" dirty="0" smtClean="0"/>
+                        <a:rPr lang="en-US" sz="2800" baseline="0" dirty="0"/>
                         <a:t> apps +</a:t>
                       </a:r>
-                      <a:endParaRPr lang="en-US" sz="2800" dirty="0" smtClean="0"/>
+                      <a:endParaRPr lang="en-US" sz="2800" dirty="0"/>
                     </a:p>
                     <a:p>
                       <a:pPr marL="0" marR="0" indent="0" algn="l" defTabSz="457200" rtl="0" eaLnBrk="1" fontAlgn="auto" latinLnBrk="0" hangingPunct="1">
@@ -6702,13 +6866,18 @@
                         <a:defRPr/>
                       </a:pPr>
                       <a:r>
-                        <a:rPr lang="en-US" sz="2800" dirty="0" smtClean="0"/>
+                        <a:rPr lang="en-US" sz="2800" dirty="0"/>
                         <a:t>Fragments</a:t>
                       </a:r>
                     </a:p>
                   </a:txBody>
                   <a:tcPr/>
                 </a:tc>
+                <a:extLst>
+                  <a:ext uri="{0D108BD9-81ED-4DB2-BD59-A6C34878D82A}">
+                    <a16:rowId xmlns:a16="http://schemas.microsoft.com/office/drawing/2014/main" val="10005"/>
+                  </a:ext>
+                </a:extLst>
               </a:tr>
             </a:tbl>
           </a:graphicData>
@@ -6740,8 +6909,20 @@
                 <a:tableStyleId>{5C22544A-7EE6-4342-B048-85BDC9FD1C3A}</a:tableStyleId>
               </a:tblPr>
               <a:tblGrid>
-                <a:gridCol w="546192"/>
-                <a:gridCol w="3416208"/>
+                <a:gridCol w="546192">
+                  <a:extLst>
+                    <a:ext uri="{9D8B030D-6E8A-4147-A177-3AD203B41FA5}">
+                      <a16:colId xmlns:a16="http://schemas.microsoft.com/office/drawing/2014/main" val="20000"/>
+                    </a:ext>
+                  </a:extLst>
+                </a:gridCol>
+                <a:gridCol w="3416208">
+                  <a:extLst>
+                    <a:ext uri="{9D8B030D-6E8A-4147-A177-3AD203B41FA5}">
+                      <a16:colId xmlns:a16="http://schemas.microsoft.com/office/drawing/2014/main" val="20001"/>
+                    </a:ext>
+                  </a:extLst>
+                </a:gridCol>
               </a:tblGrid>
               <a:tr h="375862">
                 <a:tc>
@@ -6750,10 +6931,9 @@
                     <a:lstStyle/>
                     <a:p>
                       <a:r>
-                        <a:rPr lang="en-US" dirty="0" smtClean="0"/>
+                        <a:rPr lang="en-US" dirty="0"/>
                         <a:t>Wk</a:t>
                       </a:r>
-                      <a:endParaRPr lang="en-US" dirty="0"/>
                     </a:p>
                   </a:txBody>
                   <a:tcPr/>
@@ -6764,14 +6944,18 @@
                     <a:lstStyle/>
                     <a:p>
                       <a:r>
-                        <a:rPr lang="en-US" dirty="0" smtClean="0"/>
+                        <a:rPr lang="en-US" dirty="0"/>
                         <a:t>Topic</a:t>
                       </a:r>
-                      <a:endParaRPr lang="en-US" dirty="0"/>
                     </a:p>
                   </a:txBody>
                   <a:tcPr/>
                 </a:tc>
+                <a:extLst>
+                  <a:ext uri="{0D108BD9-81ED-4DB2-BD59-A6C34878D82A}">
+                    <a16:rowId xmlns:a16="http://schemas.microsoft.com/office/drawing/2014/main" val="10000"/>
+                  </a:ext>
+                </a:extLst>
               </a:tr>
               <a:tr h="957676">
                 <a:tc>
@@ -6780,10 +6964,9 @@
                     <a:lstStyle/>
                     <a:p>
                       <a:r>
-                        <a:rPr lang="en-US" sz="2800" dirty="0" smtClean="0"/>
+                        <a:rPr lang="en-US" sz="2800" dirty="0"/>
                         <a:t>3</a:t>
                       </a:r>
-                      <a:endParaRPr lang="en-US" sz="2800" dirty="0"/>
                     </a:p>
                   </a:txBody>
                   <a:tcPr/>
@@ -6811,14 +6994,19 @@
                         <a:defRPr/>
                       </a:pPr>
                       <a:r>
-                        <a:rPr lang="en-US" sz="2800" baseline="0" dirty="0" smtClean="0"/>
+                        <a:rPr lang="en-US" sz="2800" baseline="0" dirty="0"/>
                         <a:t>Reading XML files + Asynch Tasks</a:t>
                       </a:r>
-                      <a:endParaRPr lang="en-US" sz="2800" dirty="0" smtClean="0"/>
+                      <a:endParaRPr lang="en-US" sz="2800" dirty="0"/>
                     </a:p>
                   </a:txBody>
                   <a:tcPr/>
                 </a:tc>
+                <a:extLst>
+                  <a:ext uri="{0D108BD9-81ED-4DB2-BD59-A6C34878D82A}">
+                    <a16:rowId xmlns:a16="http://schemas.microsoft.com/office/drawing/2014/main" val="10001"/>
+                  </a:ext>
+                </a:extLst>
               </a:tr>
               <a:tr h="525177">
                 <a:tc>
@@ -6827,10 +7015,9 @@
                     <a:lstStyle/>
                     <a:p>
                       <a:r>
-                        <a:rPr lang="en-US" sz="2800" dirty="0" smtClean="0"/>
+                        <a:rPr lang="en-US" sz="2800" dirty="0"/>
                         <a:t>3</a:t>
                       </a:r>
-                      <a:endParaRPr lang="en-US" sz="2800" dirty="0"/>
                     </a:p>
                   </a:txBody>
                   <a:tcPr/>
@@ -6858,13 +7045,18 @@
                         <a:defRPr/>
                       </a:pPr>
                       <a:r>
-                        <a:rPr lang="en-US" sz="2800" dirty="0" smtClean="0"/>
+                        <a:rPr lang="en-US" sz="2800" dirty="0"/>
                         <a:t>List Views</a:t>
                       </a:r>
                     </a:p>
                   </a:txBody>
                   <a:tcPr/>
                 </a:tc>
+                <a:extLst>
+                  <a:ext uri="{0D108BD9-81ED-4DB2-BD59-A6C34878D82A}">
+                    <a16:rowId xmlns:a16="http://schemas.microsoft.com/office/drawing/2014/main" val="10002"/>
+                  </a:ext>
+                </a:extLst>
               </a:tr>
               <a:tr h="525177">
                 <a:tc>
@@ -6873,10 +7065,9 @@
                     <a:lstStyle/>
                     <a:p>
                       <a:r>
-                        <a:rPr lang="en-US" sz="2800" dirty="0" smtClean="0"/>
+                        <a:rPr lang="en-US" sz="2800" dirty="0"/>
                         <a:t>3</a:t>
                       </a:r>
-                      <a:endParaRPr lang="en-US" sz="2800" dirty="0"/>
                     </a:p>
                   </a:txBody>
                   <a:tcPr/>
@@ -6904,18 +7095,23 @@
                         <a:defRPr/>
                       </a:pPr>
                       <a:r>
-                        <a:rPr lang="en-US" sz="2800" dirty="0" smtClean="0"/>
+                        <a:rPr lang="en-US" sz="2800" dirty="0"/>
                         <a:t>SQLite</a:t>
                       </a:r>
                       <a:r>
-                        <a:rPr lang="en-US" sz="2800" baseline="0" dirty="0" smtClean="0"/>
+                        <a:rPr lang="en-US" sz="2800" baseline="0" dirty="0"/>
                         <a:t> Database</a:t>
                       </a:r>
-                      <a:endParaRPr lang="en-US" sz="2800" dirty="0" smtClean="0"/>
+                      <a:endParaRPr lang="en-US" sz="2800" dirty="0"/>
                     </a:p>
                   </a:txBody>
                   <a:tcPr/>
                 </a:tc>
+                <a:extLst>
+                  <a:ext uri="{0D108BD9-81ED-4DB2-BD59-A6C34878D82A}">
+                    <a16:rowId xmlns:a16="http://schemas.microsoft.com/office/drawing/2014/main" val="10003"/>
+                  </a:ext>
+                </a:extLst>
               </a:tr>
               <a:tr h="957676">
                 <a:tc>
@@ -6924,10 +7120,9 @@
                     <a:lstStyle/>
                     <a:p>
                       <a:r>
-                        <a:rPr lang="en-US" sz="2800" dirty="0" smtClean="0"/>
+                        <a:rPr lang="en-US" sz="2800" dirty="0"/>
                         <a:t>4</a:t>
                       </a:r>
-                      <a:endParaRPr lang="en-US" sz="2800" dirty="0"/>
                     </a:p>
                   </a:txBody>
                   <a:tcPr/>
@@ -6955,13 +7150,18 @@
                         <a:defRPr/>
                       </a:pPr>
                       <a:r>
-                        <a:rPr lang="en-US" sz="2800" dirty="0" smtClean="0"/>
+                        <a:rPr lang="en-US" sz="2800" dirty="0"/>
                         <a:t>Consuming a web service</a:t>
                       </a:r>
                     </a:p>
                   </a:txBody>
                   <a:tcPr/>
                 </a:tc>
+                <a:extLst>
+                  <a:ext uri="{0D108BD9-81ED-4DB2-BD59-A6C34878D82A}">
+                    <a16:rowId xmlns:a16="http://schemas.microsoft.com/office/drawing/2014/main" val="10004"/>
+                  </a:ext>
+                </a:extLst>
               </a:tr>
               <a:tr h="525177">
                 <a:tc>
@@ -6970,10 +7170,9 @@
                     <a:lstStyle/>
                     <a:p>
                       <a:r>
-                        <a:rPr lang="en-US" sz="2800" dirty="0" smtClean="0"/>
+                        <a:rPr lang="en-US" sz="2800" dirty="0"/>
                         <a:t>4</a:t>
                       </a:r>
-                      <a:endParaRPr lang="en-US" sz="2800" dirty="0"/>
                     </a:p>
                   </a:txBody>
                   <a:tcPr/>
@@ -7001,13 +7200,18 @@
                         <a:defRPr/>
                       </a:pPr>
                       <a:r>
-                        <a:rPr lang="en-US" sz="2800" dirty="0" smtClean="0"/>
+                        <a:rPr lang="en-US" sz="2800" dirty="0"/>
                         <a:t>Geolocation</a:t>
                       </a:r>
                     </a:p>
                   </a:txBody>
                   <a:tcPr/>
                 </a:tc>
+                <a:extLst>
+                  <a:ext uri="{0D108BD9-81ED-4DB2-BD59-A6C34878D82A}">
+                    <a16:rowId xmlns:a16="http://schemas.microsoft.com/office/drawing/2014/main" val="10005"/>
+                  </a:ext>
+                </a:extLst>
               </a:tr>
             </a:tbl>
           </a:graphicData>
@@ -7023,17 +7227,170 @@
   <p:clrMapOvr>
     <a:masterClrMapping/>
   </p:clrMapOvr>
-  <p:timing>
-    <p:tnLst>
-      <p:par>
-        <p:cTn id="1" dur="indefinite" restart="never" nodeType="tmRoot"/>
-      </p:par>
-    </p:tnLst>
-  </p:timing>
 </p:sld>
 </file>
 
 <file path=ppt/slides/slide20.xml><?xml version="1.0" encoding="utf-8"?>
+<p:sld xmlns:a="http://schemas.openxmlformats.org/drawingml/2006/main" xmlns:r="http://schemas.openxmlformats.org/officeDocument/2006/relationships" xmlns:p="http://schemas.openxmlformats.org/presentationml/2006/main">
+  <p:cSld>
+    <p:bg>
+      <p:bgPr>
+        <a:gradFill flip="none" rotWithShape="1">
+          <a:gsLst>
+            <a:gs pos="78000">
+              <a:schemeClr val="accent2">
+                <a:alpha val="15000"/>
+              </a:schemeClr>
+            </a:gs>
+            <a:gs pos="100000">
+              <a:schemeClr val="accent6">
+                <a:alpha val="63000"/>
+              </a:schemeClr>
+            </a:gs>
+          </a:gsLst>
+          <a:lin ang="5400000" scaled="0"/>
+          <a:tileRect/>
+        </a:gradFill>
+        <a:effectLst/>
+      </p:bgPr>
+    </p:bg>
+    <p:spTree>
+      <p:nvGrpSpPr>
+        <p:cNvPr id="1" name=""/>
+        <p:cNvGrpSpPr/>
+        <p:nvPr/>
+      </p:nvGrpSpPr>
+      <p:grpSpPr>
+        <a:xfrm>
+          <a:off x="0" y="0"/>
+          <a:ext cx="0" cy="0"/>
+          <a:chOff x="0" y="0"/>
+          <a:chExt cx="0" cy="0"/>
+        </a:xfrm>
+      </p:grpSpPr>
+      <p:sp>
+        <p:nvSpPr>
+          <p:cNvPr id="2" name="Title 1"/>
+          <p:cNvSpPr>
+            <a:spLocks noGrp="1"/>
+          </p:cNvSpPr>
+          <p:nvPr>
+            <p:ph type="title"/>
+          </p:nvPr>
+        </p:nvSpPr>
+        <p:spPr>
+          <a:xfrm>
+            <a:off x="914400" y="685800"/>
+            <a:ext cx="3962400" cy="400110"/>
+          </a:xfrm>
+        </p:spPr>
+        <p:txBody>
+          <a:bodyPr/>
+          <a:lstStyle/>
+          <a:p>
+            <a:r>
+              <a:rPr lang="en-US" dirty="0"/>
+              <a:t>Android Launcher Icons</a:t>
+            </a:r>
+          </a:p>
+        </p:txBody>
+      </p:sp>
+      <p:pic>
+        <p:nvPicPr>
+          <p:cNvPr id="4" name="Picture 3"/>
+          <p:cNvPicPr>
+            <a:picLocks noChangeAspect="1"/>
+          </p:cNvPicPr>
+          <p:nvPr/>
+        </p:nvPicPr>
+        <p:blipFill>
+          <a:blip r:embed="rId3"/>
+          <a:stretch>
+            <a:fillRect/>
+          </a:stretch>
+        </p:blipFill>
+        <p:spPr>
+          <a:xfrm>
+            <a:off x="6629400" y="1371600"/>
+            <a:ext cx="1916683" cy="2133599"/>
+          </a:xfrm>
+          <a:prstGeom prst="rect">
+            <a:avLst/>
+          </a:prstGeom>
+        </p:spPr>
+      </p:pic>
+      <p:sp>
+        <p:nvSpPr>
+          <p:cNvPr id="5" name="TextBox 4"/>
+          <p:cNvSpPr txBox="1"/>
+          <p:nvPr/>
+        </p:nvSpPr>
+        <p:spPr>
+          <a:xfrm>
+            <a:off x="990600" y="1371600"/>
+            <a:ext cx="5562600" cy="2308324"/>
+          </a:xfrm>
+          <a:prstGeom prst="rect">
+            <a:avLst/>
+          </a:prstGeom>
+          <a:noFill/>
+        </p:spPr>
+        <p:txBody>
+          <a:bodyPr wrap="square" rtlCol="0">
+            <a:spAutoFit/>
+          </a:bodyPr>
+          <a:lstStyle/>
+          <a:p>
+            <a:r>
+              <a:rPr lang="en-US" dirty="0"/>
+              <a:t>A launcher icon is a graphic that represents your application. Launcher icons are used by Launcher applications and appear on the user’s Home screen. Launcher icons can also be used to represent shortcuts into your application</a:t>
+            </a:r>
+          </a:p>
+        </p:txBody>
+      </p:sp>
+      <p:sp>
+        <p:nvSpPr>
+          <p:cNvPr id="7" name="TextBox 6"/>
+          <p:cNvSpPr txBox="1"/>
+          <p:nvPr/>
+        </p:nvSpPr>
+        <p:spPr>
+          <a:xfrm>
+            <a:off x="990600" y="3733800"/>
+            <a:ext cx="7772400" cy="1938992"/>
+          </a:xfrm>
+          <a:prstGeom prst="rect">
+            <a:avLst/>
+          </a:prstGeom>
+          <a:noFill/>
+        </p:spPr>
+        <p:txBody>
+          <a:bodyPr wrap="square" rtlCol="0">
+            <a:spAutoFit/>
+          </a:bodyPr>
+          <a:lstStyle/>
+          <a:p>
+            <a:r>
+              <a:rPr lang="en-US" dirty="0"/>
+              <a:t>Separate icons should be created for all generalized screen densities, including low-, medium-, high-, and extra-high-density screens. A high-resolution version of your application launcher icon is also required by Google Play for use in application listings. </a:t>
+            </a:r>
+          </a:p>
+        </p:txBody>
+      </p:sp>
+    </p:spTree>
+    <p:extLst>
+      <p:ext uri="{BB962C8B-B14F-4D97-AF65-F5344CB8AC3E}">
+        <p14:creationId xmlns:p14="http://schemas.microsoft.com/office/powerpoint/2010/main" val="1587235806"/>
+      </p:ext>
+    </p:extLst>
+  </p:cSld>
+  <p:clrMapOvr>
+    <a:masterClrMapping/>
+  </p:clrMapOvr>
+</p:sld>
+</file>
+
+<file path=ppt/slides/slide21.xml><?xml version="1.0" encoding="utf-8"?>
 <p:sld xmlns:a="http://schemas.openxmlformats.org/drawingml/2006/main" xmlns:r="http://schemas.openxmlformats.org/officeDocument/2006/relationships" xmlns:p="http://schemas.openxmlformats.org/presentationml/2006/main">
   <p:cSld>
     <p:spTree>
@@ -7063,7 +7420,7 @@
         <p:spPr>
           <a:xfrm>
             <a:off x="914400" y="685800"/>
-            <a:ext cx="7315200" cy="800219"/>
+            <a:ext cx="7315200" cy="400110"/>
           </a:xfrm>
         </p:spPr>
         <p:txBody>
@@ -7072,14 +7429,7 @@
           <a:p>
             <a:r>
               <a:rPr lang="en-US" dirty="0"/>
-              <a:t>The Android Asset Studio web page </a:t>
-            </a:r>
-            <a:br>
-              <a:rPr lang="en-US" dirty="0"/>
-            </a:br>
-            <a:r>
-              <a:rPr lang="en-US" dirty="0"/>
-              <a:t>for generating launcher icons</a:t>
+              <a:t>How to set the launcher icon for an app</a:t>
             </a:r>
           </a:p>
         </p:txBody>
@@ -7108,14 +7458,13 @@
               <a:defRPr/>
             </a:pPr>
             <a:r>
-              <a:rPr lang="en-US" dirty="0" err="1" smtClean="0"/>
+              <a:rPr lang="en-US" dirty="0" err="1"/>
               <a:t>Murach's</a:t>
             </a:r>
             <a:r>
-              <a:rPr lang="en-US" dirty="0" smtClean="0"/>
+              <a:rPr lang="en-US" dirty="0"/>
               <a:t> Android Programming (2nd Ed.), C3</a:t>
             </a:r>
-            <a:endParaRPr lang="en-US" dirty="0"/>
           </a:p>
         </p:txBody>
       </p:sp>
@@ -7138,10 +7487,9 @@
               <a:defRPr/>
             </a:pPr>
             <a:r>
-              <a:rPr lang="en-US" smtClean="0"/>
-              <a:t>© 2015, Mike Murach &amp; Associates, Inc.</a:t>
-            </a:r>
-            <a:endParaRPr lang="en-US"/>
+              <a:rPr lang="en-US" dirty="0"/>
+              <a:t>© 2015, Mike Murach &amp; Associates, Inc. – Revised by Brian Bird 2016</a:t>
+            </a:r>
           </a:p>
         </p:txBody>
       </p:sp>
@@ -7163,14 +7511,14 @@
             <a:pPr>
               <a:defRPr/>
             </a:pPr>
-            <a:endParaRPr lang="en-US" smtClean="0"/>
+            <a:endParaRPr lang="en-US"/>
           </a:p>
           <a:p>
             <a:pPr algn="r">
               <a:defRPr/>
             </a:pPr>
             <a:r>
-              <a:rPr lang="en-US" sz="900" smtClean="0">
+              <a:rPr lang="en-US" sz="900">
                 <a:latin typeface="Arial Narrow" pitchFamily="34" charset="0"/>
               </a:rPr>
               <a:t>Slide </a:t>
@@ -7182,7 +7530,266 @@
               <a:pPr algn="r">
                 <a:defRPr/>
               </a:pPr>
-              <a:t>20</a:t>
+              <a:t>21</a:t>
+            </a:fld>
+            <a:endParaRPr lang="en-US" sz="900">
+              <a:latin typeface="Arial Narrow" pitchFamily="34" charset="0"/>
+            </a:endParaRPr>
+          </a:p>
+        </p:txBody>
+      </p:sp>
+      <p:graphicFrame>
+        <p:nvGraphicFramePr>
+          <p:cNvPr id="6" name="Object 5"/>
+          <p:cNvGraphicFramePr>
+            <a:graphicFrameLocks noChangeAspect="1"/>
+          </p:cNvGraphicFramePr>
+          <p:nvPr>
+            <p:extLst>
+              <p:ext uri="{D42A27DB-BD31-4B8C-83A1-F6EECF244321}">
+                <p14:modId xmlns:p14="http://schemas.microsoft.com/office/powerpoint/2010/main" val="2245284489"/>
+              </p:ext>
+            </p:extLst>
+          </p:nvPr>
+        </p:nvGraphicFramePr>
+        <p:xfrm>
+          <a:off x="1004477" y="1219200"/>
+          <a:ext cx="7301323" cy="2819676"/>
+        </p:xfrm>
+        <a:graphic>
+          <a:graphicData uri="http://schemas.openxmlformats.org/presentationml/2006/ole">
+            <mc:AlternateContent xmlns:mc="http://schemas.openxmlformats.org/markup-compatibility/2006">
+              <mc:Choice xmlns:v="urn:schemas-microsoft-com:vml" Requires="v">
+                <p:oleObj spid="_x0000_s35866" name="Document" r:id="rId3" imgW="7301323" imgH="2819676" progId="Word.Document.12">
+                  <p:embed/>
+                </p:oleObj>
+              </mc:Choice>
+              <mc:Fallback>
+                <p:oleObj name="Document" r:id="rId3" imgW="7301323" imgH="2819676" progId="Word.Document.12">
+                  <p:embed/>
+                  <p:pic>
+                    <p:nvPicPr>
+                      <p:cNvPr id="0" name=""/>
+                      <p:cNvPicPr/>
+                      <p:nvPr/>
+                    </p:nvPicPr>
+                    <p:blipFill>
+                      <a:blip r:embed="rId4"/>
+                      <a:stretch>
+                        <a:fillRect/>
+                      </a:stretch>
+                    </p:blipFill>
+                    <p:spPr>
+                      <a:xfrm>
+                        <a:off x="1004477" y="1219200"/>
+                        <a:ext cx="7301323" cy="2819676"/>
+                      </a:xfrm>
+                      <a:prstGeom prst="rect">
+                        <a:avLst/>
+                      </a:prstGeom>
+                    </p:spPr>
+                  </p:pic>
+                </p:oleObj>
+              </mc:Fallback>
+            </mc:AlternateContent>
+          </a:graphicData>
+        </a:graphic>
+      </p:graphicFrame>
+      <p:sp>
+        <p:nvSpPr>
+          <p:cNvPr id="7" name="Rectangle 6"/>
+          <p:cNvSpPr/>
+          <p:nvPr/>
+        </p:nvSpPr>
+        <p:spPr>
+          <a:xfrm>
+            <a:off x="990600" y="4495800"/>
+            <a:ext cx="6858000" cy="461665"/>
+          </a:xfrm>
+          <a:prstGeom prst="rect">
+            <a:avLst/>
+          </a:prstGeom>
+        </p:spPr>
+        <p:txBody>
+          <a:bodyPr wrap="square">
+            <a:spAutoFit/>
+          </a:bodyPr>
+          <a:lstStyle/>
+          <a:p>
+            <a:r>
+              <a:rPr lang="en-US" dirty="0">
+                <a:hlinkClick r:id="rId5"/>
+              </a:rPr>
+              <a:t>http://romannurik.github.io/AndroidAssetStudio/</a:t>
+            </a:r>
+            <a:r>
+              <a:rPr lang="en-US" dirty="0"/>
+              <a:t> </a:t>
+            </a:r>
+          </a:p>
+        </p:txBody>
+      </p:sp>
+    </p:spTree>
+    <p:extLst>
+      <p:ext uri="{BB962C8B-B14F-4D97-AF65-F5344CB8AC3E}">
+        <p14:creationId xmlns:p14="http://schemas.microsoft.com/office/powerpoint/2010/main" val="1869031880"/>
+      </p:ext>
+    </p:extLst>
+  </p:cSld>
+  <p:clrMapOvr>
+    <a:masterClrMapping/>
+  </p:clrMapOvr>
+</p:sld>
+</file>
+
+<file path=ppt/slides/slide22.xml><?xml version="1.0" encoding="utf-8"?>
+<p:sld xmlns:a="http://schemas.openxmlformats.org/drawingml/2006/main" xmlns:r="http://schemas.openxmlformats.org/officeDocument/2006/relationships" xmlns:p="http://schemas.openxmlformats.org/presentationml/2006/main">
+  <p:cSld>
+    <p:spTree>
+      <p:nvGrpSpPr>
+        <p:cNvPr id="1" name=""/>
+        <p:cNvGrpSpPr/>
+        <p:nvPr/>
+      </p:nvGrpSpPr>
+      <p:grpSpPr>
+        <a:xfrm>
+          <a:off x="0" y="0"/>
+          <a:ext cx="0" cy="0"/>
+          <a:chOff x="0" y="0"/>
+          <a:chExt cx="0" cy="0"/>
+        </a:xfrm>
+      </p:grpSpPr>
+      <p:sp>
+        <p:nvSpPr>
+          <p:cNvPr id="2" name="Title 1"/>
+          <p:cNvSpPr>
+            <a:spLocks noGrp="1"/>
+          </p:cNvSpPr>
+          <p:nvPr>
+            <p:ph type="title"/>
+          </p:nvPr>
+        </p:nvSpPr>
+        <p:spPr>
+          <a:xfrm>
+            <a:off x="914400" y="685800"/>
+            <a:ext cx="7315200" cy="800219"/>
+          </a:xfrm>
+        </p:spPr>
+        <p:txBody>
+          <a:bodyPr/>
+          <a:lstStyle/>
+          <a:p>
+            <a:r>
+              <a:rPr lang="en-US" dirty="0"/>
+              <a:t>The Android Asset Studio web page </a:t>
+            </a:r>
+            <a:br>
+              <a:rPr lang="en-US" dirty="0"/>
+            </a:br>
+            <a:r>
+              <a:rPr lang="en-US" dirty="0"/>
+              <a:t>for generating launcher icons</a:t>
+            </a:r>
+          </a:p>
+        </p:txBody>
+      </p:sp>
+      <p:sp>
+        <p:nvSpPr>
+          <p:cNvPr id="3" name="Date Placeholder 2"/>
+          <p:cNvSpPr>
+            <a:spLocks noGrp="1"/>
+          </p:cNvSpPr>
+          <p:nvPr>
+            <p:ph type="dt" sz="half" idx="10"/>
+          </p:nvPr>
+        </p:nvSpPr>
+        <p:spPr>
+          <a:xfrm>
+            <a:off x="762000" y="6248400"/>
+            <a:ext cx="2438400" cy="457200"/>
+          </a:xfrm>
+        </p:spPr>
+        <p:txBody>
+          <a:bodyPr/>
+          <a:lstStyle/>
+          <a:p>
+            <a:pPr>
+              <a:defRPr/>
+            </a:pPr>
+            <a:r>
+              <a:rPr lang="en-US" dirty="0" err="1"/>
+              <a:t>Murach's</a:t>
+            </a:r>
+            <a:r>
+              <a:rPr lang="en-US" dirty="0"/>
+              <a:t> Android Programming (2nd Ed.), C3</a:t>
+            </a:r>
+          </a:p>
+        </p:txBody>
+      </p:sp>
+      <p:sp>
+        <p:nvSpPr>
+          <p:cNvPr id="4" name="Footer Placeholder 3"/>
+          <p:cNvSpPr>
+            <a:spLocks noGrp="1"/>
+          </p:cNvSpPr>
+          <p:nvPr>
+            <p:ph type="ftr" sz="quarter" idx="11"/>
+          </p:nvPr>
+        </p:nvSpPr>
+        <p:spPr/>
+        <p:txBody>
+          <a:bodyPr/>
+          <a:lstStyle/>
+          <a:p>
+            <a:pPr>
+              <a:defRPr/>
+            </a:pPr>
+            <a:r>
+              <a:rPr lang="en-US"/>
+              <a:t>© 2015, Mike Murach &amp; Associates, Inc.</a:t>
+            </a:r>
+          </a:p>
+        </p:txBody>
+      </p:sp>
+      <p:sp>
+        <p:nvSpPr>
+          <p:cNvPr id="5" name="Slide Number Placeholder 4"/>
+          <p:cNvSpPr>
+            <a:spLocks noGrp="1"/>
+          </p:cNvSpPr>
+          <p:nvPr>
+            <p:ph type="sldNum" sz="quarter" idx="12"/>
+          </p:nvPr>
+        </p:nvSpPr>
+        <p:spPr/>
+        <p:txBody>
+          <a:bodyPr/>
+          <a:lstStyle/>
+          <a:p>
+            <a:pPr>
+              <a:defRPr/>
+            </a:pPr>
+            <a:endParaRPr lang="en-US"/>
+          </a:p>
+          <a:p>
+            <a:pPr algn="r">
+              <a:defRPr/>
+            </a:pPr>
+            <a:r>
+              <a:rPr lang="en-US" sz="900">
+                <a:latin typeface="Arial Narrow" pitchFamily="34" charset="0"/>
+              </a:rPr>
+              <a:t>Slide </a:t>
+            </a:r>
+            <a:fld id="{5ECE9829-65B2-40C6-AEFF-7C648FF56A9C}" type="slidenum">
+              <a:rPr lang="en-US" sz="900" smtClean="0">
+                <a:latin typeface="Arial Narrow" pitchFamily="34" charset="0"/>
+              </a:rPr>
+              <a:pPr algn="r">
+                <a:defRPr/>
+              </a:pPr>
+              <a:t>22</a:t>
             </a:fld>
             <a:endParaRPr lang="en-US" sz="900">
               <a:latin typeface="Arial Narrow" pitchFamily="34" charset="0"/>
@@ -7235,17 +7842,10 @@
   <p:clrMapOvr>
     <a:masterClrMapping/>
   </p:clrMapOvr>
-  <p:timing>
-    <p:tnLst>
-      <p:par>
-        <p:cTn id="1" dur="indefinite" restart="never" nodeType="tmRoot"/>
-      </p:par>
-    </p:tnLst>
-  </p:timing>
 </p:sld>
 </file>
 
-<file path=ppt/slides/slide21.xml><?xml version="1.0" encoding="utf-8"?>
+<file path=ppt/slides/slide23.xml><?xml version="1.0" encoding="utf-8"?>
 <p:sld xmlns:a="http://schemas.openxmlformats.org/drawingml/2006/main" xmlns:r="http://schemas.openxmlformats.org/officeDocument/2006/relationships" xmlns:p="http://schemas.openxmlformats.org/presentationml/2006/main">
   <p:cSld>
     <p:spTree>
@@ -7313,10 +7913,9 @@
               <a:defRPr/>
             </a:pPr>
             <a:r>
-              <a:rPr lang="en-US" smtClean="0"/>
+              <a:rPr lang="en-US"/>
               <a:t>Murach's Android Programming (2nd Ed.), C3</a:t>
             </a:r>
-            <a:endParaRPr lang="en-US"/>
           </a:p>
         </p:txBody>
       </p:sp>
@@ -7339,10 +7938,9 @@
               <a:defRPr/>
             </a:pPr>
             <a:r>
-              <a:rPr lang="en-US" smtClean="0"/>
+              <a:rPr lang="en-US"/>
               <a:t>© 2015, Mike Murach &amp; Associates, Inc.</a:t>
             </a:r>
-            <a:endParaRPr lang="en-US"/>
           </a:p>
         </p:txBody>
       </p:sp>
@@ -7364,14 +7962,14 @@
             <a:pPr>
               <a:defRPr/>
             </a:pPr>
-            <a:endParaRPr lang="en-US" smtClean="0"/>
+            <a:endParaRPr lang="en-US"/>
           </a:p>
           <a:p>
             <a:pPr algn="r">
               <a:defRPr/>
             </a:pPr>
             <a:r>
-              <a:rPr lang="en-US" sz="900" smtClean="0">
+              <a:rPr lang="en-US" sz="900">
                 <a:latin typeface="Arial Narrow" pitchFamily="34" charset="0"/>
               </a:rPr>
               <a:t>Slide </a:t>
@@ -7383,7 +7981,7 @@
               <a:pPr algn="r">
                 <a:defRPr/>
               </a:pPr>
-              <a:t>21</a:t>
+              <a:t>23</a:t>
             </a:fld>
             <a:endParaRPr lang="en-US" sz="900">
               <a:latin typeface="Arial Narrow" pitchFamily="34" charset="0"/>
@@ -7413,12 +8011,12 @@
           <a:graphicData uri="http://schemas.openxmlformats.org/presentationml/2006/ole">
             <mc:AlternateContent xmlns:mc="http://schemas.openxmlformats.org/markup-compatibility/2006">
               <mc:Choice xmlns:v="urn:schemas-microsoft-com:vml" Requires="v">
-                <p:oleObj spid="_x0000_s34837" name="Document" r:id="rId4" imgW="7301323" imgH="2492736" progId="Word.Document.12">
+                <p:oleObj spid="_x0000_s34842" name="Document" r:id="rId3" imgW="7301323" imgH="2492736" progId="Word.Document.12">
                   <p:embed/>
                 </p:oleObj>
               </mc:Choice>
               <mc:Fallback>
-                <p:oleObj name="Document" r:id="rId4" imgW="7301323" imgH="2492736" progId="Word.Document.12">
+                <p:oleObj name="Document" r:id="rId3" imgW="7301323" imgH="2492736" progId="Word.Document.12">
                   <p:embed/>
                   <p:pic>
                     <p:nvPicPr>
@@ -7427,7 +8025,7 @@
                       <p:nvPr/>
                     </p:nvPicPr>
                     <p:blipFill>
-                      <a:blip r:embed="rId5"/>
+                      <a:blip r:embed="rId4"/>
                       <a:stretch>
                         <a:fillRect/>
                       </a:stretch>
@@ -7458,17 +8056,10 @@
   <p:clrMapOvr>
     <a:masterClrMapping/>
   </p:clrMapOvr>
-  <p:timing>
-    <p:tnLst>
-      <p:par>
-        <p:cTn id="1" dur="indefinite" restart="never" nodeType="tmRoot"/>
-      </p:par>
-    </p:tnLst>
-  </p:timing>
 </p:sld>
 </file>
 
-<file path=ppt/slides/slide22.xml><?xml version="1.0" encoding="utf-8"?>
+<file path=ppt/slides/slide24.xml><?xml version="1.0" encoding="utf-8"?>
 <p:sld xmlns:a="http://schemas.openxmlformats.org/drawingml/2006/main" xmlns:r="http://schemas.openxmlformats.org/officeDocument/2006/relationships" xmlns:p="http://schemas.openxmlformats.org/presentationml/2006/main">
   <p:cSld>
     <p:bg>
@@ -7527,10 +8118,9 @@
           <a:lstStyle/>
           <a:p>
             <a:r>
-              <a:rPr lang="en-US" dirty="0" smtClean="0"/>
+              <a:rPr lang="en-US" dirty="0"/>
               <a:t>Android API Documentation</a:t>
             </a:r>
-            <a:endParaRPr lang="en-US" dirty="0"/>
           </a:p>
         </p:txBody>
       </p:sp>
@@ -7585,13 +8175,7 @@
               <a:rPr lang="en-US" dirty="0">
                 <a:hlinkClick r:id="rId4"/>
               </a:rPr>
-              <a:t>https://developer.android.com/reference/</a:t>
-            </a:r>
-            <a:r>
-              <a:rPr lang="en-US" dirty="0" smtClean="0">
-                <a:hlinkClick r:id="rId4"/>
-              </a:rPr>
-              <a:t>classes.html</a:t>
+              <a:t>https://developer.android.com/reference/classes.html</a:t>
             </a:r>
             <a:r>
               <a:rPr lang="en-US" dirty="0">
@@ -7615,17 +8199,10 @@
   <p:clrMapOvr>
     <a:masterClrMapping/>
   </p:clrMapOvr>
-  <p:timing>
-    <p:tnLst>
-      <p:par>
-        <p:cTn id="1" dur="indefinite" restart="never" nodeType="tmRoot"/>
-      </p:par>
-    </p:tnLst>
-  </p:timing>
 </p:sld>
 </file>
 
-<file path=ppt/slides/slide23.xml><?xml version="1.0" encoding="utf-8"?>
+<file path=ppt/slides/slide25.xml><?xml version="1.0" encoding="utf-8"?>
 <p:sld xmlns:a="http://schemas.openxmlformats.org/drawingml/2006/main" xmlns:r="http://schemas.openxmlformats.org/officeDocument/2006/relationships" xmlns:p="http://schemas.openxmlformats.org/presentationml/2006/main">
   <p:cSld>
     <p:spTree>
@@ -7693,14 +8270,13 @@
               <a:defRPr/>
             </a:pPr>
             <a:r>
-              <a:rPr lang="en-US" dirty="0" err="1" smtClean="0"/>
+              <a:rPr lang="en-US" dirty="0" err="1"/>
               <a:t>Murach's</a:t>
             </a:r>
             <a:r>
-              <a:rPr lang="en-US" dirty="0" smtClean="0"/>
+              <a:rPr lang="en-US" dirty="0"/>
               <a:t> Android Programming (2nd Ed.), C3</a:t>
             </a:r>
-            <a:endParaRPr lang="en-US" dirty="0"/>
           </a:p>
         </p:txBody>
       </p:sp>
@@ -7723,10 +8299,9 @@
               <a:defRPr/>
             </a:pPr>
             <a:r>
-              <a:rPr lang="en-US" dirty="0" smtClean="0"/>
+              <a:rPr lang="en-US" dirty="0"/>
               <a:t>© 2015, Mike Murach &amp; Associates, Inc. – Revised by Brian Bird 2016</a:t>
             </a:r>
-            <a:endParaRPr lang="en-US" dirty="0"/>
           </a:p>
         </p:txBody>
       </p:sp>
@@ -7748,14 +8323,14 @@
             <a:pPr>
               <a:defRPr/>
             </a:pPr>
-            <a:endParaRPr lang="en-US" dirty="0" smtClean="0"/>
+            <a:endParaRPr lang="en-US" dirty="0"/>
           </a:p>
           <a:p>
             <a:pPr algn="r">
               <a:defRPr/>
             </a:pPr>
             <a:r>
-              <a:rPr lang="en-US" sz="900" dirty="0" smtClean="0">
+              <a:rPr lang="en-US" sz="900" dirty="0">
                 <a:latin typeface="Arial Narrow" pitchFamily="34" charset="0"/>
               </a:rPr>
               <a:t>Slide </a:t>
@@ -7767,7 +8342,7 @@
               <a:pPr algn="r">
                 <a:defRPr/>
               </a:pPr>
-              <a:t>23</a:t>
+              <a:t>25</a:t>
             </a:fld>
             <a:endParaRPr lang="en-US" sz="900" dirty="0">
               <a:latin typeface="Arial Narrow" pitchFamily="34" charset="0"/>
@@ -7834,16 +8409,10 @@
               <a:rPr lang="en-US" dirty="0">
                 <a:hlinkClick r:id="rId4"/>
               </a:rPr>
-              <a:t>https://developer.android.com/reference/android/app/</a:t>
-            </a:r>
-            <a:r>
-              <a:rPr lang="en-US" dirty="0" smtClean="0">
-                <a:hlinkClick r:id="rId4"/>
-              </a:rPr>
-              <a:t>Activity.html</a:t>
-            </a:r>
-            <a:r>
-              <a:rPr lang="en-US" dirty="0" smtClean="0"/>
+              <a:t>https://developer.android.com/reference/android/app/Activity.html</a:t>
+            </a:r>
+            <a:r>
+              <a:rPr lang="en-US" dirty="0"/>
               <a:t> </a:t>
             </a:r>
           </a:p>
@@ -7859,17 +8428,10 @@
   <p:clrMapOvr>
     <a:masterClrMapping/>
   </p:clrMapOvr>
-  <p:timing>
-    <p:tnLst>
-      <p:par>
-        <p:cTn id="1" dur="indefinite" restart="never" nodeType="tmRoot"/>
-      </p:par>
-    </p:tnLst>
-  </p:timing>
 </p:sld>
 </file>
 
-<file path=ppt/slides/slide24.xml><?xml version="1.0" encoding="utf-8"?>
+<file path=ppt/slides/slide26.xml><?xml version="1.0" encoding="utf-8"?>
 <p:sld xmlns:a="http://schemas.openxmlformats.org/drawingml/2006/main" xmlns:r="http://schemas.openxmlformats.org/officeDocument/2006/relationships" xmlns:p="http://schemas.openxmlformats.org/presentationml/2006/main">
   <p:cSld>
     <p:spTree>
@@ -7907,10 +8469,9 @@
           <a:lstStyle/>
           <a:p>
             <a:r>
-              <a:rPr lang="en-US" dirty="0" smtClean="0"/>
+              <a:rPr lang="en-US" dirty="0"/>
               <a:t>Exercise: Using the API documentation</a:t>
             </a:r>
-            <a:endParaRPr lang="en-US" dirty="0"/>
           </a:p>
         </p:txBody>
       </p:sp>
@@ -7941,15 +8502,15 @@
               <a:buChar char="•"/>
             </a:pPr>
             <a:r>
-              <a:rPr lang="en-US" dirty="0" smtClean="0"/>
+              <a:rPr lang="en-US" dirty="0"/>
               <a:t>Find the </a:t>
             </a:r>
             <a:r>
-              <a:rPr lang="en-US" i="1" dirty="0" smtClean="0"/>
+              <a:rPr lang="en-US" i="1" dirty="0"/>
               <a:t>ImageView</a:t>
             </a:r>
             <a:r>
-              <a:rPr lang="en-US" dirty="0" smtClean="0"/>
+              <a:rPr lang="en-US" dirty="0"/>
               <a:t> class</a:t>
             </a:r>
           </a:p>
@@ -7959,7 +8520,7 @@
               <a:buChar char="•"/>
             </a:pPr>
             <a:r>
-              <a:rPr lang="en-US" dirty="0" smtClean="0"/>
+              <a:rPr lang="en-US" dirty="0"/>
               <a:t>Which methods will you use (public, private, protected)?</a:t>
             </a:r>
           </a:p>
@@ -7969,7 +8530,7 @@
               <a:buChar char="•"/>
             </a:pPr>
             <a:r>
-              <a:rPr lang="en-US" dirty="0" smtClean="0"/>
+              <a:rPr lang="en-US" dirty="0"/>
               <a:t>To add an image, should you use a getter or setter?</a:t>
             </a:r>
           </a:p>
@@ -7979,7 +8540,7 @@
               <a:buChar char="•"/>
             </a:pPr>
             <a:r>
-              <a:rPr lang="en-US" dirty="0" smtClean="0"/>
+              <a:rPr lang="en-US" dirty="0"/>
               <a:t>Which methods should you use to add the image?</a:t>
             </a:r>
           </a:p>
@@ -7989,7 +8550,7 @@
               <a:buChar char="•"/>
             </a:pPr>
             <a:r>
-              <a:rPr lang="en-US" dirty="0" smtClean="0"/>
+              <a:rPr lang="en-US" dirty="0"/>
               <a:t>What methods can you use to set the image size?</a:t>
             </a:r>
           </a:p>
@@ -7999,7 +8560,7 @@
               <a:buChar char="•"/>
             </a:pPr>
             <a:r>
-              <a:rPr lang="en-US" dirty="0" smtClean="0"/>
+              <a:rPr lang="en-US" dirty="0"/>
               <a:t>Where should the images be stored (which project folder)?</a:t>
             </a:r>
           </a:p>
@@ -8009,7 +8570,7 @@
               <a:buChar char="•"/>
             </a:pPr>
             <a:r>
-              <a:rPr lang="en-US" dirty="0" smtClean="0"/>
+              <a:rPr lang="en-US" dirty="0"/>
               <a:t>Do these methods have equivalent XML properties?</a:t>
             </a:r>
           </a:p>
@@ -8067,11 +8628,7 @@
             </a:pPr>
             <a:r>
               <a:rPr lang="en-US" dirty="0"/>
-              <a:t>Create an app with a blank </a:t>
-            </a:r>
-            <a:r>
-              <a:rPr lang="en-US" dirty="0" smtClean="0"/>
-              <a:t>activity</a:t>
+              <a:t>Create an app with a blank activity</a:t>
             </a:r>
           </a:p>
           <a:p>
@@ -8080,12 +8637,8 @@
               <a:buChar char="•"/>
             </a:pPr>
             <a:r>
-              <a:rPr lang="en-US" dirty="0" smtClean="0"/>
-              <a:t>Add </a:t>
-            </a:r>
-            <a:r>
               <a:rPr lang="en-US" dirty="0"/>
-              <a:t>an image to the activity</a:t>
+              <a:t>Add an image to the activity</a:t>
             </a:r>
           </a:p>
           <a:p>
@@ -8095,13 +8648,8 @@
             </a:pPr>
             <a:r>
               <a:rPr lang="en-US" dirty="0"/>
-              <a:t>Run the app and see the image </a:t>
-            </a:r>
-            <a:r>
-              <a:rPr lang="en-US" dirty="0" smtClean="0"/>
-              <a:t>displayed</a:t>
-            </a:r>
-            <a:endParaRPr lang="en-US" dirty="0"/>
+              <a:t>Run the app and see the image displayed</a:t>
+            </a:r>
           </a:p>
         </p:txBody>
       </p:sp>
@@ -8172,10 +8720,9 @@
           <a:lstStyle/>
           <a:p>
             <a:r>
-              <a:rPr lang="en-US" dirty="0" smtClean="0"/>
+              <a:rPr lang="en-US" dirty="0"/>
               <a:t>Shared Preferences</a:t>
             </a:r>
-            <a:endParaRPr lang="en-US" dirty="0"/>
           </a:p>
         </p:txBody>
       </p:sp>
@@ -8225,13 +8772,6 @@
   <p:clrMapOvr>
     <a:masterClrMapping/>
   </p:clrMapOvr>
-  <p:timing>
-    <p:tnLst>
-      <p:par>
-        <p:cTn id="1" dur="indefinite" restart="never" nodeType="tmRoot"/>
-      </p:par>
-    </p:tnLst>
-  </p:timing>
 </p:sld>
 </file>
 
@@ -8268,10 +8808,9 @@
           <a:lstStyle/>
           <a:p>
             <a:r>
-              <a:rPr lang="en-US" dirty="0" smtClean="0"/>
+              <a:rPr lang="en-US" dirty="0"/>
               <a:t>Key – Value Data Stores</a:t>
             </a:r>
-            <a:endParaRPr lang="en-US" dirty="0"/>
           </a:p>
         </p:txBody>
       </p:sp>
@@ -8302,7 +8841,7 @@
               <a:buChar char="•"/>
             </a:pPr>
             <a:r>
-              <a:rPr lang="en-US" dirty="0" smtClean="0"/>
+              <a:rPr lang="en-US" dirty="0"/>
               <a:t>Keys are identifiers for values</a:t>
             </a:r>
           </a:p>
@@ -8312,7 +8851,7 @@
               <a:buChar char="•"/>
             </a:pPr>
             <a:r>
-              <a:rPr lang="en-US" dirty="0" smtClean="0"/>
+              <a:rPr lang="en-US" dirty="0"/>
               <a:t>Values are the data being stored or retrieved</a:t>
             </a:r>
           </a:p>
@@ -8322,7 +8861,7 @@
               <a:buChar char="•"/>
             </a:pPr>
             <a:r>
-              <a:rPr lang="en-US" dirty="0" smtClean="0"/>
+              <a:rPr lang="en-US" dirty="0"/>
               <a:t>Examples:</a:t>
             </a:r>
           </a:p>
@@ -8332,15 +8871,15 @@
               <a:buChar char="•"/>
             </a:pPr>
             <a:r>
-              <a:rPr lang="en-US" dirty="0" smtClean="0"/>
+              <a:rPr lang="en-US" dirty="0"/>
               <a:t>Java </a:t>
             </a:r>
             <a:r>
-              <a:rPr lang="en-US" i="1" dirty="0" smtClean="0"/>
+              <a:rPr lang="en-US" i="1" dirty="0"/>
               <a:t>Hashmap</a:t>
             </a:r>
             <a:r>
-              <a:rPr lang="en-US" dirty="0" smtClean="0"/>
+              <a:rPr lang="en-US" dirty="0"/>
               <a:t> class</a:t>
             </a:r>
           </a:p>
@@ -8350,15 +8889,15 @@
               <a:buChar char="•"/>
             </a:pPr>
             <a:r>
-              <a:rPr lang="en-US" dirty="0" smtClean="0"/>
+              <a:rPr lang="en-US" dirty="0"/>
               <a:t>C# </a:t>
             </a:r>
             <a:r>
-              <a:rPr lang="en-US" i="1" dirty="0" smtClean="0"/>
+              <a:rPr lang="en-US" i="1" dirty="0"/>
               <a:t>Dictionary</a:t>
             </a:r>
             <a:r>
-              <a:rPr lang="en-US" dirty="0" smtClean="0"/>
+              <a:rPr lang="en-US" dirty="0"/>
               <a:t> class</a:t>
             </a:r>
           </a:p>
@@ -8368,16 +8907,12 @@
               <a:buChar char="•"/>
             </a:pPr>
             <a:r>
-              <a:rPr lang="en-US" dirty="0" smtClean="0"/>
+              <a:rPr lang="en-US" dirty="0"/>
               <a:t>PHP </a:t>
             </a:r>
             <a:r>
               <a:rPr lang="en-US" i="1" dirty="0"/>
-              <a:t>a</a:t>
-            </a:r>
-            <a:r>
-              <a:rPr lang="en-US" i="1" dirty="0" smtClean="0"/>
-              <a:t>ssociative array</a:t>
+              <a:t>associative array</a:t>
             </a:r>
           </a:p>
           <a:p>
@@ -8386,11 +8921,11 @@
               <a:buChar char="•"/>
             </a:pPr>
             <a:r>
-              <a:rPr lang="en-US" dirty="0" smtClean="0"/>
+              <a:rPr lang="en-US" dirty="0"/>
               <a:t>JavaScript </a:t>
             </a:r>
             <a:r>
-              <a:rPr lang="en-US" i="1" dirty="0" smtClean="0"/>
+              <a:rPr lang="en-US" i="1" dirty="0"/>
               <a:t>object</a:t>
             </a:r>
           </a:p>
@@ -8421,8 +8956,20 @@
                 <a:tableStyleId>{5C22544A-7EE6-4342-B048-85BDC9FD1C3A}</a:tableStyleId>
               </a:tblPr>
               <a:tblGrid>
-                <a:gridCol w="2438400"/>
-                <a:gridCol w="2438400"/>
+                <a:gridCol w="2438400">
+                  <a:extLst>
+                    <a:ext uri="{9D8B030D-6E8A-4147-A177-3AD203B41FA5}">
+                      <a16:colId xmlns:a16="http://schemas.microsoft.com/office/drawing/2014/main" val="20000"/>
+                    </a:ext>
+                  </a:extLst>
+                </a:gridCol>
+                <a:gridCol w="2438400">
+                  <a:extLst>
+                    <a:ext uri="{9D8B030D-6E8A-4147-A177-3AD203B41FA5}">
+                      <a16:colId xmlns:a16="http://schemas.microsoft.com/office/drawing/2014/main" val="20001"/>
+                    </a:ext>
+                  </a:extLst>
+                </a:gridCol>
               </a:tblGrid>
               <a:tr h="370840">
                 <a:tc>
@@ -8431,10 +8978,9 @@
                     <a:lstStyle/>
                     <a:p>
                       <a:r>
-                        <a:rPr lang="en-US" dirty="0" smtClean="0"/>
+                        <a:rPr lang="en-US" dirty="0"/>
                         <a:t>Keys</a:t>
                       </a:r>
-                      <a:endParaRPr lang="en-US" dirty="0"/>
                     </a:p>
                   </a:txBody>
                   <a:tcPr/>
@@ -8445,14 +8991,18 @@
                     <a:lstStyle/>
                     <a:p>
                       <a:r>
-                        <a:rPr lang="en-US" dirty="0" smtClean="0"/>
+                        <a:rPr lang="en-US" dirty="0"/>
                         <a:t>Values</a:t>
                       </a:r>
-                      <a:endParaRPr lang="en-US" dirty="0"/>
                     </a:p>
                   </a:txBody>
                   <a:tcPr/>
                 </a:tc>
+                <a:extLst>
+                  <a:ext uri="{0D108BD9-81ED-4DB2-BD59-A6C34878D82A}">
+                    <a16:rowId xmlns:a16="http://schemas.microsoft.com/office/drawing/2014/main" val="10000"/>
+                  </a:ext>
+                </a:extLst>
               </a:tr>
               <a:tr h="370840">
                 <a:tc>
@@ -8461,10 +9011,9 @@
                     <a:lstStyle/>
                     <a:p>
                       <a:r>
-                        <a:rPr lang="en-US" dirty="0" smtClean="0"/>
+                        <a:rPr lang="en-US" dirty="0"/>
                         <a:t>name</a:t>
                       </a:r>
-                      <a:endParaRPr lang="en-US" dirty="0"/>
                     </a:p>
                   </a:txBody>
                   <a:tcPr/>
@@ -8475,14 +9024,18 @@
                     <a:lstStyle/>
                     <a:p>
                       <a:r>
-                        <a:rPr lang="en-US" dirty="0" smtClean="0"/>
+                        <a:rPr lang="en-US" dirty="0"/>
                         <a:t>Dorothy</a:t>
                       </a:r>
-                      <a:endParaRPr lang="en-US" dirty="0"/>
                     </a:p>
                   </a:txBody>
                   <a:tcPr/>
                 </a:tc>
+                <a:extLst>
+                  <a:ext uri="{0D108BD9-81ED-4DB2-BD59-A6C34878D82A}">
+                    <a16:rowId xmlns:a16="http://schemas.microsoft.com/office/drawing/2014/main" val="10001"/>
+                  </a:ext>
+                </a:extLst>
               </a:tr>
               <a:tr h="370840">
                 <a:tc>
@@ -8491,10 +9044,9 @@
                     <a:lstStyle/>
                     <a:p>
                       <a:r>
-                        <a:rPr lang="en-US" dirty="0" smtClean="0"/>
+                        <a:rPr lang="en-US" dirty="0"/>
                         <a:t>age</a:t>
                       </a:r>
-                      <a:endParaRPr lang="en-US" dirty="0"/>
                     </a:p>
                   </a:txBody>
                   <a:tcPr/>
@@ -8505,14 +9057,18 @@
                     <a:lstStyle/>
                     <a:p>
                       <a:r>
-                        <a:rPr lang="en-US" dirty="0" smtClean="0"/>
+                        <a:rPr lang="en-US" dirty="0"/>
                         <a:t>16</a:t>
                       </a:r>
-                      <a:endParaRPr lang="en-US" dirty="0"/>
                     </a:p>
                   </a:txBody>
                   <a:tcPr/>
                 </a:tc>
+                <a:extLst>
+                  <a:ext uri="{0D108BD9-81ED-4DB2-BD59-A6C34878D82A}">
+                    <a16:rowId xmlns:a16="http://schemas.microsoft.com/office/drawing/2014/main" val="10002"/>
+                  </a:ext>
+                </a:extLst>
               </a:tr>
               <a:tr h="370840">
                 <a:tc>
@@ -8521,10 +9077,9 @@
                     <a:lstStyle/>
                     <a:p>
                       <a:r>
-                        <a:rPr lang="en-US" dirty="0" smtClean="0"/>
+                        <a:rPr lang="en-US" dirty="0"/>
                         <a:t>homeState</a:t>
                       </a:r>
-                      <a:endParaRPr lang="en-US" dirty="0"/>
                     </a:p>
                   </a:txBody>
                   <a:tcPr/>
@@ -8535,14 +9090,18 @@
                     <a:lstStyle/>
                     <a:p>
                       <a:r>
-                        <a:rPr lang="en-US" dirty="0" smtClean="0"/>
+                        <a:rPr lang="en-US" dirty="0"/>
                         <a:t>Kansas</a:t>
                       </a:r>
-                      <a:endParaRPr lang="en-US" dirty="0"/>
                     </a:p>
                   </a:txBody>
                   <a:tcPr/>
                 </a:tc>
+                <a:extLst>
+                  <a:ext uri="{0D108BD9-81ED-4DB2-BD59-A6C34878D82A}">
+                    <a16:rowId xmlns:a16="http://schemas.microsoft.com/office/drawing/2014/main" val="10003"/>
+                  </a:ext>
+                </a:extLst>
               </a:tr>
             </a:tbl>
           </a:graphicData>
@@ -8582,13 +9141,6 @@
   <p:clrMapOvr>
     <a:masterClrMapping/>
   </p:clrMapOvr>
-  <p:timing>
-    <p:tnLst>
-      <p:par>
-        <p:cTn id="1" dur="indefinite" restart="never" nodeType="tmRoot"/>
-      </p:par>
-    </p:tnLst>
-  </p:timing>
 </p:sld>
 </file>
 
@@ -8660,14 +9212,13 @@
               <a:defRPr/>
             </a:pPr>
             <a:r>
-              <a:rPr lang="en-US" dirty="0" err="1" smtClean="0"/>
+              <a:rPr lang="en-US" dirty="0" err="1"/>
               <a:t>Murach's</a:t>
             </a:r>
             <a:r>
-              <a:rPr lang="en-US" dirty="0" smtClean="0"/>
+              <a:rPr lang="en-US" dirty="0"/>
               <a:t> Android Programming (2nd Ed.), C3</a:t>
             </a:r>
-            <a:endParaRPr lang="en-US" dirty="0"/>
           </a:p>
         </p:txBody>
       </p:sp>
@@ -8690,10 +9241,9 @@
               <a:defRPr/>
             </a:pPr>
             <a:r>
-              <a:rPr lang="en-US" dirty="0" smtClean="0"/>
+              <a:rPr lang="en-US" dirty="0"/>
               <a:t>© 2015, Mike Murach &amp; Associates, Inc. – Revised by Brian Bird 2016</a:t>
             </a:r>
-            <a:endParaRPr lang="en-US" dirty="0"/>
           </a:p>
         </p:txBody>
       </p:sp>
@@ -8715,14 +9265,14 @@
             <a:pPr>
               <a:defRPr/>
             </a:pPr>
-            <a:endParaRPr lang="en-US" smtClean="0"/>
+            <a:endParaRPr lang="en-US"/>
           </a:p>
           <a:p>
             <a:pPr algn="r">
               <a:defRPr/>
             </a:pPr>
             <a:r>
-              <a:rPr lang="en-US" sz="900" smtClean="0">
+              <a:rPr lang="en-US" sz="900">
                 <a:latin typeface="Arial Narrow" pitchFamily="34" charset="0"/>
               </a:rPr>
               <a:t>Slide </a:t>
@@ -8751,25 +9301,25 @@
           <p:nvPr>
             <p:extLst>
               <p:ext uri="{D42A27DB-BD31-4B8C-83A1-F6EECF244321}">
-                <p14:modId xmlns:p14="http://schemas.microsoft.com/office/powerpoint/2010/main" val="1813736060"/>
+                <p14:modId xmlns:p14="http://schemas.microsoft.com/office/powerpoint/2010/main" val="505967492"/>
               </p:ext>
             </p:extLst>
           </p:nvPr>
         </p:nvGraphicFramePr>
         <p:xfrm>
-          <a:off x="914400" y="1143000"/>
-          <a:ext cx="7300912" cy="3271837"/>
+          <a:off x="908050" y="1158875"/>
+          <a:ext cx="7315200" cy="3238500"/>
         </p:xfrm>
         <a:graphic>
           <a:graphicData uri="http://schemas.openxmlformats.org/presentationml/2006/ole">
             <mc:AlternateContent xmlns:mc="http://schemas.openxmlformats.org/markup-compatibility/2006">
               <mc:Choice xmlns:v="urn:schemas-microsoft-com:vml" Requires="v">
-                <p:oleObj spid="_x0000_s20502" name="Document" r:id="rId4" imgW="7301323" imgH="3272279" progId="Word.Document.12">
+                <p:oleObj spid="_x0000_s20507" name="Document" r:id="rId3" imgW="7315200" imgH="3238500" progId="Word.Document.12">
                   <p:embed/>
                 </p:oleObj>
               </mc:Choice>
               <mc:Fallback>
-                <p:oleObj name="Document" r:id="rId4" imgW="7301323" imgH="3272279" progId="Word.Document.12">
+                <p:oleObj name="Document" r:id="rId3" imgW="7315200" imgH="3238500" progId="Word.Document.12">
                   <p:embed/>
                   <p:pic>
                     <p:nvPicPr>
@@ -8778,15 +9328,15 @@
                       <p:nvPr/>
                     </p:nvPicPr>
                     <p:blipFill>
-                      <a:blip r:embed="rId5"/>
+                      <a:blip r:embed="rId4"/>
                       <a:stretch>
                         <a:fillRect/>
                       </a:stretch>
                     </p:blipFill>
                     <p:spPr>
                       <a:xfrm>
-                        <a:off x="914400" y="1143000"/>
-                        <a:ext cx="7300912" cy="3271837"/>
+                        <a:off x="908050" y="1158875"/>
+                        <a:ext cx="7315200" cy="3238500"/>
                       </a:xfrm>
                       <a:prstGeom prst="rect">
                         <a:avLst/>
@@ -8808,7 +9358,7 @@
           <p:nvPr/>
         </p:nvPicPr>
         <p:blipFill>
-          <a:blip r:embed="rId6"/>
+          <a:blip r:embed="rId5"/>
           <a:stretch>
             <a:fillRect/>
           </a:stretch>
@@ -8833,13 +9383,6 @@
   <p:clrMapOvr>
     <a:masterClrMapping/>
   </p:clrMapOvr>
-  <p:timing>
-    <p:tnLst>
-      <p:par>
-        <p:cTn id="1" dur="indefinite" restart="never" nodeType="tmRoot"/>
-      </p:par>
-    </p:tnLst>
-  </p:timing>
 </p:sld>
 </file>
 
@@ -8882,13 +9425,8 @@
           <a:p>
             <a:r>
               <a:rPr lang="en-US" dirty="0"/>
-              <a:t>How to </a:t>
-            </a:r>
-            <a:r>
-              <a:rPr lang="en-US" dirty="0" smtClean="0"/>
-              <a:t>save values in onPause</a:t>
-            </a:r>
-            <a:endParaRPr lang="en-US" dirty="0"/>
+              <a:t>How to save values in onPause</a:t>
+            </a:r>
           </a:p>
         </p:txBody>
       </p:sp>
@@ -8916,14 +9454,13 @@
               <a:defRPr/>
             </a:pPr>
             <a:r>
-              <a:rPr lang="en-US" dirty="0" err="1" smtClean="0"/>
+              <a:rPr lang="en-US" dirty="0" err="1"/>
               <a:t>Murach's</a:t>
             </a:r>
             <a:r>
-              <a:rPr lang="en-US" dirty="0" smtClean="0"/>
+              <a:rPr lang="en-US" dirty="0"/>
               <a:t> Android Programming (2nd Ed.), C3</a:t>
             </a:r>
-            <a:endParaRPr lang="en-US" dirty="0"/>
           </a:p>
         </p:txBody>
       </p:sp>
@@ -8946,10 +9483,9 @@
               <a:defRPr/>
             </a:pPr>
             <a:r>
-              <a:rPr lang="en-US" dirty="0" smtClean="0"/>
+              <a:rPr lang="en-US" dirty="0"/>
               <a:t>© 2015, Mike Murach &amp; Associates, Inc. – revised by Brian Bird 2016</a:t>
             </a:r>
-            <a:endParaRPr lang="en-US" dirty="0"/>
           </a:p>
         </p:txBody>
       </p:sp>
@@ -8971,14 +9507,14 @@
             <a:pPr>
               <a:defRPr/>
             </a:pPr>
-            <a:endParaRPr lang="en-US" smtClean="0"/>
+            <a:endParaRPr lang="en-US"/>
           </a:p>
           <a:p>
             <a:pPr algn="r">
               <a:defRPr/>
             </a:pPr>
             <a:r>
-              <a:rPr lang="en-US" sz="900" smtClean="0">
+              <a:rPr lang="en-US" sz="900">
                 <a:latin typeface="Arial Narrow" pitchFamily="34" charset="0"/>
               </a:rPr>
               <a:t>Slide </a:t>
@@ -9020,12 +9556,12 @@
           <a:graphicData uri="http://schemas.openxmlformats.org/presentationml/2006/ole">
             <mc:AlternateContent xmlns:mc="http://schemas.openxmlformats.org/markup-compatibility/2006">
               <mc:Choice xmlns:v="urn:schemas-microsoft-com:vml" Requires="v">
-                <p:oleObj spid="_x0000_s21528" name="Document" r:id="rId4" imgW="7301323" imgH="2076860" progId="Word.Document.12">
+                <p:oleObj spid="_x0000_s21533" name="Document" r:id="rId3" imgW="7301323" imgH="2076860" progId="Word.Document.12">
                   <p:embed/>
                 </p:oleObj>
               </mc:Choice>
               <mc:Fallback>
-                <p:oleObj name="Document" r:id="rId4" imgW="7301323" imgH="2076860" progId="Word.Document.12">
+                <p:oleObj name="Document" r:id="rId3" imgW="7301323" imgH="2076860" progId="Word.Document.12">
                   <p:embed/>
                   <p:pic>
                     <p:nvPicPr>
@@ -9034,7 +9570,7 @@
                       <p:nvPr/>
                     </p:nvPicPr>
                     <p:blipFill>
-                      <a:blip r:embed="rId5"/>
+                      <a:blip r:embed="rId4"/>
                       <a:stretch>
                         <a:fillRect/>
                       </a:stretch>
@@ -9064,7 +9600,7 @@
           <p:nvPr/>
         </p:nvPicPr>
         <p:blipFill>
-          <a:blip r:embed="rId6"/>
+          <a:blip r:embed="rId5"/>
           <a:stretch>
             <a:fillRect/>
           </a:stretch>
@@ -9089,13 +9625,6 @@
   <p:clrMapOvr>
     <a:masterClrMapping/>
   </p:clrMapOvr>
-  <p:timing>
-    <p:tnLst>
-      <p:par>
-        <p:cTn id="1" dur="indefinite" restart="never" nodeType="tmRoot"/>
-      </p:par>
-    </p:tnLst>
-  </p:timing>
 </p:sld>
 </file>
 
@@ -9138,13 +9667,8 @@
           <a:p>
             <a:r>
               <a:rPr lang="en-US" dirty="0"/>
-              <a:t>How to </a:t>
-            </a:r>
-            <a:r>
-              <a:rPr lang="en-US" dirty="0" smtClean="0"/>
-              <a:t>restore values in onResume</a:t>
-            </a:r>
-            <a:endParaRPr lang="en-US" dirty="0"/>
+              <a:t>How to restore values in onResume</a:t>
+            </a:r>
           </a:p>
         </p:txBody>
       </p:sp>
@@ -9172,14 +9696,13 @@
               <a:defRPr/>
             </a:pPr>
             <a:r>
-              <a:rPr lang="en-US" dirty="0" err="1" smtClean="0"/>
+              <a:rPr lang="en-US" dirty="0" err="1"/>
               <a:t>Murach's</a:t>
             </a:r>
             <a:r>
-              <a:rPr lang="en-US" dirty="0" smtClean="0"/>
+              <a:rPr lang="en-US" dirty="0"/>
               <a:t> Android Programming (2nd Ed.), C3</a:t>
             </a:r>
-            <a:endParaRPr lang="en-US" dirty="0"/>
           </a:p>
         </p:txBody>
       </p:sp>
@@ -9202,10 +9725,9 @@
               <a:defRPr/>
             </a:pPr>
             <a:r>
-              <a:rPr lang="en-US" dirty="0" smtClean="0"/>
+              <a:rPr lang="en-US" dirty="0"/>
               <a:t>© 2015, Mike Murach &amp; Associates, Inc. – revised by Brian Bird 2016</a:t>
             </a:r>
-            <a:endParaRPr lang="en-US" dirty="0"/>
           </a:p>
         </p:txBody>
       </p:sp>
@@ -9227,14 +9749,14 @@
             <a:pPr>
               <a:defRPr/>
             </a:pPr>
-            <a:endParaRPr lang="en-US" smtClean="0"/>
+            <a:endParaRPr lang="en-US"/>
           </a:p>
           <a:p>
             <a:pPr algn="r">
               <a:defRPr/>
             </a:pPr>
             <a:r>
-              <a:rPr lang="en-US" sz="900" smtClean="0">
+              <a:rPr lang="en-US" sz="900">
                 <a:latin typeface="Arial Narrow" pitchFamily="34" charset="0"/>
               </a:rPr>
               <a:t>Slide </a:t>
@@ -9276,12 +9798,12 @@
           <a:graphicData uri="http://schemas.openxmlformats.org/presentationml/2006/ole">
             <mc:AlternateContent xmlns:mc="http://schemas.openxmlformats.org/markup-compatibility/2006">
               <mc:Choice xmlns:v="urn:schemas-microsoft-com:vml" Requires="v">
-                <p:oleObj spid="_x0000_s22553" name="Document" r:id="rId4" imgW="7301323" imgH="1875223" progId="Word.Document.12">
+                <p:oleObj spid="_x0000_s22558" name="Document" r:id="rId3" imgW="7301323" imgH="1875223" progId="Word.Document.12">
                   <p:embed/>
                 </p:oleObj>
               </mc:Choice>
               <mc:Fallback>
-                <p:oleObj name="Document" r:id="rId4" imgW="7301323" imgH="1875223" progId="Word.Document.12">
+                <p:oleObj name="Document" r:id="rId3" imgW="7301323" imgH="1875223" progId="Word.Document.12">
                   <p:embed/>
                   <p:pic>
                     <p:nvPicPr>
@@ -9290,7 +9812,7 @@
                       <p:nvPr/>
                     </p:nvPicPr>
                     <p:blipFill>
-                      <a:blip r:embed="rId5"/>
+                      <a:blip r:embed="rId4"/>
                       <a:stretch>
                         <a:fillRect/>
                       </a:stretch>
@@ -9320,7 +9842,7 @@
           <p:nvPr/>
         </p:nvPicPr>
         <p:blipFill rotWithShape="1">
-          <a:blip r:embed="rId6"/>
+          <a:blip r:embed="rId5"/>
           <a:srcRect l="17" r="2000"/>
           <a:stretch/>
         </p:blipFill>
@@ -9344,13 +9866,6 @@
   <p:clrMapOvr>
     <a:masterClrMapping/>
   </p:clrMapOvr>
-  <p:timing>
-    <p:tnLst>
-      <p:par>
-        <p:cTn id="1" dur="indefinite" restart="never" nodeType="tmRoot"/>
-      </p:par>
-    </p:tnLst>
-  </p:timing>
 </p:sld>
 </file>
 
@@ -9413,10 +9928,9 @@
           <a:lstStyle/>
           <a:p>
             <a:r>
-              <a:rPr lang="en-US" dirty="0" smtClean="0"/>
+              <a:rPr lang="en-US" dirty="0"/>
               <a:t>Saving Activity State Using a Bundle</a:t>
             </a:r>
-            <a:endParaRPr lang="en-US" dirty="0"/>
           </a:p>
         </p:txBody>
       </p:sp>
@@ -9443,11 +9957,11 @@
           <a:lstStyle/>
           <a:p>
             <a:r>
-              <a:rPr lang="en-US" dirty="0" smtClean="0"/>
+              <a:rPr lang="en-US" dirty="0"/>
               <a:t>The method </a:t>
             </a:r>
             <a:r>
-              <a:rPr lang="en-US" b="1" i="1" dirty="0" smtClean="0"/>
+              <a:rPr lang="en-US" b="1" i="1" dirty="0"/>
               <a:t>void </a:t>
             </a:r>
             <a:r>
@@ -9459,20 +9973,16 @@
               <a:t> (Bundle </a:t>
             </a:r>
             <a:r>
-              <a:rPr lang="en-US" b="1" i="1" dirty="0" err="1" smtClean="0"/>
+              <a:rPr lang="en-US" b="1" i="1" dirty="0" err="1"/>
               <a:t>outState</a:t>
             </a:r>
             <a:r>
-              <a:rPr lang="en-US" b="1" i="1" dirty="0" smtClean="0"/>
+              <a:rPr lang="en-US" b="1" i="1" dirty="0"/>
               <a:t>) </a:t>
             </a:r>
             <a:r>
-              <a:rPr lang="en-US" dirty="0" smtClean="0"/>
-              <a:t>is called </a:t>
-            </a:r>
-            <a:r>
               <a:rPr lang="en-US" dirty="0"/>
-              <a:t>to retrieve per-instance state from an activity before being killed so that the state can be restored in  </a:t>
+              <a:t>is called to retrieve per-instance state from an activity before being killed so that the state can be restored in  </a:t>
             </a:r>
             <a:r>
               <a:rPr lang="en-US" dirty="0" err="1"/>
@@ -9500,13 +10010,8 @@
           <a:p>
             <a:r>
               <a:rPr lang="en-US" dirty="0"/>
-              <a:t>This method is called before an activity may be killed so that when it comes back some time in the future it can restore its state. – Android </a:t>
-            </a:r>
-            <a:r>
-              <a:rPr lang="en-US" dirty="0" smtClean="0"/>
-              <a:t>Developers</a:t>
-            </a:r>
-            <a:endParaRPr lang="en-US" dirty="0"/>
+              <a:t>This method is called before an activity may be killed so that when it comes back some time in the future it can restore its state. – Android Developers</a:t>
+            </a:r>
           </a:p>
         </p:txBody>
       </p:sp>
@@ -9561,13 +10066,6 @@
   <p:clrMapOvr>
     <a:masterClrMapping/>
   </p:clrMapOvr>
-  <p:timing>
-    <p:tnLst>
-      <p:par>
-        <p:cTn id="1" dur="indefinite" restart="never" nodeType="tmRoot"/>
-      </p:par>
-    </p:tnLst>
-  </p:timing>
 </p:sld>
 </file>
 
@@ -9609,18 +10107,18 @@
           <a:lstStyle/>
           <a:p>
             <a:r>
-              <a:rPr lang="en-US" dirty="0" smtClean="0"/>
+              <a:rPr lang="en-US" dirty="0"/>
               <a:t>Example of Saving Activity State</a:t>
             </a:r>
             <a:br>
-              <a:rPr lang="en-US" dirty="0" smtClean="0"/>
+              <a:rPr lang="en-US" dirty="0"/>
             </a:br>
             <a:r>
-              <a:rPr lang="en-US" dirty="0" smtClean="0"/>
+              <a:rPr lang="en-US" dirty="0"/>
               <a:t>Using </a:t>
             </a:r>
             <a:r>
-              <a:rPr lang="en-US" i="1" dirty="0" err="1" smtClean="0"/>
+              <a:rPr lang="en-US" i="1" dirty="0" err="1"/>
               <a:t>onSaveInstanceState</a:t>
             </a:r>
             <a:endParaRPr lang="en-US" i="1" dirty="0"/>
@@ -9636,7 +10134,7 @@
         <p:spPr>
           <a:xfrm>
             <a:off x="381000" y="1447800"/>
-            <a:ext cx="8001000" cy="4708981"/>
+            <a:ext cx="8001000" cy="4401205"/>
           </a:xfrm>
           <a:prstGeom prst="rect">
             <a:avLst/>
@@ -9655,23 +10153,7 @@
                   <a:srgbClr val="000080"/>
                 </a:solidFill>
               </a:rPr>
-              <a:t> </a:t>
-            </a:r>
-            <a:r>
-              <a:rPr lang="en-US" sz="2000" b="1" dirty="0" smtClean="0">
-                <a:solidFill>
-                  <a:srgbClr val="000080"/>
-                </a:solidFill>
-              </a:rPr>
-              <a:t>   static </a:t>
-            </a:r>
-            <a:r>
-              <a:rPr lang="en-US" sz="2000" b="1" dirty="0">
-                <a:solidFill>
-                  <a:srgbClr val="000080"/>
-                </a:solidFill>
-              </a:rPr>
-              <a:t>final </a:t>
+              <a:t>    static final </a:t>
             </a:r>
             <a:r>
               <a:rPr lang="en-US" sz="2000" dirty="0"/>
@@ -9765,7 +10247,7 @@
               <a:t>playerLevel</a:t>
             </a:r>
             <a:r>
-              <a:rPr lang="en-US" sz="2000" b="1" dirty="0" smtClean="0">
+              <a:rPr lang="en-US" sz="2000" b="1" dirty="0">
                 <a:solidFill>
                   <a:srgbClr val="008000"/>
                 </a:solidFill>
@@ -9773,21 +10255,17 @@
               <a:t>"</a:t>
             </a:r>
             <a:r>
-              <a:rPr lang="en-US" sz="2000" dirty="0" smtClean="0"/>
+              <a:rPr lang="en-US" sz="2000" dirty="0"/>
               <a:t>;</a:t>
             </a:r>
           </a:p>
           <a:p>
             <a:r>
               <a:rPr lang="en-US" sz="2000" dirty="0"/>
-              <a:t> </a:t>
-            </a:r>
-            <a:r>
-              <a:rPr lang="en-US" sz="2000" dirty="0" smtClean="0"/>
-              <a:t>   </a:t>
-            </a:r>
-            <a:r>
-              <a:rPr lang="en-US" sz="2000" b="1" dirty="0" smtClean="0">
+              <a:t>    </a:t>
+            </a:r>
+            <a:r>
+              <a:rPr lang="en-US" sz="2000" b="1" dirty="0">
                 <a:solidFill>
                   <a:srgbClr val="000080"/>
                 </a:solidFill>
@@ -9795,15 +10273,15 @@
               <a:t>private </a:t>
             </a:r>
             <a:r>
-              <a:rPr lang="en-US" sz="2000" dirty="0" err="1" smtClean="0"/>
+              <a:rPr lang="en-US" sz="2000" dirty="0" err="1"/>
               <a:t>int</a:t>
             </a:r>
             <a:r>
-              <a:rPr lang="en-US" sz="2000" dirty="0" smtClean="0"/>
+              <a:rPr lang="en-US" sz="2000" dirty="0"/>
               <a:t> </a:t>
             </a:r>
             <a:r>
-              <a:rPr lang="en-US" sz="2000" b="1" dirty="0" err="1" smtClean="0">
+              <a:rPr lang="en-US" sz="2000" b="1" dirty="0" err="1">
                 <a:solidFill>
                   <a:srgbClr val="660E7A"/>
                 </a:solidFill>
@@ -9811,7 +10289,7 @@
               <a:t>mCurrentScore</a:t>
             </a:r>
             <a:r>
-              <a:rPr lang="en-US" sz="2000" b="1" i="1" dirty="0" smtClean="0">
+              <a:rPr lang="en-US" sz="2000" b="1" i="1" dirty="0">
                 <a:solidFill>
                   <a:srgbClr val="660E7A"/>
                 </a:solidFill>
@@ -9823,7 +10301,7 @@
               <a:t>= </a:t>
             </a:r>
             <a:r>
-              <a:rPr lang="en-US" sz="2000" b="1" dirty="0" smtClean="0">
+              <a:rPr lang="en-US" sz="2000" b="1" dirty="0">
                 <a:solidFill>
                   <a:srgbClr val="0033CC"/>
                 </a:solidFill>
@@ -9831,21 +10309,17 @@
               <a:t>0</a:t>
             </a:r>
             <a:r>
-              <a:rPr lang="en-US" sz="2000" b="1" dirty="0" smtClean="0"/>
+              <a:rPr lang="en-US" sz="2000" b="1" dirty="0"/>
               <a:t>;</a:t>
             </a:r>
           </a:p>
           <a:p>
             <a:r>
               <a:rPr lang="en-US" sz="2000" dirty="0"/>
-              <a:t> </a:t>
-            </a:r>
-            <a:r>
-              <a:rPr lang="en-US" sz="2000" dirty="0" smtClean="0"/>
-              <a:t>   </a:t>
-            </a:r>
-            <a:r>
-              <a:rPr lang="en-US" sz="2000" b="1" dirty="0" smtClean="0">
+              <a:t>    </a:t>
+            </a:r>
+            <a:r>
+              <a:rPr lang="en-US" sz="2000" b="1" dirty="0">
                 <a:solidFill>
                   <a:srgbClr val="000080"/>
                 </a:solidFill>
@@ -9892,33 +10366,22 @@
               <a:rPr lang="en-US" sz="2000" b="1" dirty="0"/>
               <a:t>;</a:t>
             </a:r>
-            <a:r>
-              <a:rPr lang="en-US" sz="2000" dirty="0" smtClean="0"/>
-              <a:t/>
-            </a:r>
             <a:br>
-              <a:rPr lang="en-US" sz="2000" dirty="0" smtClean="0"/>
+              <a:rPr lang="en-US" sz="2000" dirty="0"/>
             </a:br>
             <a:r>
-              <a:rPr lang="en-US" sz="2000" dirty="0" smtClean="0"/>
+              <a:rPr lang="en-US" sz="2000" dirty="0"/>
               <a:t>    ...</a:t>
             </a:r>
             <a:br>
-              <a:rPr lang="en-US" sz="2000" dirty="0" smtClean="0"/>
+              <a:rPr lang="en-US" sz="2000" dirty="0"/>
             </a:br>
             <a:r>
-              <a:rPr lang="en-US" sz="2000" dirty="0" smtClean="0"/>
-              <a:t/>
-            </a:r>
-            <a:br>
-              <a:rPr lang="en-US" sz="2000" dirty="0" smtClean="0"/>
-            </a:br>
-            <a:r>
-              <a:rPr lang="en-US" sz="2000" dirty="0" smtClean="0"/>
+              <a:rPr lang="en-US" sz="2000" dirty="0"/>
               <a:t>    </a:t>
             </a:r>
             <a:r>
-              <a:rPr lang="en-US" sz="2000" dirty="0" smtClean="0">
+              <a:rPr lang="en-US" sz="2000" dirty="0">
                 <a:solidFill>
                   <a:srgbClr val="808000"/>
                 </a:solidFill>
@@ -9926,14 +10389,14 @@
               <a:t>@Override</a:t>
             </a:r>
             <a:br>
-              <a:rPr lang="en-US" sz="2000" dirty="0" smtClean="0">
+              <a:rPr lang="en-US" sz="2000" dirty="0">
                 <a:solidFill>
                   <a:srgbClr val="808000"/>
                 </a:solidFill>
               </a:rPr>
             </a:br>
             <a:r>
-              <a:rPr lang="en-US" sz="2000" dirty="0" smtClean="0">
+              <a:rPr lang="en-US" sz="2000" dirty="0">
                 <a:solidFill>
                   <a:srgbClr val="808000"/>
                 </a:solidFill>
@@ -9941,7 +10404,7 @@
               <a:t>    </a:t>
             </a:r>
             <a:r>
-              <a:rPr lang="en-US" sz="2000" b="1" dirty="0" smtClean="0">
+              <a:rPr lang="en-US" sz="2000" b="1" dirty="0">
                 <a:solidFill>
                   <a:srgbClr val="000080"/>
                 </a:solidFill>
@@ -9949,30 +10412,30 @@
               <a:t>public void </a:t>
             </a:r>
             <a:r>
-              <a:rPr lang="en-US" sz="2000" dirty="0" err="1" smtClean="0"/>
+              <a:rPr lang="en-US" sz="2000" dirty="0" err="1"/>
               <a:t>onSaveInstanceState</a:t>
             </a:r>
             <a:r>
-              <a:rPr lang="en-US" sz="2000" dirty="0" smtClean="0"/>
+              <a:rPr lang="en-US" sz="2000" dirty="0"/>
               <a:t>(Bundle </a:t>
             </a:r>
             <a:r>
-              <a:rPr lang="en-US" sz="2000" dirty="0" err="1" smtClean="0"/>
+              <a:rPr lang="en-US" sz="2000" dirty="0" err="1"/>
               <a:t>savedInstanceState</a:t>
             </a:r>
             <a:r>
-              <a:rPr lang="en-US" sz="2000" dirty="0" smtClean="0"/>
+              <a:rPr lang="en-US" sz="2000" dirty="0"/>
               <a:t>)  {</a:t>
             </a:r>
             <a:br>
-              <a:rPr lang="en-US" sz="2000" dirty="0" smtClean="0"/>
+              <a:rPr lang="en-US" sz="2000" dirty="0"/>
             </a:br>
             <a:r>
-              <a:rPr lang="en-US" sz="2000" dirty="0" smtClean="0"/>
+              <a:rPr lang="en-US" sz="2000" dirty="0"/>
               <a:t>      </a:t>
             </a:r>
             <a:r>
-              <a:rPr lang="en-US" sz="2000" i="1" dirty="0" smtClean="0">
+              <a:rPr lang="en-US" sz="2000" i="1" dirty="0">
                 <a:solidFill>
                   <a:srgbClr val="808080"/>
                 </a:solidFill>
@@ -9980,26 +10443,26 @@
               <a:t>// Save the user's current game state</a:t>
             </a:r>
             <a:br>
-              <a:rPr lang="en-US" sz="2000" i="1" dirty="0" smtClean="0">
+              <a:rPr lang="en-US" sz="2000" i="1" dirty="0">
                 <a:solidFill>
                   <a:srgbClr val="808080"/>
                 </a:solidFill>
               </a:rPr>
             </a:br>
             <a:r>
-              <a:rPr lang="en-US" sz="2000" dirty="0" smtClean="0"/>
+              <a:rPr lang="en-US" sz="2000" dirty="0"/>
               <a:t>      </a:t>
             </a:r>
             <a:r>
-              <a:rPr lang="en-US" sz="2000" dirty="0" err="1" smtClean="0"/>
+              <a:rPr lang="en-US" sz="2000" dirty="0" err="1"/>
               <a:t>savedInstanceState.putInt</a:t>
             </a:r>
             <a:r>
-              <a:rPr lang="en-US" sz="2000" dirty="0" smtClean="0"/>
+              <a:rPr lang="en-US" sz="2000" dirty="0"/>
               <a:t>(</a:t>
             </a:r>
             <a:r>
-              <a:rPr lang="en-US" sz="2000" b="1" i="1" dirty="0" smtClean="0">
+              <a:rPr lang="en-US" sz="2000" b="1" i="1" dirty="0">
                 <a:solidFill>
                   <a:srgbClr val="660E7A"/>
                 </a:solidFill>
@@ -10007,34 +10470,34 @@
               <a:t>STATE_SCORE</a:t>
             </a:r>
             <a:r>
-              <a:rPr lang="en-US" sz="2000" dirty="0" smtClean="0"/>
+              <a:rPr lang="en-US" sz="2000" dirty="0"/>
               <a:t>, </a:t>
             </a:r>
             <a:r>
-              <a:rPr lang="en-US" sz="2000" dirty="0" err="1" smtClean="0"/>
+              <a:rPr lang="en-US" sz="2000" dirty="0" err="1"/>
               <a:t>mCurrentScore</a:t>
             </a:r>
             <a:r>
-              <a:rPr lang="en-US" sz="2000" dirty="0" smtClean="0"/>
+              <a:rPr lang="en-US" sz="2000" dirty="0"/>
               <a:t>);</a:t>
             </a:r>
             <a:br>
-              <a:rPr lang="en-US" sz="2000" dirty="0" smtClean="0"/>
+              <a:rPr lang="en-US" sz="2000" dirty="0"/>
             </a:br>
             <a:r>
-              <a:rPr lang="en-US" sz="2000" dirty="0" smtClean="0"/>
+              <a:rPr lang="en-US" sz="2000" dirty="0"/>
               <a:t>      </a:t>
             </a:r>
             <a:r>
-              <a:rPr lang="en-US" sz="2000" dirty="0" err="1" smtClean="0"/>
+              <a:rPr lang="en-US" sz="2000" dirty="0" err="1"/>
               <a:t>savedInstanceState.putInt</a:t>
             </a:r>
             <a:r>
-              <a:rPr lang="en-US" sz="2000" dirty="0" smtClean="0"/>
+              <a:rPr lang="en-US" sz="2000" dirty="0"/>
               <a:t>(</a:t>
             </a:r>
             <a:r>
-              <a:rPr lang="en-US" sz="2000" b="1" i="1" dirty="0" smtClean="0">
+              <a:rPr lang="en-US" sz="2000" b="1" i="1" dirty="0">
                 <a:solidFill>
                   <a:srgbClr val="660E7A"/>
                 </a:solidFill>
@@ -10042,33 +10505,29 @@
               <a:t>STATE_LEVEL</a:t>
             </a:r>
             <a:r>
-              <a:rPr lang="en-US" sz="2000" dirty="0" smtClean="0"/>
+              <a:rPr lang="en-US" sz="2000" dirty="0"/>
               <a:t>, </a:t>
             </a:r>
             <a:r>
-              <a:rPr lang="en-US" sz="2000" dirty="0" err="1" smtClean="0"/>
+              <a:rPr lang="en-US" sz="2000" dirty="0" err="1"/>
               <a:t>mCurrentLevel</a:t>
             </a:r>
             <a:r>
-              <a:rPr lang="en-US" sz="2000" dirty="0" smtClean="0"/>
+              <a:rPr lang="en-US" sz="2000" dirty="0"/>
               <a:t>);</a:t>
             </a:r>
             <a:br>
-              <a:rPr lang="en-US" sz="2000" dirty="0" smtClean="0"/>
+              <a:rPr lang="en-US" sz="2000" dirty="0"/>
             </a:br>
-            <a:r>
-              <a:rPr lang="en-US" sz="2000" dirty="0" smtClean="0"/>
-              <a:t/>
-            </a:r>
             <a:br>
-              <a:rPr lang="en-US" sz="2000" dirty="0" smtClean="0"/>
+              <a:rPr lang="en-US" sz="2000" dirty="0"/>
             </a:br>
             <a:r>
-              <a:rPr lang="en-US" sz="2000" dirty="0" smtClean="0"/>
+              <a:rPr lang="en-US" sz="2000" dirty="0"/>
               <a:t>      </a:t>
             </a:r>
             <a:r>
-              <a:rPr lang="en-US" sz="2000" i="1" dirty="0" smtClean="0">
+              <a:rPr lang="en-US" sz="2000" i="1" dirty="0">
                 <a:solidFill>
                   <a:srgbClr val="808080"/>
                 </a:solidFill>
@@ -10076,18 +10535,18 @@
               <a:t>// Always call the superclass so it can save the view hierarchy state</a:t>
             </a:r>
             <a:br>
-              <a:rPr lang="en-US" sz="2000" i="1" dirty="0" smtClean="0">
+              <a:rPr lang="en-US" sz="2000" i="1" dirty="0">
                 <a:solidFill>
                   <a:srgbClr val="808080"/>
                 </a:solidFill>
               </a:rPr>
             </a:br>
             <a:r>
-              <a:rPr lang="en-US" sz="2000" dirty="0" smtClean="0"/>
+              <a:rPr lang="en-US" sz="2000" dirty="0"/>
               <a:t>      </a:t>
             </a:r>
             <a:r>
-              <a:rPr lang="en-US" sz="2000" b="1" dirty="0" err="1" smtClean="0">
+              <a:rPr lang="en-US" sz="2000" b="1" dirty="0" err="1">
                 <a:solidFill>
                   <a:srgbClr val="000080"/>
                 </a:solidFill>
@@ -10095,29 +10554,29 @@
               <a:t>super</a:t>
             </a:r>
             <a:r>
-              <a:rPr lang="en-US" sz="2000" dirty="0" err="1" smtClean="0"/>
+              <a:rPr lang="en-US" sz="2000" dirty="0" err="1"/>
               <a:t>.onSaveInstanceState</a:t>
             </a:r>
             <a:r>
-              <a:rPr lang="en-US" sz="2000" dirty="0" smtClean="0"/>
+              <a:rPr lang="en-US" sz="2000" dirty="0"/>
               <a:t>(</a:t>
             </a:r>
             <a:r>
-              <a:rPr lang="en-US" sz="2000" dirty="0" err="1" smtClean="0"/>
+              <a:rPr lang="en-US" sz="2000" dirty="0" err="1"/>
               <a:t>savedInstanceState</a:t>
             </a:r>
             <a:r>
-              <a:rPr lang="en-US" sz="2000" dirty="0" smtClean="0"/>
+              <a:rPr lang="en-US" sz="2000" dirty="0"/>
               <a:t>);</a:t>
             </a:r>
             <a:br>
-              <a:rPr lang="en-US" sz="2000" dirty="0" smtClean="0"/>
+              <a:rPr lang="en-US" sz="2000" dirty="0"/>
             </a:br>
             <a:r>
-              <a:rPr lang="en-US" sz="2000" dirty="0" smtClean="0"/>
+              <a:rPr lang="en-US" sz="2000" dirty="0"/>
               <a:t>    }</a:t>
             </a:r>
-            <a:endParaRPr lang="en-US" sz="2000" dirty="0" smtClean="0">
+            <a:endParaRPr lang="en-US" sz="2000" dirty="0">
               <a:latin typeface="Courier" charset="0"/>
               <a:ea typeface="Courier" charset="0"/>
               <a:cs typeface="Courier" charset="0"/>
@@ -10125,6 +10584,36 @@
           </a:p>
         </p:txBody>
       </p:sp>
+      <p:pic>
+        <p:nvPicPr>
+          <p:cNvPr id="3" name="Picture 2">
+            <a:extLst>
+              <a:ext uri="{FF2B5EF4-FFF2-40B4-BE49-F238E27FC236}">
+                <a16:creationId xmlns:a16="http://schemas.microsoft.com/office/drawing/2014/main" id="{C0810A87-1331-3242-A3BE-1E121B8B74C1}"/>
+              </a:ext>
+            </a:extLst>
+          </p:cNvPr>
+          <p:cNvPicPr>
+            <a:picLocks noChangeAspect="1"/>
+          </p:cNvPicPr>
+          <p:nvPr/>
+        </p:nvPicPr>
+        <p:blipFill>
+          <a:blip r:embed="rId3"/>
+          <a:stretch>
+            <a:fillRect/>
+          </a:stretch>
+        </p:blipFill>
+        <p:spPr>
+          <a:xfrm>
+            <a:off x="6629400" y="4901419"/>
+            <a:ext cx="2038350" cy="1598143"/>
+          </a:xfrm>
+          <a:prstGeom prst="rect">
+            <a:avLst/>
+          </a:prstGeom>
+        </p:spPr>
+      </p:pic>
     </p:spTree>
     <p:extLst>
       <p:ext uri="{BB962C8B-B14F-4D97-AF65-F5344CB8AC3E}">
